--- a/Courses/Computer-Modeling-and-IT/Computer-Modeling-and-IT-6-Class/20-Presenting-a-Presentation-to-an-Audience/20-Presenting-a-Presentation-to-an-Audience.pptx
+++ b/Courses/Computer-Modeling-and-IT/Computer-Modeling-and-IT-6-Class/20-Presenting-a-Presentation-to-an-Audience/20-Presenting-a-Presentation-to-an-Audience.pptx
@@ -5,10 +5,10 @@
     <p:sldMasterId id="2147483675" r:id="rId1"/>
   </p:sldMasterIdLst>
   <p:notesMasterIdLst>
-    <p:notesMasterId r:id="rId17"/>
+    <p:notesMasterId r:id="rId22"/>
   </p:notesMasterIdLst>
   <p:handoutMasterIdLst>
-    <p:handoutMasterId r:id="rId18"/>
+    <p:handoutMasterId r:id="rId23"/>
   </p:handoutMasterIdLst>
   <p:sldIdLst>
     <p:sldId id="503" r:id="rId2"/>
@@ -23,9 +23,14 @@
     <p:sldId id="597" r:id="rId11"/>
     <p:sldId id="598" r:id="rId12"/>
     <p:sldId id="600" r:id="rId13"/>
-    <p:sldId id="586" r:id="rId14"/>
-    <p:sldId id="504" r:id="rId15"/>
-    <p:sldId id="505" r:id="rId16"/>
+    <p:sldId id="601" r:id="rId14"/>
+    <p:sldId id="603" r:id="rId15"/>
+    <p:sldId id="604" r:id="rId16"/>
+    <p:sldId id="605" r:id="rId17"/>
+    <p:sldId id="606" r:id="rId18"/>
+    <p:sldId id="586" r:id="rId19"/>
+    <p:sldId id="504" r:id="rId20"/>
+    <p:sldId id="505" r:id="rId21"/>
   </p:sldIdLst>
   <p:sldSz cx="12192000" cy="6858000"/>
   <p:notesSz cx="6858000" cy="9144000"/>
@@ -149,6 +154,11 @@
         <p14:section name="͏Представяне на презентация" id="{78C94465-4304-4169-BD23-335EC94D1132}">
           <p14:sldIdLst>
             <p14:sldId id="600"/>
+            <p14:sldId id="601"/>
+            <p14:sldId id="603"/>
+            <p14:sldId id="604"/>
+            <p14:sldId id="605"/>
+            <p14:sldId id="606"/>
           </p14:sldIdLst>
         </p14:section>
         <p14:section name="Заключение" id="{E19D07F1-86E2-47E9-B2AB-7ADC4F89DC12}">
@@ -275,7 +285,7 @@
           <a:p>
             <a:fld id="{4E087215-0C8F-4762-A664-737A353EC9A4}" type="datetimeFigureOut">
               <a:rPr lang="bg-BG" smtClean="0"/>
-              <a:t>9.8.2024 г.</a:t>
+              <a:t>12.8.2024 г.</a:t>
             </a:fld>
             <a:endParaRPr lang="bg-BG"/>
           </a:p>
@@ -471,7 +481,7 @@
           <a:p>
             <a:fld id="{72D84649-876A-46C9-8472-14CB09C070D8}" type="datetimeFigureOut">
               <a:rPr lang="en-US" smtClean="0"/>
-              <a:t>8/9/2024</a:t>
+              <a:t>8/12/2024</a:t>
             </a:fld>
             <a:endParaRPr lang="en-US"/>
           </a:p>
@@ -1191,6 +1201,127 @@
       </p:sp>
       <p:sp>
         <p:nvSpPr>
+          <p:cNvPr id="4" name="Slide Number Placeholder 3"/>
+          <p:cNvSpPr>
+            <a:spLocks noGrp="1"/>
+          </p:cNvSpPr>
+          <p:nvPr>
+            <p:ph type="sldNum" sz="quarter" idx="10"/>
+          </p:nvPr>
+        </p:nvSpPr>
+        <p:spPr/>
+        <p:txBody>
+          <a:bodyPr/>
+          <a:lstStyle/>
+          <a:p>
+            <a:fld id="{2BF067CD-8E6B-4360-9AA8-C5DF2A48A6D1}" type="slidenum">
+              <a:rPr lang="en-US" smtClean="0"/>
+              <a:t>17</a:t>
+            </a:fld>
+            <a:endParaRPr lang="en-US" dirty="0"/>
+          </a:p>
+        </p:txBody>
+      </p:sp>
+      <p:sp>
+        <p:nvSpPr>
+          <p:cNvPr id="5" name="Footer Placeholder 4"/>
+          <p:cNvSpPr>
+            <a:spLocks noGrp="1"/>
+          </p:cNvSpPr>
+          <p:nvPr>
+            <p:ph type="ftr" sz="quarter" idx="11"/>
+          </p:nvPr>
+        </p:nvSpPr>
+        <p:spPr/>
+        <p:txBody>
+          <a:bodyPr/>
+          <a:lstStyle/>
+          <a:p>
+            <a:r>
+              <a:rPr lang="bg-BG" sz="1100" smtClean="0"/>
+              <a:t>Работна група </a:t>
+            </a:r>
+            <a:r>
+              <a:rPr lang="bg-BG" smtClean="0"/>
+              <a:t>"Образование по програмиране и ИТ"</a:t>
+            </a:r>
+            <a:r>
+              <a:rPr lang="bg-BG" sz="1100" smtClean="0"/>
+              <a:t>, с подкрепата на </a:t>
+            </a:r>
+            <a:r>
+              <a:rPr lang="en-US" sz="1100" smtClean="0">
+                <a:hlinkClick r:id="rId3"/>
+              </a:rPr>
+              <a:t>SoftUni</a:t>
+            </a:r>
+            <a:endParaRPr lang="en-US" sz="1100" dirty="0"/>
+          </a:p>
+        </p:txBody>
+      </p:sp>
+    </p:spTree>
+    <p:extLst>
+      <p:ext uri="{BB962C8B-B14F-4D97-AF65-F5344CB8AC3E}">
+        <p14:creationId xmlns:p14="http://schemas.microsoft.com/office/powerpoint/2010/main" val="3427775569"/>
+      </p:ext>
+    </p:extLst>
+  </p:cSld>
+  <p:clrMapOvr>
+    <a:masterClrMapping/>
+  </p:clrMapOvr>
+</p:notes>
+</file>
+
+<file path=ppt/notesSlides/notesSlide4.xml><?xml version="1.0" encoding="utf-8"?>
+<p:notes xmlns:a="http://schemas.openxmlformats.org/drawingml/2006/main" xmlns:r="http://schemas.openxmlformats.org/officeDocument/2006/relationships" xmlns:p="http://schemas.openxmlformats.org/presentationml/2006/main">
+  <p:cSld>
+    <p:spTree>
+      <p:nvGrpSpPr>
+        <p:cNvPr id="1" name=""/>
+        <p:cNvGrpSpPr/>
+        <p:nvPr/>
+      </p:nvGrpSpPr>
+      <p:grpSpPr>
+        <a:xfrm>
+          <a:off x="0" y="0"/>
+          <a:ext cx="0" cy="0"/>
+          <a:chOff x="0" y="0"/>
+          <a:chExt cx="0" cy="0"/>
+        </a:xfrm>
+      </p:grpSpPr>
+      <p:sp>
+        <p:nvSpPr>
+          <p:cNvPr id="2" name="Slide Image Placeholder 1"/>
+          <p:cNvSpPr>
+            <a:spLocks noGrp="1" noRot="1" noChangeAspect="1"/>
+          </p:cNvSpPr>
+          <p:nvPr>
+            <p:ph type="sldImg"/>
+          </p:nvPr>
+        </p:nvSpPr>
+        <p:spPr/>
+      </p:sp>
+      <p:sp>
+        <p:nvSpPr>
+          <p:cNvPr id="3" name="Notes Placeholder 2"/>
+          <p:cNvSpPr>
+            <a:spLocks noGrp="1"/>
+          </p:cNvSpPr>
+          <p:nvPr>
+            <p:ph type="body" idx="1"/>
+          </p:nvPr>
+        </p:nvSpPr>
+        <p:spPr/>
+        <p:txBody>
+          <a:bodyPr/>
+          <a:lstStyle/>
+          <a:p>
+            <a:endParaRPr lang="en-US" dirty="0"/>
+          </a:p>
+        </p:txBody>
+      </p:sp>
+      <p:sp>
+        <p:nvSpPr>
           <p:cNvPr id="4" name="Footer Placeholder 3"/>
           <p:cNvSpPr>
             <a:spLocks noGrp="1"/>
@@ -1256,7 +1387,7 @@
             <a:fld id="{3EBA5BD7-F043-4D1B-AA17-CD412FC534DE}" type="slidenum">
               <a:rPr lang="en-US" smtClean="0"/>
               <a:pPr/>
-              <a:t>13</a:t>
+              <a:t>18</a:t>
             </a:fld>
             <a:endParaRPr lang="en-US" dirty="0"/>
           </a:p>
@@ -1275,7 +1406,7 @@
 </p:notes>
 </file>
 
-<file path=ppt/notesSlides/notesSlide4.xml><?xml version="1.0" encoding="utf-8"?>
+<file path=ppt/notesSlides/notesSlide5.xml><?xml version="1.0" encoding="utf-8"?>
 <p:notes xmlns:a="http://schemas.openxmlformats.org/drawingml/2006/main" xmlns:r="http://schemas.openxmlformats.org/officeDocument/2006/relationships" xmlns:p="http://schemas.openxmlformats.org/presentationml/2006/main">
   <p:cSld>
     <p:spTree>
@@ -1447,7 +1578,7 @@
             <a:fld id="{3EBA5BD7-F043-4D1B-AA17-CD412FC534DE}" type="slidenum">
               <a:rPr lang="en-US" smtClean="0"/>
               <a:pPr/>
-              <a:t>14</a:t>
+              <a:t>19</a:t>
             </a:fld>
             <a:endParaRPr lang="en-US" dirty="0"/>
           </a:p>
@@ -1505,7 +1636,7 @@
 </p:notes>
 </file>
 
-<file path=ppt/notesSlides/notesSlide5.xml><?xml version="1.0" encoding="utf-8"?>
+<file path=ppt/notesSlides/notesSlide6.xml><?xml version="1.0" encoding="utf-8"?>
 <p:notes xmlns:a="http://schemas.openxmlformats.org/drawingml/2006/main" xmlns:r="http://schemas.openxmlformats.org/officeDocument/2006/relationships" xmlns:p="http://schemas.openxmlformats.org/presentationml/2006/main">
   <p:cSld>
     <p:spTree>
@@ -1677,7 +1808,7 @@
             <a:fld id="{3EBA5BD7-F043-4D1B-AA17-CD412FC534DE}" type="slidenum">
               <a:rPr lang="en-US" smtClean="0"/>
               <a:pPr/>
-              <a:t>15</a:t>
+              <a:t>20</a:t>
             </a:fld>
             <a:endParaRPr lang="en-US" dirty="0"/>
           </a:p>
@@ -7602,7 +7733,7 @@
         </p:blipFill>
         <p:spPr bwMode="auto">
           <a:xfrm>
-            <a:off x="7242127" y="3429000"/>
+            <a:off x="520154" y="3354631"/>
             <a:ext cx="4253873" cy="2685875"/>
           </a:xfrm>
           <a:prstGeom prst="rect">
@@ -7625,36 +7756,6 @@
               </a14:hiddenFill>
             </a:ext>
           </a:extLst>
-        </p:spPr>
-      </p:pic>
-      <p:pic>
-        <p:nvPicPr>
-          <p:cNvPr id="12" name="Picture 11">
-            <a:extLst>
-              <a:ext uri="{FF2B5EF4-FFF2-40B4-BE49-F238E27FC236}">
-                <a16:creationId xmlns:a16="http://schemas.microsoft.com/office/drawing/2014/main" id="{D692CDB3-FE32-5BC8-0703-B074F0B890F4}"/>
-              </a:ext>
-            </a:extLst>
-          </p:cNvPr>
-          <p:cNvPicPr>
-            <a:picLocks noChangeAspect="1"/>
-          </p:cNvPicPr>
-          <p:nvPr/>
-        </p:nvPicPr>
-        <p:blipFill>
-          <a:blip r:embed="rId3"/>
-          <a:stretch>
-            <a:fillRect/>
-          </a:stretch>
-        </p:blipFill>
-        <p:spPr>
-          <a:xfrm>
-            <a:off x="10927677" y="2799000"/>
-            <a:ext cx="1136646" cy="1112462"/>
-          </a:xfrm>
-          <a:prstGeom prst="rect">
-            <a:avLst/>
-          </a:prstGeom>
         </p:spPr>
       </p:pic>
       <p:sp>
@@ -7819,7 +7920,7 @@
           <p:nvPr/>
         </p:nvPicPr>
         <p:blipFill>
-          <a:blip r:embed="rId4">
+          <a:blip r:embed="rId3">
             <a:extLst>
               <a:ext uri="{28A0092B-C50C-407E-A947-70E740481C1C}">
                 <a14:useLocalDpi xmlns:a14="http://schemas.microsoft.com/office/drawing/2010/main" val="0"/>
@@ -7833,7 +7934,7 @@
         </p:blipFill>
         <p:spPr bwMode="auto">
           <a:xfrm>
-            <a:off x="460375" y="3159000"/>
+            <a:off x="7221000" y="3121918"/>
             <a:ext cx="4427000" cy="2952775"/>
           </a:xfrm>
           <a:prstGeom prst="rect">
@@ -7873,6 +7974,36 @@
           <p:nvPr/>
         </p:nvPicPr>
         <p:blipFill>
+          <a:blip r:embed="rId4"/>
+          <a:stretch>
+            <a:fillRect/>
+          </a:stretch>
+        </p:blipFill>
+        <p:spPr>
+          <a:xfrm>
+            <a:off x="4242455" y="2798400"/>
+            <a:ext cx="1131921" cy="1112462"/>
+          </a:xfrm>
+          <a:prstGeom prst="rect">
+            <a:avLst/>
+          </a:prstGeom>
+        </p:spPr>
+      </p:pic>
+      <p:pic>
+        <p:nvPicPr>
+          <p:cNvPr id="12" name="Picture 11">
+            <a:extLst>
+              <a:ext uri="{FF2B5EF4-FFF2-40B4-BE49-F238E27FC236}">
+                <a16:creationId xmlns:a16="http://schemas.microsoft.com/office/drawing/2014/main" id="{D692CDB3-FE32-5BC8-0703-B074F0B890F4}"/>
+              </a:ext>
+            </a:extLst>
+          </p:cNvPr>
+          <p:cNvPicPr>
+            <a:picLocks noChangeAspect="1"/>
+          </p:cNvPicPr>
+          <p:nvPr/>
+        </p:nvPicPr>
+        <p:blipFill>
           <a:blip r:embed="rId5"/>
           <a:stretch>
             <a:fillRect/>
@@ -7880,8 +8011,8 @@
         </p:blipFill>
         <p:spPr>
           <a:xfrm>
-            <a:off x="4321414" y="2663505"/>
-            <a:ext cx="1131921" cy="1112462"/>
+            <a:off x="10972751" y="2565687"/>
+            <a:ext cx="1136646" cy="1112462"/>
           </a:xfrm>
           <a:prstGeom prst="rect">
             <a:avLst/>
@@ -7967,7 +8098,7 @@
                                           </p:stCondLst>
                                         </p:cTn>
                                         <p:tgtEl>
-                                          <p:spTgt spid="8194"/>
+                                          <p:spTgt spid="8196"/>
                                         </p:tgtEl>
                                         <p:attrNameLst>
                                           <p:attrName>style.visibility</p:attrName>
@@ -8039,7 +8170,7 @@
                                           </p:stCondLst>
                                         </p:cTn>
                                         <p:tgtEl>
-                                          <p:spTgt spid="8196"/>
+                                          <p:spTgt spid="8194"/>
                                         </p:tgtEl>
                                         <p:attrNameLst>
                                           <p:attrName>style.visibility</p:attrName>
@@ -8202,6 +8333,2816 @@
 </file>
 
 <file path=ppt/slides/slide13.xml><?xml version="1.0" encoding="utf-8"?>
+<p:sld xmlns:a="http://schemas.openxmlformats.org/drawingml/2006/main" xmlns:r="http://schemas.openxmlformats.org/officeDocument/2006/relationships" xmlns:p="http://schemas.openxmlformats.org/presentationml/2006/main">
+  <p:cSld>
+    <p:spTree>
+      <p:nvGrpSpPr>
+        <p:cNvPr id="1" name=""/>
+        <p:cNvGrpSpPr/>
+        <p:nvPr/>
+      </p:nvGrpSpPr>
+      <p:grpSpPr>
+        <a:xfrm>
+          <a:off x="0" y="0"/>
+          <a:ext cx="0" cy="0"/>
+          <a:chOff x="0" y="0"/>
+          <a:chExt cx="0" cy="0"/>
+        </a:xfrm>
+      </p:grpSpPr>
+      <p:sp>
+        <p:nvSpPr>
+          <p:cNvPr id="5" name="Text Placeholder 4"/>
+          <p:cNvSpPr>
+            <a:spLocks noGrp="1"/>
+          </p:cNvSpPr>
+          <p:nvPr>
+            <p:ph type="body" sz="quarter" idx="10"/>
+          </p:nvPr>
+        </p:nvSpPr>
+        <p:spPr/>
+        <p:txBody>
+          <a:bodyPr/>
+          <a:lstStyle/>
+          <a:p>
+            <a:r>
+              <a:rPr lang="bg-BG" b="1" dirty="0" smtClean="0"/>
+              <a:t>Презентация</a:t>
+            </a:r>
+            <a:r>
+              <a:rPr lang="bg-BG" dirty="0" smtClean="0"/>
+              <a:t> може да се </a:t>
+            </a:r>
+            <a:r>
+              <a:rPr lang="bg-BG" b="1" dirty="0" smtClean="0"/>
+              <a:t>стартира</a:t>
+            </a:r>
+            <a:r>
+              <a:rPr lang="bg-BG" dirty="0" smtClean="0"/>
+              <a:t> чрез:</a:t>
+            </a:r>
+          </a:p>
+          <a:p>
+            <a:pPr lvl="1"/>
+            <a:r>
+              <a:rPr lang="bg-BG" dirty="0" smtClean="0"/>
+              <a:t>Командите от </a:t>
+            </a:r>
+            <a:r>
+              <a:rPr lang="bg-BG" b="1" dirty="0" smtClean="0"/>
+              <a:t>панела </a:t>
+            </a:r>
+            <a:r>
+              <a:rPr lang="en-US" b="1" dirty="0" smtClean="0">
+                <a:solidFill>
+                  <a:schemeClr val="bg1"/>
+                </a:solidFill>
+              </a:rPr>
+              <a:t>Start Slide Show </a:t>
+            </a:r>
+            <a:r>
+              <a:rPr lang="bg-BG" dirty="0" smtClean="0"/>
+              <a:t>на </a:t>
+            </a:r>
+            <a:r>
+              <a:rPr lang="bg-BG" b="1" dirty="0" smtClean="0"/>
+              <a:t>менюто </a:t>
+            </a:r>
+            <a:r>
+              <a:rPr lang="en-US" b="1" dirty="0" smtClean="0">
+                <a:solidFill>
+                  <a:schemeClr val="bg1"/>
+                </a:solidFill>
+              </a:rPr>
+              <a:t>Slide Show</a:t>
+            </a:r>
+          </a:p>
+          <a:p>
+            <a:pPr lvl="1"/>
+            <a:r>
+              <a:rPr lang="bg-BG" dirty="0" smtClean="0"/>
+              <a:t>Натискане на </a:t>
+            </a:r>
+            <a:r>
+              <a:rPr lang="bg-BG" b="1" dirty="0" smtClean="0"/>
+              <a:t>клавиша</a:t>
+            </a:r>
+            <a:r>
+              <a:rPr lang="bg-BG" dirty="0" smtClean="0"/>
+              <a:t> </a:t>
+            </a:r>
+            <a:r>
+              <a:rPr lang="en-US" dirty="0" smtClean="0"/>
+              <a:t>[</a:t>
+            </a:r>
+            <a:r>
+              <a:rPr lang="en-US" b="1" dirty="0" smtClean="0">
+                <a:solidFill>
+                  <a:schemeClr val="bg1"/>
+                </a:solidFill>
+              </a:rPr>
+              <a:t>F5</a:t>
+            </a:r>
+            <a:r>
+              <a:rPr lang="en-US" dirty="0" smtClean="0"/>
+              <a:t>]</a:t>
+            </a:r>
+            <a:endParaRPr lang="bg-BG" dirty="0" smtClean="0"/>
+          </a:p>
+          <a:p>
+            <a:pPr lvl="1"/>
+            <a:r>
+              <a:rPr lang="bg-BG" b="1" dirty="0" smtClean="0"/>
+              <a:t>Иконката</a:t>
+            </a:r>
+            <a:r>
+              <a:rPr lang="en-US" dirty="0" smtClean="0"/>
+              <a:t>           </a:t>
+            </a:r>
+            <a:r>
+              <a:rPr lang="bg-BG" dirty="0" smtClean="0"/>
+              <a:t>в долния десен ъгъл на </a:t>
+            </a:r>
+            <a:r>
+              <a:rPr lang="en-US" b="1" dirty="0" smtClean="0">
+                <a:solidFill>
+                  <a:schemeClr val="bg1"/>
+                </a:solidFill>
+              </a:rPr>
+              <a:t>PowerPoint</a:t>
+            </a:r>
+            <a:endParaRPr lang="bg-BG" b="1" dirty="0">
+              <a:solidFill>
+                <a:schemeClr val="bg1"/>
+              </a:solidFill>
+            </a:endParaRPr>
+          </a:p>
+          <a:p>
+            <a:pPr lvl="1"/>
+            <a:endParaRPr lang="en-US" dirty="0" smtClean="0"/>
+          </a:p>
+          <a:p>
+            <a:pPr lvl="1"/>
+            <a:endParaRPr lang="en-US" dirty="0"/>
+          </a:p>
+        </p:txBody>
+      </p:sp>
+      <p:sp>
+        <p:nvSpPr>
+          <p:cNvPr id="4" name="Title 3"/>
+          <p:cNvSpPr>
+            <a:spLocks noGrp="1"/>
+          </p:cNvSpPr>
+          <p:nvPr>
+            <p:ph type="title"/>
+          </p:nvPr>
+        </p:nvSpPr>
+        <p:spPr/>
+        <p:txBody>
+          <a:bodyPr/>
+          <a:lstStyle/>
+          <a:p>
+            <a:r>
+              <a:rPr lang="bg-BG" dirty="0" smtClean="0"/>
+              <a:t>Стартиране на презентация</a:t>
+            </a:r>
+            <a:endParaRPr lang="en-US" dirty="0"/>
+          </a:p>
+        </p:txBody>
+      </p:sp>
+      <p:pic>
+        <p:nvPicPr>
+          <p:cNvPr id="1026" name="Picture 2" descr="Ms Ppt Icon #44275 - Free Icons Library"/>
+          <p:cNvPicPr>
+            <a:picLocks noChangeAspect="1" noChangeArrowheads="1"/>
+          </p:cNvPicPr>
+          <p:nvPr/>
+        </p:nvPicPr>
+        <p:blipFill>
+          <a:blip r:embed="rId2">
+            <a:extLst>
+              <a:ext uri="{28A0092B-C50C-407E-A947-70E740481C1C}">
+                <a14:useLocalDpi xmlns:a14="http://schemas.microsoft.com/office/drawing/2010/main" val="0"/>
+              </a:ext>
+            </a:extLst>
+          </a:blip>
+          <a:srcRect/>
+          <a:stretch>
+            <a:fillRect/>
+          </a:stretch>
+        </p:blipFill>
+        <p:spPr bwMode="auto">
+          <a:xfrm>
+            <a:off x="7661654" y="3943078"/>
+            <a:ext cx="4518046" cy="2530891"/>
+          </a:xfrm>
+          <a:prstGeom prst="rect">
+            <a:avLst/>
+          </a:prstGeom>
+          <a:noFill/>
+          <a:ln>
+            <a:noFill/>
+          </a:ln>
+          <a:extLst>
+            <a:ext uri="{909E8E84-426E-40DD-AFC4-6F175D3DCCD1}">
+              <a14:hiddenFill xmlns:a14="http://schemas.microsoft.com/office/drawing/2010/main">
+                <a:solidFill>
+                  <a:srgbClr val="FFFFFF"/>
+                </a:solidFill>
+              </a14:hiddenFill>
+            </a:ext>
+          </a:extLst>
+        </p:spPr>
+      </p:pic>
+      <p:pic>
+        <p:nvPicPr>
+          <p:cNvPr id="1028" name="Picture 4" descr="Keyboard Tip: | Computer, Keyboard, Computer hardware"/>
+          <p:cNvPicPr>
+            <a:picLocks noChangeAspect="1" noChangeArrowheads="1"/>
+          </p:cNvPicPr>
+          <p:nvPr/>
+        </p:nvPicPr>
+        <p:blipFill rotWithShape="1">
+          <a:blip r:embed="rId3">
+            <a:extLst>
+              <a:ext uri="{28A0092B-C50C-407E-A947-70E740481C1C}">
+                <a14:useLocalDpi xmlns:a14="http://schemas.microsoft.com/office/drawing/2010/main" val="0"/>
+              </a:ext>
+            </a:extLst>
+          </a:blip>
+          <a:srcRect r="15040" b="12631"/>
+          <a:stretch/>
+        </p:blipFill>
+        <p:spPr bwMode="auto">
+          <a:xfrm>
+            <a:off x="4529660" y="4313969"/>
+            <a:ext cx="2853333" cy="2160000"/>
+          </a:xfrm>
+          <a:prstGeom prst="rect">
+            <a:avLst/>
+          </a:prstGeom>
+          <a:noFill/>
+          <a:ln>
+            <a:solidFill>
+              <a:schemeClr val="bg2">
+                <a:lumMod val="75000"/>
+              </a:schemeClr>
+            </a:solidFill>
+          </a:ln>
+          <a:extLst>
+            <a:ext uri="{909E8E84-426E-40DD-AFC4-6F175D3DCCD1}">
+              <a14:hiddenFill xmlns:a14="http://schemas.microsoft.com/office/drawing/2010/main">
+                <a:solidFill>
+                  <a:srgbClr val="FFFFFF"/>
+                </a:solidFill>
+              </a14:hiddenFill>
+            </a:ext>
+          </a:extLst>
+        </p:spPr>
+      </p:pic>
+      <p:pic>
+        <p:nvPicPr>
+          <p:cNvPr id="1030" name="Picture 6" descr="Synchronize changes while you are presenting"/>
+          <p:cNvPicPr>
+            <a:picLocks noChangeAspect="1" noChangeArrowheads="1"/>
+          </p:cNvPicPr>
+          <p:nvPr/>
+        </p:nvPicPr>
+        <p:blipFill>
+          <a:blip r:embed="rId4">
+            <a:extLst>
+              <a:ext uri="{28A0092B-C50C-407E-A947-70E740481C1C}">
+                <a14:useLocalDpi xmlns:a14="http://schemas.microsoft.com/office/drawing/2010/main" val="0"/>
+              </a:ext>
+            </a:extLst>
+          </a:blip>
+          <a:srcRect/>
+          <a:stretch>
+            <a:fillRect/>
+          </a:stretch>
+        </p:blipFill>
+        <p:spPr bwMode="auto">
+          <a:xfrm>
+            <a:off x="516000" y="4914000"/>
+            <a:ext cx="3735000" cy="1271211"/>
+          </a:xfrm>
+          <a:prstGeom prst="rect">
+            <a:avLst/>
+          </a:prstGeom>
+          <a:noFill/>
+          <a:ln>
+            <a:solidFill>
+              <a:schemeClr val="bg2">
+                <a:lumMod val="75000"/>
+              </a:schemeClr>
+            </a:solidFill>
+          </a:ln>
+          <a:extLst>
+            <a:ext uri="{909E8E84-426E-40DD-AFC4-6F175D3DCCD1}">
+              <a14:hiddenFill xmlns:a14="http://schemas.microsoft.com/office/drawing/2010/main">
+                <a:solidFill>
+                  <a:srgbClr val="FFFFFF"/>
+                </a:solidFill>
+              </a14:hiddenFill>
+            </a:ext>
+          </a:extLst>
+        </p:spPr>
+      </p:pic>
+      <p:pic>
+        <p:nvPicPr>
+          <p:cNvPr id="9" name="Picture 8"/>
+          <p:cNvPicPr>
+            <a:picLocks noChangeAspect="1"/>
+          </p:cNvPicPr>
+          <p:nvPr/>
+        </p:nvPicPr>
+        <p:blipFill rotWithShape="1">
+          <a:blip r:embed="rId5">
+            <a:extLst>
+              <a:ext uri="{28A0092B-C50C-407E-A947-70E740481C1C}">
+                <a14:useLocalDpi xmlns:a14="http://schemas.microsoft.com/office/drawing/2010/main" val="0"/>
+              </a:ext>
+            </a:extLst>
+          </a:blip>
+          <a:srcRect t="9574"/>
+          <a:stretch/>
+        </p:blipFill>
+        <p:spPr>
+          <a:xfrm>
+            <a:off x="2858625" y="3204000"/>
+            <a:ext cx="793387" cy="579465"/>
+          </a:xfrm>
+          <a:prstGeom prst="rect">
+            <a:avLst/>
+          </a:prstGeom>
+          <a:ln>
+            <a:solidFill>
+              <a:schemeClr val="bg2">
+                <a:lumMod val="75000"/>
+              </a:schemeClr>
+            </a:solidFill>
+          </a:ln>
+        </p:spPr>
+      </p:pic>
+    </p:spTree>
+    <p:extLst>
+      <p:ext uri="{BB962C8B-B14F-4D97-AF65-F5344CB8AC3E}">
+        <p14:creationId xmlns:p14="http://schemas.microsoft.com/office/powerpoint/2010/main" val="1886994065"/>
+      </p:ext>
+    </p:extLst>
+  </p:cSld>
+  <p:clrMapOvr>
+    <a:masterClrMapping/>
+  </p:clrMapOvr>
+  <mc:AlternateContent xmlns:mc="http://schemas.openxmlformats.org/markup-compatibility/2006" xmlns:p14="http://schemas.microsoft.com/office/powerpoint/2010/main">
+    <mc:Choice Requires="p14">
+      <p:transition spd="slow" p14:dur="2000" advClick="0" advTm="5000"/>
+    </mc:Choice>
+    <mc:Fallback xmlns="">
+      <p:transition spd="slow" advClick="0" advTm="5000"/>
+    </mc:Fallback>
+  </mc:AlternateContent>
+  <p:timing>
+    <p:tnLst>
+      <p:par>
+        <p:cTn id="1" dur="indefinite" restart="never" nodeType="tmRoot">
+          <p:childTnLst>
+            <p:seq concurrent="1" nextAc="seek">
+              <p:cTn id="2" dur="indefinite" nodeType="mainSeq">
+                <p:childTnLst>
+                  <p:par>
+                    <p:cTn id="3" fill="hold">
+                      <p:stCondLst>
+                        <p:cond delay="indefinite"/>
+                      </p:stCondLst>
+                      <p:childTnLst>
+                        <p:par>
+                          <p:cTn id="4" fill="hold">
+                            <p:stCondLst>
+                              <p:cond delay="0"/>
+                            </p:stCondLst>
+                            <p:childTnLst>
+                              <p:par>
+                                <p:cTn id="5" presetID="1" presetClass="entr" presetSubtype="0" fill="hold" nodeType="clickEffect">
+                                  <p:stCondLst>
+                                    <p:cond delay="0"/>
+                                  </p:stCondLst>
+                                  <p:childTnLst>
+                                    <p:set>
+                                      <p:cBhvr>
+                                        <p:cTn id="6" dur="1" fill="hold">
+                                          <p:stCondLst>
+                                            <p:cond delay="0"/>
+                                          </p:stCondLst>
+                                        </p:cTn>
+                                        <p:tgtEl>
+                                          <p:spTgt spid="5">
+                                            <p:txEl>
+                                              <p:pRg st="1" end="1"/>
+                                            </p:txEl>
+                                          </p:spTgt>
+                                        </p:tgtEl>
+                                        <p:attrNameLst>
+                                          <p:attrName>style.visibility</p:attrName>
+                                        </p:attrNameLst>
+                                      </p:cBhvr>
+                                      <p:to>
+                                        <p:strVal val="visible"/>
+                                      </p:to>
+                                    </p:set>
+                                  </p:childTnLst>
+                                </p:cTn>
+                              </p:par>
+                              <p:par>
+                                <p:cTn id="7" presetID="1" presetClass="entr" presetSubtype="0" fill="hold" nodeType="withEffect">
+                                  <p:stCondLst>
+                                    <p:cond delay="0"/>
+                                  </p:stCondLst>
+                                  <p:childTnLst>
+                                    <p:set>
+                                      <p:cBhvr>
+                                        <p:cTn id="8" dur="1" fill="hold">
+                                          <p:stCondLst>
+                                            <p:cond delay="0"/>
+                                          </p:stCondLst>
+                                        </p:cTn>
+                                        <p:tgtEl>
+                                          <p:spTgt spid="1030"/>
+                                        </p:tgtEl>
+                                        <p:attrNameLst>
+                                          <p:attrName>style.visibility</p:attrName>
+                                        </p:attrNameLst>
+                                      </p:cBhvr>
+                                      <p:to>
+                                        <p:strVal val="visible"/>
+                                      </p:to>
+                                    </p:set>
+                                  </p:childTnLst>
+                                </p:cTn>
+                              </p:par>
+                            </p:childTnLst>
+                          </p:cTn>
+                        </p:par>
+                      </p:childTnLst>
+                    </p:cTn>
+                  </p:par>
+                  <p:par>
+                    <p:cTn id="9" fill="hold">
+                      <p:stCondLst>
+                        <p:cond delay="indefinite"/>
+                      </p:stCondLst>
+                      <p:childTnLst>
+                        <p:par>
+                          <p:cTn id="10" fill="hold">
+                            <p:stCondLst>
+                              <p:cond delay="0"/>
+                            </p:stCondLst>
+                            <p:childTnLst>
+                              <p:par>
+                                <p:cTn id="11" presetID="1" presetClass="entr" presetSubtype="0" fill="hold" nodeType="clickEffect">
+                                  <p:stCondLst>
+                                    <p:cond delay="0"/>
+                                  </p:stCondLst>
+                                  <p:childTnLst>
+                                    <p:set>
+                                      <p:cBhvr>
+                                        <p:cTn id="12" dur="1" fill="hold">
+                                          <p:stCondLst>
+                                            <p:cond delay="0"/>
+                                          </p:stCondLst>
+                                        </p:cTn>
+                                        <p:tgtEl>
+                                          <p:spTgt spid="5">
+                                            <p:txEl>
+                                              <p:pRg st="2" end="2"/>
+                                            </p:txEl>
+                                          </p:spTgt>
+                                        </p:tgtEl>
+                                        <p:attrNameLst>
+                                          <p:attrName>style.visibility</p:attrName>
+                                        </p:attrNameLst>
+                                      </p:cBhvr>
+                                      <p:to>
+                                        <p:strVal val="visible"/>
+                                      </p:to>
+                                    </p:set>
+                                  </p:childTnLst>
+                                </p:cTn>
+                              </p:par>
+                              <p:par>
+                                <p:cTn id="13" presetID="1" presetClass="entr" presetSubtype="0" fill="hold" nodeType="withEffect">
+                                  <p:stCondLst>
+                                    <p:cond delay="0"/>
+                                  </p:stCondLst>
+                                  <p:childTnLst>
+                                    <p:set>
+                                      <p:cBhvr>
+                                        <p:cTn id="14" dur="1" fill="hold">
+                                          <p:stCondLst>
+                                            <p:cond delay="0"/>
+                                          </p:stCondLst>
+                                        </p:cTn>
+                                        <p:tgtEl>
+                                          <p:spTgt spid="1028"/>
+                                        </p:tgtEl>
+                                        <p:attrNameLst>
+                                          <p:attrName>style.visibility</p:attrName>
+                                        </p:attrNameLst>
+                                      </p:cBhvr>
+                                      <p:to>
+                                        <p:strVal val="visible"/>
+                                      </p:to>
+                                    </p:set>
+                                  </p:childTnLst>
+                                </p:cTn>
+                              </p:par>
+                            </p:childTnLst>
+                          </p:cTn>
+                        </p:par>
+                      </p:childTnLst>
+                    </p:cTn>
+                  </p:par>
+                  <p:par>
+                    <p:cTn id="15" fill="hold">
+                      <p:stCondLst>
+                        <p:cond delay="indefinite"/>
+                      </p:stCondLst>
+                      <p:childTnLst>
+                        <p:par>
+                          <p:cTn id="16" fill="hold">
+                            <p:stCondLst>
+                              <p:cond delay="0"/>
+                            </p:stCondLst>
+                            <p:childTnLst>
+                              <p:par>
+                                <p:cTn id="17" presetID="1" presetClass="entr" presetSubtype="0" fill="hold" nodeType="clickEffect">
+                                  <p:stCondLst>
+                                    <p:cond delay="0"/>
+                                  </p:stCondLst>
+                                  <p:childTnLst>
+                                    <p:set>
+                                      <p:cBhvr>
+                                        <p:cTn id="18" dur="1" fill="hold">
+                                          <p:stCondLst>
+                                            <p:cond delay="0"/>
+                                          </p:stCondLst>
+                                        </p:cTn>
+                                        <p:tgtEl>
+                                          <p:spTgt spid="5">
+                                            <p:txEl>
+                                              <p:pRg st="3" end="3"/>
+                                            </p:txEl>
+                                          </p:spTgt>
+                                        </p:tgtEl>
+                                        <p:attrNameLst>
+                                          <p:attrName>style.visibility</p:attrName>
+                                        </p:attrNameLst>
+                                      </p:cBhvr>
+                                      <p:to>
+                                        <p:strVal val="visible"/>
+                                      </p:to>
+                                    </p:set>
+                                  </p:childTnLst>
+                                </p:cTn>
+                              </p:par>
+                              <p:par>
+                                <p:cTn id="19" presetID="1" presetClass="entr" presetSubtype="0" fill="hold" nodeType="withEffect">
+                                  <p:stCondLst>
+                                    <p:cond delay="0"/>
+                                  </p:stCondLst>
+                                  <p:childTnLst>
+                                    <p:set>
+                                      <p:cBhvr>
+                                        <p:cTn id="20" dur="1" fill="hold">
+                                          <p:stCondLst>
+                                            <p:cond delay="0"/>
+                                          </p:stCondLst>
+                                        </p:cTn>
+                                        <p:tgtEl>
+                                          <p:spTgt spid="9"/>
+                                        </p:tgtEl>
+                                        <p:attrNameLst>
+                                          <p:attrName>style.visibility</p:attrName>
+                                        </p:attrNameLst>
+                                      </p:cBhvr>
+                                      <p:to>
+                                        <p:strVal val="visible"/>
+                                      </p:to>
+                                    </p:set>
+                                  </p:childTnLst>
+                                </p:cTn>
+                              </p:par>
+                              <p:par>
+                                <p:cTn id="21" presetID="1" presetClass="entr" presetSubtype="0" fill="hold" nodeType="withEffect">
+                                  <p:stCondLst>
+                                    <p:cond delay="0"/>
+                                  </p:stCondLst>
+                                  <p:childTnLst>
+                                    <p:set>
+                                      <p:cBhvr>
+                                        <p:cTn id="22" dur="1" fill="hold">
+                                          <p:stCondLst>
+                                            <p:cond delay="0"/>
+                                          </p:stCondLst>
+                                        </p:cTn>
+                                        <p:tgtEl>
+                                          <p:spTgt spid="1026"/>
+                                        </p:tgtEl>
+                                        <p:attrNameLst>
+                                          <p:attrName>style.visibility</p:attrName>
+                                        </p:attrNameLst>
+                                      </p:cBhvr>
+                                      <p:to>
+                                        <p:strVal val="visible"/>
+                                      </p:to>
+                                    </p:set>
+                                  </p:childTnLst>
+                                </p:cTn>
+                              </p:par>
+                            </p:childTnLst>
+                          </p:cTn>
+                        </p:par>
+                      </p:childTnLst>
+                    </p:cTn>
+                  </p:par>
+                </p:childTnLst>
+              </p:cTn>
+              <p:prevCondLst>
+                <p:cond evt="onPrev" delay="0">
+                  <p:tgtEl>
+                    <p:sldTgt/>
+                  </p:tgtEl>
+                </p:cond>
+              </p:prevCondLst>
+              <p:nextCondLst>
+                <p:cond evt="onNext" delay="0">
+                  <p:tgtEl>
+                    <p:sldTgt/>
+                  </p:tgtEl>
+                </p:cond>
+              </p:nextCondLst>
+            </p:seq>
+          </p:childTnLst>
+        </p:cTn>
+      </p:par>
+    </p:tnLst>
+  </p:timing>
+</p:sld>
+</file>
+
+<file path=ppt/slides/slide14.xml><?xml version="1.0" encoding="utf-8"?>
+<p:sld xmlns:a="http://schemas.openxmlformats.org/drawingml/2006/main" xmlns:r="http://schemas.openxmlformats.org/officeDocument/2006/relationships" xmlns:p="http://schemas.openxmlformats.org/presentationml/2006/main">
+  <p:cSld>
+    <p:spTree>
+      <p:nvGrpSpPr>
+        <p:cNvPr id="1" name=""/>
+        <p:cNvGrpSpPr/>
+        <p:nvPr/>
+      </p:nvGrpSpPr>
+      <p:grpSpPr>
+        <a:xfrm>
+          <a:off x="0" y="0"/>
+          <a:ext cx="0" cy="0"/>
+          <a:chOff x="0" y="0"/>
+          <a:chExt cx="0" cy="0"/>
+        </a:xfrm>
+      </p:grpSpPr>
+      <p:pic>
+        <p:nvPicPr>
+          <p:cNvPr id="6" name="Picture 5"/>
+          <p:cNvPicPr>
+            <a:picLocks noChangeAspect="1"/>
+          </p:cNvPicPr>
+          <p:nvPr/>
+        </p:nvPicPr>
+        <p:blipFill>
+          <a:blip r:embed="rId2">
+            <a:extLst>
+              <a:ext uri="{28A0092B-C50C-407E-A947-70E740481C1C}">
+                <a14:useLocalDpi xmlns:a14="http://schemas.microsoft.com/office/drawing/2010/main" val="0"/>
+              </a:ext>
+            </a:extLst>
+          </a:blip>
+          <a:stretch>
+            <a:fillRect/>
+          </a:stretch>
+        </p:blipFill>
+        <p:spPr>
+          <a:xfrm>
+            <a:off x="5133552" y="4734000"/>
+            <a:ext cx="1931795" cy="1931795"/>
+          </a:xfrm>
+          <a:prstGeom prst="rect">
+            <a:avLst/>
+          </a:prstGeom>
+        </p:spPr>
+      </p:pic>
+      <p:pic>
+        <p:nvPicPr>
+          <p:cNvPr id="17" name="Picture 16"/>
+          <p:cNvPicPr>
+            <a:picLocks noChangeAspect="1"/>
+          </p:cNvPicPr>
+          <p:nvPr/>
+        </p:nvPicPr>
+        <p:blipFill>
+          <a:blip r:embed="rId3">
+            <a:extLst>
+              <a:ext uri="{28A0092B-C50C-407E-A947-70E740481C1C}">
+                <a14:useLocalDpi xmlns:a14="http://schemas.microsoft.com/office/drawing/2010/main" val="0"/>
+              </a:ext>
+            </a:extLst>
+          </a:blip>
+          <a:stretch>
+            <a:fillRect/>
+          </a:stretch>
+        </p:blipFill>
+        <p:spPr>
+          <a:xfrm>
+            <a:off x="8637773" y="1875951"/>
+            <a:ext cx="1937399" cy="1937399"/>
+          </a:xfrm>
+          <a:prstGeom prst="rect">
+            <a:avLst/>
+          </a:prstGeom>
+        </p:spPr>
+      </p:pic>
+      <p:sp>
+        <p:nvSpPr>
+          <p:cNvPr id="3" name="Text Placeholder 2"/>
+          <p:cNvSpPr>
+            <a:spLocks noGrp="1"/>
+          </p:cNvSpPr>
+          <p:nvPr>
+            <p:ph type="body" sz="quarter" idx="10"/>
+          </p:nvPr>
+        </p:nvSpPr>
+        <p:spPr/>
+        <p:txBody>
+          <a:bodyPr/>
+          <a:lstStyle/>
+          <a:p>
+            <a:r>
+              <a:rPr lang="bg-BG" dirty="0"/>
+              <a:t>За да преминете на </a:t>
+            </a:r>
+            <a:r>
+              <a:rPr lang="bg-BG" b="1" dirty="0"/>
+              <a:t>следващ слайд</a:t>
+            </a:r>
+            <a:r>
+              <a:rPr lang="bg-BG" dirty="0"/>
+              <a:t>:</a:t>
+            </a:r>
+          </a:p>
+          <a:p>
+            <a:endParaRPr lang="bg-BG" dirty="0"/>
+          </a:p>
+          <a:p>
+            <a:pPr marL="0" indent="0">
+              <a:buNone/>
+            </a:pPr>
+            <a:endParaRPr lang="en-US" dirty="0"/>
+          </a:p>
+          <a:p>
+            <a:endParaRPr lang="bg-BG" dirty="0"/>
+          </a:p>
+          <a:p>
+            <a:r>
+              <a:rPr lang="bg-BG" dirty="0" smtClean="0"/>
+              <a:t>За да се върнете на </a:t>
+            </a:r>
+            <a:r>
+              <a:rPr lang="bg-BG" b="1" dirty="0" smtClean="0"/>
+              <a:t>предишен слайд</a:t>
+            </a:r>
+            <a:r>
+              <a:rPr lang="bg-BG" dirty="0" smtClean="0"/>
+              <a:t>: </a:t>
+            </a:r>
+            <a:endParaRPr lang="bg-BG" dirty="0"/>
+          </a:p>
+        </p:txBody>
+      </p:sp>
+      <p:pic>
+        <p:nvPicPr>
+          <p:cNvPr id="16" name="Picture 15"/>
+          <p:cNvPicPr>
+            <a:picLocks noChangeAspect="1"/>
+          </p:cNvPicPr>
+          <p:nvPr/>
+        </p:nvPicPr>
+        <p:blipFill>
+          <a:blip r:embed="rId4">
+            <a:extLst>
+              <a:ext uri="{28A0092B-C50C-407E-A947-70E740481C1C}">
+                <a14:useLocalDpi xmlns:a14="http://schemas.microsoft.com/office/drawing/2010/main" val="0"/>
+              </a:ext>
+            </a:extLst>
+          </a:blip>
+          <a:stretch>
+            <a:fillRect/>
+          </a:stretch>
+        </p:blipFill>
+        <p:spPr>
+          <a:xfrm>
+            <a:off x="5183187" y="1875951"/>
+            <a:ext cx="1937399" cy="1937399"/>
+          </a:xfrm>
+          <a:prstGeom prst="rect">
+            <a:avLst/>
+          </a:prstGeom>
+        </p:spPr>
+      </p:pic>
+      <p:pic>
+        <p:nvPicPr>
+          <p:cNvPr id="13" name="Picture 12"/>
+          <p:cNvPicPr>
+            <a:picLocks noChangeAspect="1"/>
+          </p:cNvPicPr>
+          <p:nvPr/>
+        </p:nvPicPr>
+        <p:blipFill>
+          <a:blip r:embed="rId5">
+            <a:extLst>
+              <a:ext uri="{28A0092B-C50C-407E-A947-70E740481C1C}">
+                <a14:useLocalDpi xmlns:a14="http://schemas.microsoft.com/office/drawing/2010/main" val="0"/>
+              </a:ext>
+            </a:extLst>
+          </a:blip>
+          <a:stretch>
+            <a:fillRect/>
+          </a:stretch>
+        </p:blipFill>
+        <p:spPr>
+          <a:xfrm>
+            <a:off x="8645947" y="4734000"/>
+            <a:ext cx="1935000" cy="1935000"/>
+          </a:xfrm>
+          <a:prstGeom prst="rect">
+            <a:avLst/>
+          </a:prstGeom>
+        </p:spPr>
+      </p:pic>
+      <p:sp>
+        <p:nvSpPr>
+          <p:cNvPr id="2" name="Slide Number Placeholder 1"/>
+          <p:cNvSpPr>
+            <a:spLocks noGrp="1"/>
+          </p:cNvSpPr>
+          <p:nvPr>
+            <p:ph type="sldNum" sz="quarter" idx="5"/>
+          </p:nvPr>
+        </p:nvSpPr>
+        <p:spPr/>
+        <p:txBody>
+          <a:bodyPr/>
+          <a:lstStyle/>
+          <a:p>
+            <a:fld id="{2BF067CD-8E6B-4360-9AA8-C5DF2A48A6D1}" type="slidenum">
+              <a:rPr lang="en-US" noProof="0" smtClean="0"/>
+              <a:pPr/>
+              <a:t>14</a:t>
+            </a:fld>
+            <a:endParaRPr lang="en-US" noProof="0" dirty="0"/>
+          </a:p>
+        </p:txBody>
+      </p:sp>
+      <p:sp>
+        <p:nvSpPr>
+          <p:cNvPr id="4" name="Title 3"/>
+          <p:cNvSpPr>
+            <a:spLocks noGrp="1"/>
+          </p:cNvSpPr>
+          <p:nvPr>
+            <p:ph type="title"/>
+          </p:nvPr>
+        </p:nvSpPr>
+        <p:spPr/>
+        <p:txBody>
+          <a:bodyPr/>
+          <a:lstStyle/>
+          <a:p>
+            <a:r>
+              <a:rPr lang="bg-BG" dirty="0"/>
+              <a:t>Смяна на слайдове</a:t>
+            </a:r>
+            <a:endParaRPr lang="en-US" dirty="0"/>
+          </a:p>
+        </p:txBody>
+      </p:sp>
+      <p:grpSp>
+        <p:nvGrpSpPr>
+          <p:cNvPr id="22" name="Group 21"/>
+          <p:cNvGrpSpPr/>
+          <p:nvPr/>
+        </p:nvGrpSpPr>
+        <p:grpSpPr>
+          <a:xfrm>
+            <a:off x="1694477" y="4734000"/>
+            <a:ext cx="1935000" cy="1935000"/>
+            <a:chOff x="1449000" y="4639500"/>
+            <a:chExt cx="1935000" cy="1935000"/>
+          </a:xfrm>
+        </p:grpSpPr>
+        <p:pic>
+          <p:nvPicPr>
+            <p:cNvPr id="19" name="Picture 18"/>
+            <p:cNvPicPr>
+              <a:picLocks noChangeAspect="1"/>
+            </p:cNvPicPr>
+            <p:nvPr/>
+          </p:nvPicPr>
+          <p:blipFill>
+            <a:blip r:embed="rId6">
+              <a:extLst>
+                <a:ext uri="{28A0092B-C50C-407E-A947-70E740481C1C}">
+                  <a14:useLocalDpi xmlns:a14="http://schemas.microsoft.com/office/drawing/2010/main" val="0"/>
+                </a:ext>
+              </a:extLst>
+            </a:blip>
+            <a:stretch>
+              <a:fillRect/>
+            </a:stretch>
+          </p:blipFill>
+          <p:spPr>
+            <a:xfrm>
+              <a:off x="1449000" y="4639500"/>
+              <a:ext cx="1935000" cy="1935000"/>
+            </a:xfrm>
+            <a:prstGeom prst="rect">
+              <a:avLst/>
+            </a:prstGeom>
+          </p:spPr>
+        </p:pic>
+        <p:sp>
+          <p:nvSpPr>
+            <p:cNvPr id="18" name="TextBox 17"/>
+            <p:cNvSpPr txBox="1"/>
+            <p:nvPr/>
+          </p:nvSpPr>
+          <p:spPr>
+            <a:xfrm>
+              <a:off x="1868076" y="4922200"/>
+              <a:ext cx="1296024" cy="1208380"/>
+            </a:xfrm>
+            <a:prstGeom prst="rect">
+              <a:avLst/>
+            </a:prstGeom>
+            <a:noFill/>
+            <a:ln w="12700">
+              <a:noFill/>
+            </a:ln>
+          </p:spPr>
+          <p:txBody>
+            <a:bodyPr vert="horz" wrap="square" lIns="144000" tIns="108000" rIns="144000" bIns="108000" rtlCol="0">
+              <a:spAutoFit/>
+            </a:bodyPr>
+            <a:lstStyle/>
+            <a:p>
+              <a:pPr algn="l" eaLnBrk="0" hangingPunct="0">
+                <a:lnSpc>
+                  <a:spcPct val="110000"/>
+                </a:lnSpc>
+                <a:buClr>
+                  <a:schemeClr val="accent5">
+                    <a:lumMod val="40000"/>
+                    <a:lumOff val="60000"/>
+                  </a:schemeClr>
+                </a:buClr>
+                <a:buSzPct val="70000"/>
+              </a:pPr>
+              <a:r>
+                <a:rPr lang="en-US" sz="3000" b="1" dirty="0" smtClean="0">
+                  <a:solidFill>
+                    <a:schemeClr val="bg2"/>
+                  </a:solidFill>
+                </a:rPr>
+                <a:t>Page</a:t>
+              </a:r>
+            </a:p>
+            <a:p>
+              <a:pPr algn="l" eaLnBrk="0" hangingPunct="0">
+                <a:lnSpc>
+                  <a:spcPct val="110000"/>
+                </a:lnSpc>
+                <a:buClr>
+                  <a:schemeClr val="accent5">
+                    <a:lumMod val="40000"/>
+                    <a:lumOff val="60000"/>
+                  </a:schemeClr>
+                </a:buClr>
+                <a:buSzPct val="70000"/>
+              </a:pPr>
+              <a:r>
+                <a:rPr lang="en-US" sz="3000" b="1" dirty="0" smtClean="0">
+                  <a:solidFill>
+                    <a:schemeClr val="bg2"/>
+                  </a:solidFill>
+                </a:rPr>
+                <a:t>Up</a:t>
+              </a:r>
+              <a:endParaRPr lang="en-US" sz="3000" b="1" dirty="0">
+                <a:solidFill>
+                  <a:schemeClr val="bg2"/>
+                </a:solidFill>
+              </a:endParaRPr>
+            </a:p>
+          </p:txBody>
+        </p:sp>
+      </p:grpSp>
+      <p:grpSp>
+        <p:nvGrpSpPr>
+          <p:cNvPr id="21" name="Group 20"/>
+          <p:cNvGrpSpPr/>
+          <p:nvPr/>
+        </p:nvGrpSpPr>
+        <p:grpSpPr>
+          <a:xfrm>
+            <a:off x="1731000" y="1878350"/>
+            <a:ext cx="1935000" cy="1935000"/>
+            <a:chOff x="1449000" y="1827599"/>
+            <a:chExt cx="1935000" cy="1935000"/>
+          </a:xfrm>
+        </p:grpSpPr>
+        <p:pic>
+          <p:nvPicPr>
+            <p:cNvPr id="14" name="Picture 13"/>
+            <p:cNvPicPr>
+              <a:picLocks noChangeAspect="1"/>
+            </p:cNvPicPr>
+            <p:nvPr/>
+          </p:nvPicPr>
+          <p:blipFill>
+            <a:blip r:embed="rId6">
+              <a:extLst>
+                <a:ext uri="{28A0092B-C50C-407E-A947-70E740481C1C}">
+                  <a14:useLocalDpi xmlns:a14="http://schemas.microsoft.com/office/drawing/2010/main" val="0"/>
+                </a:ext>
+              </a:extLst>
+            </a:blip>
+            <a:stretch>
+              <a:fillRect/>
+            </a:stretch>
+          </p:blipFill>
+          <p:spPr>
+            <a:xfrm>
+              <a:off x="1449000" y="1827599"/>
+              <a:ext cx="1935000" cy="1935000"/>
+            </a:xfrm>
+            <a:prstGeom prst="rect">
+              <a:avLst/>
+            </a:prstGeom>
+          </p:spPr>
+        </p:pic>
+        <p:sp>
+          <p:nvSpPr>
+            <p:cNvPr id="20" name="TextBox 19"/>
+            <p:cNvSpPr txBox="1"/>
+            <p:nvPr/>
+          </p:nvSpPr>
+          <p:spPr>
+            <a:xfrm>
+              <a:off x="1822038" y="2108900"/>
+              <a:ext cx="1388100" cy="1175423"/>
+            </a:xfrm>
+            <a:prstGeom prst="rect">
+              <a:avLst/>
+            </a:prstGeom>
+            <a:noFill/>
+            <a:ln w="12700">
+              <a:noFill/>
+            </a:ln>
+          </p:spPr>
+          <p:txBody>
+            <a:bodyPr vert="horz" wrap="square" lIns="144000" tIns="108000" rIns="144000" bIns="108000" rtlCol="0">
+              <a:spAutoFit/>
+            </a:bodyPr>
+            <a:lstStyle/>
+            <a:p>
+              <a:pPr algn="l" eaLnBrk="0" hangingPunct="0">
+                <a:lnSpc>
+                  <a:spcPct val="110000"/>
+                </a:lnSpc>
+                <a:buClr>
+                  <a:schemeClr val="accent5">
+                    <a:lumMod val="40000"/>
+                    <a:lumOff val="60000"/>
+                  </a:schemeClr>
+                </a:buClr>
+                <a:buSzPct val="70000"/>
+              </a:pPr>
+              <a:r>
+                <a:rPr lang="en-US" sz="2900" b="1" dirty="0" smtClean="0">
+                  <a:solidFill>
+                    <a:schemeClr val="bg2"/>
+                  </a:solidFill>
+                </a:rPr>
+                <a:t>Page</a:t>
+              </a:r>
+            </a:p>
+            <a:p>
+              <a:pPr algn="l" eaLnBrk="0" hangingPunct="0">
+                <a:lnSpc>
+                  <a:spcPct val="110000"/>
+                </a:lnSpc>
+                <a:buClr>
+                  <a:schemeClr val="accent5">
+                    <a:lumMod val="40000"/>
+                    <a:lumOff val="60000"/>
+                  </a:schemeClr>
+                </a:buClr>
+                <a:buSzPct val="70000"/>
+              </a:pPr>
+              <a:r>
+                <a:rPr lang="en-US" sz="2900" b="1" dirty="0" smtClean="0">
+                  <a:solidFill>
+                    <a:schemeClr val="bg2"/>
+                  </a:solidFill>
+                </a:rPr>
+                <a:t>Down</a:t>
+              </a:r>
+              <a:endParaRPr lang="en-US" sz="2900" b="1" dirty="0">
+                <a:solidFill>
+                  <a:schemeClr val="bg2"/>
+                </a:solidFill>
+              </a:endParaRPr>
+            </a:p>
+          </p:txBody>
+        </p:sp>
+      </p:grpSp>
+    </p:spTree>
+    <p:extLst>
+      <p:ext uri="{BB962C8B-B14F-4D97-AF65-F5344CB8AC3E}">
+        <p14:creationId xmlns:p14="http://schemas.microsoft.com/office/powerpoint/2010/main" val="2587602494"/>
+      </p:ext>
+    </p:extLst>
+  </p:cSld>
+  <p:clrMapOvr>
+    <a:masterClrMapping/>
+  </p:clrMapOvr>
+  <mc:AlternateContent xmlns:mc="http://schemas.openxmlformats.org/markup-compatibility/2006" xmlns:p14="http://schemas.microsoft.com/office/powerpoint/2010/main">
+    <mc:Choice Requires="p14">
+      <p:transition spd="slow" p14:dur="2000" advClick="0" advTm="5000"/>
+    </mc:Choice>
+    <mc:Fallback xmlns="">
+      <p:transition spd="slow" advClick="0" advTm="5000"/>
+    </mc:Fallback>
+  </mc:AlternateContent>
+  <p:timing>
+    <p:tnLst>
+      <p:par>
+        <p:cTn id="1" dur="indefinite" restart="never" nodeType="tmRoot">
+          <p:childTnLst>
+            <p:seq concurrent="1" nextAc="seek">
+              <p:cTn id="2" dur="indefinite" nodeType="mainSeq">
+                <p:childTnLst>
+                  <p:par>
+                    <p:cTn id="3" fill="hold">
+                      <p:stCondLst>
+                        <p:cond delay="indefinite"/>
+                      </p:stCondLst>
+                      <p:childTnLst>
+                        <p:par>
+                          <p:cTn id="4" fill="hold">
+                            <p:stCondLst>
+                              <p:cond delay="0"/>
+                            </p:stCondLst>
+                            <p:childTnLst>
+                              <p:par>
+                                <p:cTn id="5" presetID="1" presetClass="entr" presetSubtype="0" fill="hold" nodeType="clickEffect">
+                                  <p:stCondLst>
+                                    <p:cond delay="0"/>
+                                  </p:stCondLst>
+                                  <p:childTnLst>
+                                    <p:set>
+                                      <p:cBhvr>
+                                        <p:cTn id="6" dur="1" fill="hold">
+                                          <p:stCondLst>
+                                            <p:cond delay="0"/>
+                                          </p:stCondLst>
+                                        </p:cTn>
+                                        <p:tgtEl>
+                                          <p:spTgt spid="21"/>
+                                        </p:tgtEl>
+                                        <p:attrNameLst>
+                                          <p:attrName>style.visibility</p:attrName>
+                                        </p:attrNameLst>
+                                      </p:cBhvr>
+                                      <p:to>
+                                        <p:strVal val="visible"/>
+                                      </p:to>
+                                    </p:set>
+                                  </p:childTnLst>
+                                </p:cTn>
+                              </p:par>
+                            </p:childTnLst>
+                          </p:cTn>
+                        </p:par>
+                      </p:childTnLst>
+                    </p:cTn>
+                  </p:par>
+                  <p:par>
+                    <p:cTn id="7" fill="hold">
+                      <p:stCondLst>
+                        <p:cond delay="indefinite"/>
+                      </p:stCondLst>
+                      <p:childTnLst>
+                        <p:par>
+                          <p:cTn id="8" fill="hold">
+                            <p:stCondLst>
+                              <p:cond delay="0"/>
+                            </p:stCondLst>
+                            <p:childTnLst>
+                              <p:par>
+                                <p:cTn id="9" presetID="1" presetClass="entr" presetSubtype="0" fill="hold" nodeType="clickEffect">
+                                  <p:stCondLst>
+                                    <p:cond delay="0"/>
+                                  </p:stCondLst>
+                                  <p:childTnLst>
+                                    <p:set>
+                                      <p:cBhvr>
+                                        <p:cTn id="10" dur="1" fill="hold">
+                                          <p:stCondLst>
+                                            <p:cond delay="0"/>
+                                          </p:stCondLst>
+                                        </p:cTn>
+                                        <p:tgtEl>
+                                          <p:spTgt spid="16"/>
+                                        </p:tgtEl>
+                                        <p:attrNameLst>
+                                          <p:attrName>style.visibility</p:attrName>
+                                        </p:attrNameLst>
+                                      </p:cBhvr>
+                                      <p:to>
+                                        <p:strVal val="visible"/>
+                                      </p:to>
+                                    </p:set>
+                                  </p:childTnLst>
+                                </p:cTn>
+                              </p:par>
+                            </p:childTnLst>
+                          </p:cTn>
+                        </p:par>
+                      </p:childTnLst>
+                    </p:cTn>
+                  </p:par>
+                  <p:par>
+                    <p:cTn id="11" fill="hold">
+                      <p:stCondLst>
+                        <p:cond delay="indefinite"/>
+                      </p:stCondLst>
+                      <p:childTnLst>
+                        <p:par>
+                          <p:cTn id="12" fill="hold">
+                            <p:stCondLst>
+                              <p:cond delay="0"/>
+                            </p:stCondLst>
+                            <p:childTnLst>
+                              <p:par>
+                                <p:cTn id="13" presetID="1" presetClass="entr" presetSubtype="0" fill="hold" nodeType="clickEffect">
+                                  <p:stCondLst>
+                                    <p:cond delay="0"/>
+                                  </p:stCondLst>
+                                  <p:childTnLst>
+                                    <p:set>
+                                      <p:cBhvr>
+                                        <p:cTn id="14" dur="1" fill="hold">
+                                          <p:stCondLst>
+                                            <p:cond delay="0"/>
+                                          </p:stCondLst>
+                                        </p:cTn>
+                                        <p:tgtEl>
+                                          <p:spTgt spid="17"/>
+                                        </p:tgtEl>
+                                        <p:attrNameLst>
+                                          <p:attrName>style.visibility</p:attrName>
+                                        </p:attrNameLst>
+                                      </p:cBhvr>
+                                      <p:to>
+                                        <p:strVal val="visible"/>
+                                      </p:to>
+                                    </p:set>
+                                  </p:childTnLst>
+                                </p:cTn>
+                              </p:par>
+                            </p:childTnLst>
+                          </p:cTn>
+                        </p:par>
+                      </p:childTnLst>
+                    </p:cTn>
+                  </p:par>
+                  <p:par>
+                    <p:cTn id="15" fill="hold">
+                      <p:stCondLst>
+                        <p:cond delay="indefinite"/>
+                      </p:stCondLst>
+                      <p:childTnLst>
+                        <p:par>
+                          <p:cTn id="16" fill="hold">
+                            <p:stCondLst>
+                              <p:cond delay="0"/>
+                            </p:stCondLst>
+                            <p:childTnLst>
+                              <p:par>
+                                <p:cTn id="17" presetID="1" presetClass="entr" presetSubtype="0" fill="hold" nodeType="clickEffect">
+                                  <p:stCondLst>
+                                    <p:cond delay="0"/>
+                                  </p:stCondLst>
+                                  <p:childTnLst>
+                                    <p:set>
+                                      <p:cBhvr>
+                                        <p:cTn id="18" dur="1" fill="hold">
+                                          <p:stCondLst>
+                                            <p:cond delay="0"/>
+                                          </p:stCondLst>
+                                        </p:cTn>
+                                        <p:tgtEl>
+                                          <p:spTgt spid="3">
+                                            <p:txEl>
+                                              <p:pRg st="4" end="4"/>
+                                            </p:txEl>
+                                          </p:spTgt>
+                                        </p:tgtEl>
+                                        <p:attrNameLst>
+                                          <p:attrName>style.visibility</p:attrName>
+                                        </p:attrNameLst>
+                                      </p:cBhvr>
+                                      <p:to>
+                                        <p:strVal val="visible"/>
+                                      </p:to>
+                                    </p:set>
+                                  </p:childTnLst>
+                                </p:cTn>
+                              </p:par>
+                            </p:childTnLst>
+                          </p:cTn>
+                        </p:par>
+                      </p:childTnLst>
+                    </p:cTn>
+                  </p:par>
+                  <p:par>
+                    <p:cTn id="19" fill="hold">
+                      <p:stCondLst>
+                        <p:cond delay="indefinite"/>
+                      </p:stCondLst>
+                      <p:childTnLst>
+                        <p:par>
+                          <p:cTn id="20" fill="hold">
+                            <p:stCondLst>
+                              <p:cond delay="0"/>
+                            </p:stCondLst>
+                            <p:childTnLst>
+                              <p:par>
+                                <p:cTn id="21" presetID="1" presetClass="entr" presetSubtype="0" fill="hold" nodeType="clickEffect">
+                                  <p:stCondLst>
+                                    <p:cond delay="0"/>
+                                  </p:stCondLst>
+                                  <p:childTnLst>
+                                    <p:set>
+                                      <p:cBhvr>
+                                        <p:cTn id="22" dur="1" fill="hold">
+                                          <p:stCondLst>
+                                            <p:cond delay="0"/>
+                                          </p:stCondLst>
+                                        </p:cTn>
+                                        <p:tgtEl>
+                                          <p:spTgt spid="22"/>
+                                        </p:tgtEl>
+                                        <p:attrNameLst>
+                                          <p:attrName>style.visibility</p:attrName>
+                                        </p:attrNameLst>
+                                      </p:cBhvr>
+                                      <p:to>
+                                        <p:strVal val="visible"/>
+                                      </p:to>
+                                    </p:set>
+                                  </p:childTnLst>
+                                </p:cTn>
+                              </p:par>
+                            </p:childTnLst>
+                          </p:cTn>
+                        </p:par>
+                      </p:childTnLst>
+                    </p:cTn>
+                  </p:par>
+                  <p:par>
+                    <p:cTn id="23" fill="hold">
+                      <p:stCondLst>
+                        <p:cond delay="indefinite"/>
+                      </p:stCondLst>
+                      <p:childTnLst>
+                        <p:par>
+                          <p:cTn id="24" fill="hold">
+                            <p:stCondLst>
+                              <p:cond delay="0"/>
+                            </p:stCondLst>
+                            <p:childTnLst>
+                              <p:par>
+                                <p:cTn id="25" presetID="1" presetClass="entr" presetSubtype="0" fill="hold" nodeType="clickEffect">
+                                  <p:stCondLst>
+                                    <p:cond delay="0"/>
+                                  </p:stCondLst>
+                                  <p:childTnLst>
+                                    <p:set>
+                                      <p:cBhvr>
+                                        <p:cTn id="26" dur="1" fill="hold">
+                                          <p:stCondLst>
+                                            <p:cond delay="0"/>
+                                          </p:stCondLst>
+                                        </p:cTn>
+                                        <p:tgtEl>
+                                          <p:spTgt spid="6"/>
+                                        </p:tgtEl>
+                                        <p:attrNameLst>
+                                          <p:attrName>style.visibility</p:attrName>
+                                        </p:attrNameLst>
+                                      </p:cBhvr>
+                                      <p:to>
+                                        <p:strVal val="visible"/>
+                                      </p:to>
+                                    </p:set>
+                                  </p:childTnLst>
+                                </p:cTn>
+                              </p:par>
+                            </p:childTnLst>
+                          </p:cTn>
+                        </p:par>
+                      </p:childTnLst>
+                    </p:cTn>
+                  </p:par>
+                  <p:par>
+                    <p:cTn id="27" fill="hold">
+                      <p:stCondLst>
+                        <p:cond delay="indefinite"/>
+                      </p:stCondLst>
+                      <p:childTnLst>
+                        <p:par>
+                          <p:cTn id="28" fill="hold">
+                            <p:stCondLst>
+                              <p:cond delay="0"/>
+                            </p:stCondLst>
+                            <p:childTnLst>
+                              <p:par>
+                                <p:cTn id="29" presetID="1" presetClass="entr" presetSubtype="0" fill="hold" nodeType="clickEffect">
+                                  <p:stCondLst>
+                                    <p:cond delay="0"/>
+                                  </p:stCondLst>
+                                  <p:childTnLst>
+                                    <p:set>
+                                      <p:cBhvr>
+                                        <p:cTn id="30" dur="1" fill="hold">
+                                          <p:stCondLst>
+                                            <p:cond delay="0"/>
+                                          </p:stCondLst>
+                                        </p:cTn>
+                                        <p:tgtEl>
+                                          <p:spTgt spid="13"/>
+                                        </p:tgtEl>
+                                        <p:attrNameLst>
+                                          <p:attrName>style.visibility</p:attrName>
+                                        </p:attrNameLst>
+                                      </p:cBhvr>
+                                      <p:to>
+                                        <p:strVal val="visible"/>
+                                      </p:to>
+                                    </p:set>
+                                  </p:childTnLst>
+                                </p:cTn>
+                              </p:par>
+                            </p:childTnLst>
+                          </p:cTn>
+                        </p:par>
+                      </p:childTnLst>
+                    </p:cTn>
+                  </p:par>
+                </p:childTnLst>
+              </p:cTn>
+              <p:prevCondLst>
+                <p:cond evt="onPrev" delay="0">
+                  <p:tgtEl>
+                    <p:sldTgt/>
+                  </p:tgtEl>
+                </p:cond>
+              </p:prevCondLst>
+              <p:nextCondLst>
+                <p:cond evt="onNext" delay="0">
+                  <p:tgtEl>
+                    <p:sldTgt/>
+                  </p:tgtEl>
+                </p:cond>
+              </p:nextCondLst>
+            </p:seq>
+          </p:childTnLst>
+        </p:cTn>
+      </p:par>
+    </p:tnLst>
+  </p:timing>
+</p:sld>
+</file>
+
+<file path=ppt/slides/slide15.xml><?xml version="1.0" encoding="utf-8"?>
+<p:sld xmlns:a="http://schemas.openxmlformats.org/drawingml/2006/main" xmlns:r="http://schemas.openxmlformats.org/officeDocument/2006/relationships" xmlns:p="http://schemas.openxmlformats.org/presentationml/2006/main">
+  <p:cSld>
+    <p:spTree>
+      <p:nvGrpSpPr>
+        <p:cNvPr id="1" name=""/>
+        <p:cNvGrpSpPr/>
+        <p:nvPr/>
+      </p:nvGrpSpPr>
+      <p:grpSpPr>
+        <a:xfrm>
+          <a:off x="0" y="0"/>
+          <a:ext cx="0" cy="0"/>
+          <a:chOff x="0" y="0"/>
+          <a:chExt cx="0" cy="0"/>
+        </a:xfrm>
+      </p:grpSpPr>
+      <p:sp>
+        <p:nvSpPr>
+          <p:cNvPr id="2" name="Slide Number Placeholder 1"/>
+          <p:cNvSpPr>
+            <a:spLocks noGrp="1"/>
+          </p:cNvSpPr>
+          <p:nvPr>
+            <p:ph type="sldNum" sz="quarter" idx="5"/>
+          </p:nvPr>
+        </p:nvSpPr>
+        <p:spPr/>
+        <p:txBody>
+          <a:bodyPr/>
+          <a:lstStyle/>
+          <a:p>
+            <a:fld id="{2BF067CD-8E6B-4360-9AA8-C5DF2A48A6D1}" type="slidenum">
+              <a:rPr lang="en-US" noProof="0" smtClean="0"/>
+              <a:pPr/>
+              <a:t>15</a:t>
+            </a:fld>
+            <a:endParaRPr lang="en-US" noProof="0" dirty="0"/>
+          </a:p>
+        </p:txBody>
+      </p:sp>
+      <p:sp>
+        <p:nvSpPr>
+          <p:cNvPr id="3" name="Text Placeholder 2"/>
+          <p:cNvSpPr>
+            <a:spLocks noGrp="1"/>
+          </p:cNvSpPr>
+          <p:nvPr>
+            <p:ph type="body" sz="quarter" idx="10"/>
+          </p:nvPr>
+        </p:nvSpPr>
+        <p:spPr>
+          <a:xfrm>
+            <a:off x="190402" y="1196125"/>
+            <a:ext cx="8470598" cy="5528766"/>
+          </a:xfrm>
+        </p:spPr>
+        <p:txBody>
+          <a:bodyPr/>
+          <a:lstStyle/>
+          <a:p>
+            <a:r>
+              <a:rPr lang="bg-BG" b="1" dirty="0" smtClean="0"/>
+              <a:t>Презентацията</a:t>
+            </a:r>
+            <a:r>
+              <a:rPr lang="bg-BG" dirty="0" smtClean="0"/>
+              <a:t> може да се </a:t>
+            </a:r>
+            <a:r>
+              <a:rPr lang="bg-BG" b="1" dirty="0" smtClean="0"/>
+              <a:t>прекрати</a:t>
+            </a:r>
+            <a:r>
+              <a:rPr lang="bg-BG" dirty="0" smtClean="0"/>
+              <a:t> чрез:</a:t>
+            </a:r>
+          </a:p>
+          <a:p>
+            <a:pPr lvl="1"/>
+            <a:r>
+              <a:rPr lang="bg-BG" b="1" dirty="0"/>
+              <a:t>Натискане</a:t>
+            </a:r>
+            <a:r>
+              <a:rPr lang="bg-BG" dirty="0"/>
+              <a:t> на клавиша </a:t>
+            </a:r>
+            <a:r>
+              <a:rPr lang="en-US" dirty="0"/>
+              <a:t>[</a:t>
+            </a:r>
+            <a:r>
+              <a:rPr lang="en-US" b="1" dirty="0">
+                <a:solidFill>
+                  <a:schemeClr val="bg1"/>
+                </a:solidFill>
+              </a:rPr>
+              <a:t>Esc</a:t>
+            </a:r>
+            <a:r>
+              <a:rPr lang="en-US" dirty="0" smtClean="0"/>
+              <a:t>]</a:t>
+            </a:r>
+            <a:endParaRPr lang="bg-BG" dirty="0" smtClean="0"/>
+          </a:p>
+          <a:p>
+            <a:pPr lvl="1"/>
+            <a:r>
+              <a:rPr lang="bg-BG" dirty="0" smtClean="0"/>
+              <a:t>Командата </a:t>
+            </a:r>
+            <a:r>
+              <a:rPr lang="en-US" b="1" dirty="0" smtClean="0">
+                <a:solidFill>
+                  <a:schemeClr val="bg1"/>
+                </a:solidFill>
+              </a:rPr>
+              <a:t>End Show </a:t>
+            </a:r>
+            <a:r>
+              <a:rPr lang="bg-BG" dirty="0" smtClean="0"/>
+              <a:t>от </a:t>
+            </a:r>
+            <a:r>
+              <a:rPr lang="bg-BG" b="1" dirty="0" smtClean="0"/>
+              <a:t>контекстното меню </a:t>
+            </a:r>
+            <a:r>
+              <a:rPr lang="bg-BG" dirty="0" smtClean="0"/>
+              <a:t>на </a:t>
+            </a:r>
+            <a:r>
+              <a:rPr lang="bg-BG" b="1" dirty="0" smtClean="0"/>
+              <a:t>мишката</a:t>
+            </a:r>
+            <a:r>
+              <a:rPr lang="bg-BG" dirty="0" smtClean="0"/>
+              <a:t> </a:t>
+            </a:r>
+            <a:endParaRPr lang="en-US" dirty="0" smtClean="0"/>
+          </a:p>
+          <a:p>
+            <a:pPr lvl="2"/>
+            <a:r>
+              <a:rPr lang="bg-BG" dirty="0" smtClean="0"/>
+              <a:t>Натискане на </a:t>
+            </a:r>
+            <a:r>
+              <a:rPr lang="bg-BG" b="1" dirty="0" smtClean="0"/>
+              <a:t>десен бутон </a:t>
+            </a:r>
+            <a:r>
+              <a:rPr lang="bg-BG" dirty="0" smtClean="0"/>
+              <a:t>по </a:t>
+            </a:r>
+            <a:r>
+              <a:rPr lang="bg-BG" b="1" dirty="0" smtClean="0"/>
+              <a:t>екрана</a:t>
+            </a:r>
+            <a:endParaRPr lang="bg-BG" dirty="0" smtClean="0"/>
+          </a:p>
+        </p:txBody>
+      </p:sp>
+      <p:sp>
+        <p:nvSpPr>
+          <p:cNvPr id="4" name="Title 3"/>
+          <p:cNvSpPr>
+            <a:spLocks noGrp="1"/>
+          </p:cNvSpPr>
+          <p:nvPr>
+            <p:ph type="title"/>
+          </p:nvPr>
+        </p:nvSpPr>
+        <p:spPr/>
+        <p:txBody>
+          <a:bodyPr/>
+          <a:lstStyle/>
+          <a:p>
+            <a:r>
+              <a:rPr lang="bg-BG" dirty="0" smtClean="0"/>
+              <a:t>Край на представянето</a:t>
+            </a:r>
+            <a:endParaRPr lang="en-US" dirty="0"/>
+          </a:p>
+        </p:txBody>
+      </p:sp>
+      <p:pic>
+        <p:nvPicPr>
+          <p:cNvPr id="3074" name="Picture 2" descr="120+ Esc Key On Computer Keyboard Stock Photos, Pictures &amp; Royalty-Free  Images - iStock"/>
+          <p:cNvPicPr>
+            <a:picLocks noChangeAspect="1" noChangeArrowheads="1"/>
+          </p:cNvPicPr>
+          <p:nvPr/>
+        </p:nvPicPr>
+        <p:blipFill>
+          <a:blip r:embed="rId2">
+            <a:extLst>
+              <a:ext uri="{28A0092B-C50C-407E-A947-70E740481C1C}">
+                <a14:useLocalDpi xmlns:a14="http://schemas.microsoft.com/office/drawing/2010/main" val="0"/>
+              </a:ext>
+            </a:extLst>
+          </a:blip>
+          <a:srcRect/>
+          <a:stretch>
+            <a:fillRect/>
+          </a:stretch>
+        </p:blipFill>
+        <p:spPr bwMode="auto">
+          <a:xfrm>
+            <a:off x="2665351" y="4374000"/>
+            <a:ext cx="3422249" cy="2281500"/>
+          </a:xfrm>
+          <a:prstGeom prst="rect">
+            <a:avLst/>
+          </a:prstGeom>
+          <a:noFill/>
+          <a:ln>
+            <a:solidFill>
+              <a:schemeClr val="bg2">
+                <a:lumMod val="75000"/>
+              </a:schemeClr>
+            </a:solidFill>
+          </a:ln>
+          <a:extLst>
+            <a:ext uri="{909E8E84-426E-40DD-AFC4-6F175D3DCCD1}">
+              <a14:hiddenFill xmlns:a14="http://schemas.microsoft.com/office/drawing/2010/main">
+                <a:solidFill>
+                  <a:srgbClr val="FFFFFF"/>
+                </a:solidFill>
+              </a14:hiddenFill>
+            </a:ext>
+          </a:extLst>
+        </p:spPr>
+      </p:pic>
+      <p:pic>
+        <p:nvPicPr>
+          <p:cNvPr id="5" name="Picture 4"/>
+          <p:cNvPicPr>
+            <a:picLocks noChangeAspect="1"/>
+          </p:cNvPicPr>
+          <p:nvPr/>
+        </p:nvPicPr>
+        <p:blipFill>
+          <a:blip r:embed="rId3"/>
+          <a:stretch>
+            <a:fillRect/>
+          </a:stretch>
+        </p:blipFill>
+        <p:spPr>
+          <a:xfrm>
+            <a:off x="8661000" y="1682397"/>
+            <a:ext cx="2610000" cy="4835703"/>
+          </a:xfrm>
+          <a:prstGeom prst="rect">
+            <a:avLst/>
+          </a:prstGeom>
+          <a:ln>
+            <a:solidFill>
+              <a:schemeClr val="bg2">
+                <a:lumMod val="75000"/>
+              </a:schemeClr>
+            </a:solidFill>
+          </a:ln>
+        </p:spPr>
+      </p:pic>
+      <p:sp>
+        <p:nvSpPr>
+          <p:cNvPr id="6" name="Rectangle 5"/>
+          <p:cNvSpPr/>
+          <p:nvPr/>
+        </p:nvSpPr>
+        <p:spPr bwMode="auto">
+          <a:xfrm>
+            <a:off x="8661000" y="6084000"/>
+            <a:ext cx="2610000" cy="423000"/>
+          </a:xfrm>
+          <a:prstGeom prst="rect">
+            <a:avLst/>
+          </a:prstGeom>
+          <a:noFill/>
+          <a:ln w="38100">
+            <a:solidFill>
+              <a:schemeClr val="tx1">
+                <a:lumMod val="75000"/>
+                <a:alpha val="80000"/>
+              </a:schemeClr>
+            </a:solidFill>
+          </a:ln>
+          <a:effectLst/>
+        </p:spPr>
+        <p:style>
+          <a:lnRef idx="2">
+            <a:schemeClr val="accent1">
+              <a:shade val="50000"/>
+            </a:schemeClr>
+          </a:lnRef>
+          <a:fillRef idx="1001">
+            <a:schemeClr val="dk2"/>
+          </a:fillRef>
+          <a:effectRef idx="0">
+            <a:schemeClr val="accent1"/>
+          </a:effectRef>
+          <a:fontRef idx="minor">
+            <a:schemeClr val="lt1"/>
+          </a:fontRef>
+        </p:style>
+        <p:txBody>
+          <a:bodyPr rot="0" spcFirstLastPara="0" vertOverflow="overflow" horzOverflow="overflow" vert="horz" wrap="square" lIns="91440" tIns="45720" rIns="91440" bIns="45720" numCol="1" spcCol="0" rtlCol="0" fromWordArt="0" anchor="ctr" anchorCtr="0" forceAA="0" compatLnSpc="1">
+            <a:prstTxWarp prst="textNoShape">
+              <a:avLst/>
+            </a:prstTxWarp>
+            <a:noAutofit/>
+          </a:bodyPr>
+          <a:lstStyle/>
+          <a:p>
+            <a:pPr algn="ctr"/>
+            <a:endParaRPr lang="en-US" sz="2800" b="1" dirty="0">
+              <a:solidFill>
+                <a:srgbClr val="FFFFFF"/>
+              </a:solidFill>
+              <a:effectLst>
+                <a:outerShdw blurRad="38100" dist="38100" dir="2700000" algn="tl">
+                  <a:srgbClr val="000000">
+                    <a:alpha val="43137"/>
+                  </a:srgbClr>
+                </a:outerShdw>
+              </a:effectLst>
+            </a:endParaRPr>
+          </a:p>
+        </p:txBody>
+      </p:sp>
+    </p:spTree>
+    <p:extLst>
+      <p:ext uri="{BB962C8B-B14F-4D97-AF65-F5344CB8AC3E}">
+        <p14:creationId xmlns:p14="http://schemas.microsoft.com/office/powerpoint/2010/main" val="1720848162"/>
+      </p:ext>
+    </p:extLst>
+  </p:cSld>
+  <p:clrMapOvr>
+    <a:masterClrMapping/>
+  </p:clrMapOvr>
+  <mc:AlternateContent xmlns:mc="http://schemas.openxmlformats.org/markup-compatibility/2006" xmlns:p14="http://schemas.microsoft.com/office/powerpoint/2010/main">
+    <mc:Choice Requires="p14">
+      <p:transition spd="slow" p14:dur="2000" advClick="0" advTm="5000"/>
+    </mc:Choice>
+    <mc:Fallback xmlns="">
+      <p:transition spd="slow" advClick="0" advTm="5000"/>
+    </mc:Fallback>
+  </mc:AlternateContent>
+  <p:timing>
+    <p:tnLst>
+      <p:par>
+        <p:cTn id="1" dur="indefinite" restart="never" nodeType="tmRoot">
+          <p:childTnLst>
+            <p:seq concurrent="1" nextAc="seek">
+              <p:cTn id="2" dur="indefinite" nodeType="mainSeq">
+                <p:childTnLst>
+                  <p:par>
+                    <p:cTn id="3" fill="hold">
+                      <p:stCondLst>
+                        <p:cond delay="indefinite"/>
+                      </p:stCondLst>
+                      <p:childTnLst>
+                        <p:par>
+                          <p:cTn id="4" fill="hold">
+                            <p:stCondLst>
+                              <p:cond delay="0"/>
+                            </p:stCondLst>
+                            <p:childTnLst>
+                              <p:par>
+                                <p:cTn id="5" presetID="1" presetClass="entr" presetSubtype="0" fill="hold" nodeType="clickEffect">
+                                  <p:stCondLst>
+                                    <p:cond delay="0"/>
+                                  </p:stCondLst>
+                                  <p:childTnLst>
+                                    <p:set>
+                                      <p:cBhvr>
+                                        <p:cTn id="6" dur="1" fill="hold">
+                                          <p:stCondLst>
+                                            <p:cond delay="0"/>
+                                          </p:stCondLst>
+                                        </p:cTn>
+                                        <p:tgtEl>
+                                          <p:spTgt spid="3">
+                                            <p:txEl>
+                                              <p:pRg st="1" end="1"/>
+                                            </p:txEl>
+                                          </p:spTgt>
+                                        </p:tgtEl>
+                                        <p:attrNameLst>
+                                          <p:attrName>style.visibility</p:attrName>
+                                        </p:attrNameLst>
+                                      </p:cBhvr>
+                                      <p:to>
+                                        <p:strVal val="visible"/>
+                                      </p:to>
+                                    </p:set>
+                                  </p:childTnLst>
+                                </p:cTn>
+                              </p:par>
+                              <p:par>
+                                <p:cTn id="7" presetID="1" presetClass="entr" presetSubtype="0" fill="hold" nodeType="withEffect">
+                                  <p:stCondLst>
+                                    <p:cond delay="0"/>
+                                  </p:stCondLst>
+                                  <p:childTnLst>
+                                    <p:set>
+                                      <p:cBhvr>
+                                        <p:cTn id="8" dur="1" fill="hold">
+                                          <p:stCondLst>
+                                            <p:cond delay="0"/>
+                                          </p:stCondLst>
+                                        </p:cTn>
+                                        <p:tgtEl>
+                                          <p:spTgt spid="3074"/>
+                                        </p:tgtEl>
+                                        <p:attrNameLst>
+                                          <p:attrName>style.visibility</p:attrName>
+                                        </p:attrNameLst>
+                                      </p:cBhvr>
+                                      <p:to>
+                                        <p:strVal val="visible"/>
+                                      </p:to>
+                                    </p:set>
+                                  </p:childTnLst>
+                                </p:cTn>
+                              </p:par>
+                            </p:childTnLst>
+                          </p:cTn>
+                        </p:par>
+                      </p:childTnLst>
+                    </p:cTn>
+                  </p:par>
+                  <p:par>
+                    <p:cTn id="9" fill="hold">
+                      <p:stCondLst>
+                        <p:cond delay="indefinite"/>
+                      </p:stCondLst>
+                      <p:childTnLst>
+                        <p:par>
+                          <p:cTn id="10" fill="hold">
+                            <p:stCondLst>
+                              <p:cond delay="0"/>
+                            </p:stCondLst>
+                            <p:childTnLst>
+                              <p:par>
+                                <p:cTn id="11" presetID="1" presetClass="entr" presetSubtype="0" fill="hold" nodeType="clickEffect">
+                                  <p:stCondLst>
+                                    <p:cond delay="0"/>
+                                  </p:stCondLst>
+                                  <p:childTnLst>
+                                    <p:set>
+                                      <p:cBhvr>
+                                        <p:cTn id="12" dur="1" fill="hold">
+                                          <p:stCondLst>
+                                            <p:cond delay="0"/>
+                                          </p:stCondLst>
+                                        </p:cTn>
+                                        <p:tgtEl>
+                                          <p:spTgt spid="3">
+                                            <p:txEl>
+                                              <p:pRg st="2" end="2"/>
+                                            </p:txEl>
+                                          </p:spTgt>
+                                        </p:tgtEl>
+                                        <p:attrNameLst>
+                                          <p:attrName>style.visibility</p:attrName>
+                                        </p:attrNameLst>
+                                      </p:cBhvr>
+                                      <p:to>
+                                        <p:strVal val="visible"/>
+                                      </p:to>
+                                    </p:set>
+                                  </p:childTnLst>
+                                </p:cTn>
+                              </p:par>
+                            </p:childTnLst>
+                          </p:cTn>
+                        </p:par>
+                      </p:childTnLst>
+                    </p:cTn>
+                  </p:par>
+                  <p:par>
+                    <p:cTn id="13" fill="hold">
+                      <p:stCondLst>
+                        <p:cond delay="indefinite"/>
+                      </p:stCondLst>
+                      <p:childTnLst>
+                        <p:par>
+                          <p:cTn id="14" fill="hold">
+                            <p:stCondLst>
+                              <p:cond delay="0"/>
+                            </p:stCondLst>
+                            <p:childTnLst>
+                              <p:par>
+                                <p:cTn id="15" presetID="1" presetClass="entr" presetSubtype="0" fill="hold" nodeType="clickEffect">
+                                  <p:stCondLst>
+                                    <p:cond delay="0"/>
+                                  </p:stCondLst>
+                                  <p:childTnLst>
+                                    <p:set>
+                                      <p:cBhvr>
+                                        <p:cTn id="16" dur="1" fill="hold">
+                                          <p:stCondLst>
+                                            <p:cond delay="0"/>
+                                          </p:stCondLst>
+                                        </p:cTn>
+                                        <p:tgtEl>
+                                          <p:spTgt spid="3">
+                                            <p:txEl>
+                                              <p:pRg st="3" end="3"/>
+                                            </p:txEl>
+                                          </p:spTgt>
+                                        </p:tgtEl>
+                                        <p:attrNameLst>
+                                          <p:attrName>style.visibility</p:attrName>
+                                        </p:attrNameLst>
+                                      </p:cBhvr>
+                                      <p:to>
+                                        <p:strVal val="visible"/>
+                                      </p:to>
+                                    </p:set>
+                                  </p:childTnLst>
+                                </p:cTn>
+                              </p:par>
+                              <p:par>
+                                <p:cTn id="17" presetID="1" presetClass="entr" presetSubtype="0" fill="hold" nodeType="withEffect">
+                                  <p:stCondLst>
+                                    <p:cond delay="0"/>
+                                  </p:stCondLst>
+                                  <p:childTnLst>
+                                    <p:set>
+                                      <p:cBhvr>
+                                        <p:cTn id="18" dur="1" fill="hold">
+                                          <p:stCondLst>
+                                            <p:cond delay="0"/>
+                                          </p:stCondLst>
+                                        </p:cTn>
+                                        <p:tgtEl>
+                                          <p:spTgt spid="5"/>
+                                        </p:tgtEl>
+                                        <p:attrNameLst>
+                                          <p:attrName>style.visibility</p:attrName>
+                                        </p:attrNameLst>
+                                      </p:cBhvr>
+                                      <p:to>
+                                        <p:strVal val="visible"/>
+                                      </p:to>
+                                    </p:set>
+                                  </p:childTnLst>
+                                </p:cTn>
+                              </p:par>
+                            </p:childTnLst>
+                          </p:cTn>
+                        </p:par>
+                      </p:childTnLst>
+                    </p:cTn>
+                  </p:par>
+                  <p:par>
+                    <p:cTn id="19" fill="hold">
+                      <p:stCondLst>
+                        <p:cond delay="indefinite"/>
+                      </p:stCondLst>
+                      <p:childTnLst>
+                        <p:par>
+                          <p:cTn id="20" fill="hold">
+                            <p:stCondLst>
+                              <p:cond delay="0"/>
+                            </p:stCondLst>
+                            <p:childTnLst>
+                              <p:par>
+                                <p:cTn id="21" presetID="1" presetClass="entr" presetSubtype="0" fill="hold" grpId="0" nodeType="clickEffect">
+                                  <p:stCondLst>
+                                    <p:cond delay="0"/>
+                                  </p:stCondLst>
+                                  <p:childTnLst>
+                                    <p:set>
+                                      <p:cBhvr>
+                                        <p:cTn id="22" dur="1" fill="hold">
+                                          <p:stCondLst>
+                                            <p:cond delay="0"/>
+                                          </p:stCondLst>
+                                        </p:cTn>
+                                        <p:tgtEl>
+                                          <p:spTgt spid="6"/>
+                                        </p:tgtEl>
+                                        <p:attrNameLst>
+                                          <p:attrName>style.visibility</p:attrName>
+                                        </p:attrNameLst>
+                                      </p:cBhvr>
+                                      <p:to>
+                                        <p:strVal val="visible"/>
+                                      </p:to>
+                                    </p:set>
+                                  </p:childTnLst>
+                                </p:cTn>
+                              </p:par>
+                            </p:childTnLst>
+                          </p:cTn>
+                        </p:par>
+                      </p:childTnLst>
+                    </p:cTn>
+                  </p:par>
+                </p:childTnLst>
+              </p:cTn>
+              <p:prevCondLst>
+                <p:cond evt="onPrev" delay="0">
+                  <p:tgtEl>
+                    <p:sldTgt/>
+                  </p:tgtEl>
+                </p:cond>
+              </p:prevCondLst>
+              <p:nextCondLst>
+                <p:cond evt="onNext" delay="0">
+                  <p:tgtEl>
+                    <p:sldTgt/>
+                  </p:tgtEl>
+                </p:cond>
+              </p:nextCondLst>
+            </p:seq>
+          </p:childTnLst>
+        </p:cTn>
+      </p:par>
+    </p:tnLst>
+    <p:bldLst>
+      <p:bldP spid="6" grpId="0" animBg="1"/>
+    </p:bldLst>
+  </p:timing>
+</p:sld>
+</file>
+
+<file path=ppt/slides/slide16.xml><?xml version="1.0" encoding="utf-8"?>
+<p:sld xmlns:a="http://schemas.openxmlformats.org/drawingml/2006/main" xmlns:r="http://schemas.openxmlformats.org/officeDocument/2006/relationships" xmlns:p="http://schemas.openxmlformats.org/presentationml/2006/main">
+  <p:cSld>
+    <p:spTree>
+      <p:nvGrpSpPr>
+        <p:cNvPr id="1" name=""/>
+        <p:cNvGrpSpPr/>
+        <p:nvPr/>
+      </p:nvGrpSpPr>
+      <p:grpSpPr>
+        <a:xfrm>
+          <a:off x="0" y="0"/>
+          <a:ext cx="0" cy="0"/>
+          <a:chOff x="0" y="0"/>
+          <a:chExt cx="0" cy="0"/>
+        </a:xfrm>
+      </p:grpSpPr>
+      <p:sp>
+        <p:nvSpPr>
+          <p:cNvPr id="2" name="Slide Number Placeholder 1"/>
+          <p:cNvSpPr>
+            <a:spLocks noGrp="1"/>
+          </p:cNvSpPr>
+          <p:nvPr>
+            <p:ph type="sldNum" sz="quarter" idx="5"/>
+          </p:nvPr>
+        </p:nvSpPr>
+        <p:spPr/>
+        <p:txBody>
+          <a:bodyPr/>
+          <a:lstStyle/>
+          <a:p>
+            <a:fld id="{2BF067CD-8E6B-4360-9AA8-C5DF2A48A6D1}" type="slidenum">
+              <a:rPr lang="en-US" noProof="0" smtClean="0"/>
+              <a:pPr/>
+              <a:t>16</a:t>
+            </a:fld>
+            <a:endParaRPr lang="en-US" noProof="0" dirty="0"/>
+          </a:p>
+        </p:txBody>
+      </p:sp>
+      <p:sp>
+        <p:nvSpPr>
+          <p:cNvPr id="3" name="Text Placeholder 2"/>
+          <p:cNvSpPr>
+            <a:spLocks noGrp="1"/>
+          </p:cNvSpPr>
+          <p:nvPr>
+            <p:ph type="body" sz="quarter" idx="10"/>
+          </p:nvPr>
+        </p:nvSpPr>
+        <p:spPr>
+          <a:xfrm>
+            <a:off x="5331000" y="1196125"/>
+            <a:ext cx="6789444" cy="5528766"/>
+          </a:xfrm>
+        </p:spPr>
+        <p:txBody>
+          <a:bodyPr/>
+          <a:lstStyle/>
+          <a:p>
+            <a:r>
+              <a:rPr lang="bg-BG" dirty="0" smtClean="0"/>
+              <a:t>При представяне на презентация може да си подпомагате, като рисувате по слайдовете</a:t>
+            </a:r>
+          </a:p>
+          <a:p>
+            <a:r>
+              <a:rPr lang="bg-BG" dirty="0" smtClean="0"/>
+              <a:t>За да използвате мишката като молив, трябва да отворите </a:t>
+            </a:r>
+            <a:r>
+              <a:rPr lang="bg-BG" b="1" dirty="0"/>
+              <a:t>контекстното меню </a:t>
+            </a:r>
+            <a:endParaRPr lang="bg-BG" dirty="0" smtClean="0"/>
+          </a:p>
+          <a:p>
+            <a:pPr lvl="1"/>
+            <a:r>
+              <a:rPr lang="bg-BG" dirty="0"/>
+              <a:t>Натискане на </a:t>
+            </a:r>
+            <a:r>
+              <a:rPr lang="bg-BG" b="1" dirty="0"/>
+              <a:t>десен бутон </a:t>
+            </a:r>
+            <a:r>
+              <a:rPr lang="bg-BG" dirty="0"/>
+              <a:t>по </a:t>
+            </a:r>
+            <a:r>
+              <a:rPr lang="bg-BG" b="1" dirty="0" smtClean="0"/>
+              <a:t>екрана</a:t>
+            </a:r>
+            <a:endParaRPr lang="bg-BG" dirty="0"/>
+          </a:p>
+        </p:txBody>
+      </p:sp>
+      <p:sp>
+        <p:nvSpPr>
+          <p:cNvPr id="4" name="Title 3"/>
+          <p:cNvSpPr>
+            <a:spLocks noGrp="1"/>
+          </p:cNvSpPr>
+          <p:nvPr>
+            <p:ph type="title"/>
+          </p:nvPr>
+        </p:nvSpPr>
+        <p:spPr/>
+        <p:txBody>
+          <a:bodyPr/>
+          <a:lstStyle/>
+          <a:p>
+            <a:r>
+              <a:rPr lang="bg-BG" dirty="0" smtClean="0"/>
+              <a:t>Помощни средства</a:t>
+            </a:r>
+            <a:endParaRPr lang="en-US" dirty="0"/>
+          </a:p>
+        </p:txBody>
+      </p:sp>
+      <p:pic>
+        <p:nvPicPr>
+          <p:cNvPr id="6" name="Picture 5"/>
+          <p:cNvPicPr>
+            <a:picLocks noChangeAspect="1"/>
+          </p:cNvPicPr>
+          <p:nvPr/>
+        </p:nvPicPr>
+        <p:blipFill>
+          <a:blip r:embed="rId2"/>
+          <a:stretch>
+            <a:fillRect/>
+          </a:stretch>
+        </p:blipFill>
+        <p:spPr>
+          <a:xfrm>
+            <a:off x="661856" y="1374141"/>
+            <a:ext cx="2294255" cy="4250703"/>
+          </a:xfrm>
+          <a:prstGeom prst="rect">
+            <a:avLst/>
+          </a:prstGeom>
+          <a:ln>
+            <a:solidFill>
+              <a:schemeClr val="bg2">
+                <a:lumMod val="75000"/>
+              </a:schemeClr>
+            </a:solidFill>
+          </a:ln>
+        </p:spPr>
+      </p:pic>
+      <p:pic>
+        <p:nvPicPr>
+          <p:cNvPr id="7" name="Picture 6"/>
+          <p:cNvPicPr>
+            <a:picLocks noChangeAspect="1"/>
+          </p:cNvPicPr>
+          <p:nvPr/>
+        </p:nvPicPr>
+        <p:blipFill>
+          <a:blip r:embed="rId3"/>
+          <a:stretch>
+            <a:fillRect/>
+          </a:stretch>
+        </p:blipFill>
+        <p:spPr>
+          <a:xfrm>
+            <a:off x="2950485" y="4195573"/>
+            <a:ext cx="2335515" cy="2504347"/>
+          </a:xfrm>
+          <a:prstGeom prst="rect">
+            <a:avLst/>
+          </a:prstGeom>
+          <a:ln>
+            <a:solidFill>
+              <a:schemeClr val="bg2">
+                <a:lumMod val="75000"/>
+              </a:schemeClr>
+            </a:solidFill>
+          </a:ln>
+        </p:spPr>
+      </p:pic>
+      <p:sp>
+        <p:nvSpPr>
+          <p:cNvPr id="8" name="Rectangle 7"/>
+          <p:cNvSpPr/>
+          <p:nvPr/>
+        </p:nvSpPr>
+        <p:spPr bwMode="auto">
+          <a:xfrm>
+            <a:off x="661856" y="4176523"/>
+            <a:ext cx="2288629" cy="348902"/>
+          </a:xfrm>
+          <a:prstGeom prst="rect">
+            <a:avLst/>
+          </a:prstGeom>
+          <a:noFill/>
+          <a:ln w="38100">
+            <a:solidFill>
+              <a:schemeClr val="tx1">
+                <a:lumMod val="75000"/>
+                <a:alpha val="80000"/>
+              </a:schemeClr>
+            </a:solidFill>
+          </a:ln>
+          <a:effectLst/>
+        </p:spPr>
+        <p:style>
+          <a:lnRef idx="2">
+            <a:schemeClr val="accent1">
+              <a:shade val="50000"/>
+            </a:schemeClr>
+          </a:lnRef>
+          <a:fillRef idx="1001">
+            <a:schemeClr val="dk2"/>
+          </a:fillRef>
+          <a:effectRef idx="0">
+            <a:schemeClr val="accent1"/>
+          </a:effectRef>
+          <a:fontRef idx="minor">
+            <a:schemeClr val="lt1"/>
+          </a:fontRef>
+        </p:style>
+        <p:txBody>
+          <a:bodyPr rot="0" spcFirstLastPara="0" vertOverflow="overflow" horzOverflow="overflow" vert="horz" wrap="square" lIns="91440" tIns="45720" rIns="91440" bIns="45720" numCol="1" spcCol="0" rtlCol="0" fromWordArt="0" anchor="ctr" anchorCtr="0" forceAA="0" compatLnSpc="1">
+            <a:prstTxWarp prst="textNoShape">
+              <a:avLst/>
+            </a:prstTxWarp>
+            <a:noAutofit/>
+          </a:bodyPr>
+          <a:lstStyle/>
+          <a:p>
+            <a:pPr algn="ctr"/>
+            <a:endParaRPr lang="en-US" sz="2800" b="1" dirty="0">
+              <a:solidFill>
+                <a:srgbClr val="FFFFFF"/>
+              </a:solidFill>
+              <a:effectLst>
+                <a:outerShdw blurRad="38100" dist="38100" dir="2700000" algn="tl">
+                  <a:srgbClr val="000000">
+                    <a:alpha val="43137"/>
+                  </a:srgbClr>
+                </a:outerShdw>
+              </a:effectLst>
+            </a:endParaRPr>
+          </a:p>
+        </p:txBody>
+      </p:sp>
+    </p:spTree>
+    <p:extLst>
+      <p:ext uri="{BB962C8B-B14F-4D97-AF65-F5344CB8AC3E}">
+        <p14:creationId xmlns:p14="http://schemas.microsoft.com/office/powerpoint/2010/main" val="2230221647"/>
+      </p:ext>
+    </p:extLst>
+  </p:cSld>
+  <p:clrMapOvr>
+    <a:masterClrMapping/>
+  </p:clrMapOvr>
+  <mc:AlternateContent xmlns:mc="http://schemas.openxmlformats.org/markup-compatibility/2006" xmlns:p14="http://schemas.microsoft.com/office/powerpoint/2010/main">
+    <mc:Choice Requires="p14">
+      <p:transition spd="slow" p14:dur="2000" advClick="0" advTm="5000"/>
+    </mc:Choice>
+    <mc:Fallback xmlns="">
+      <p:transition spd="slow" advClick="0" advTm="5000"/>
+    </mc:Fallback>
+  </mc:AlternateContent>
+  <p:timing>
+    <p:tnLst>
+      <p:par>
+        <p:cTn id="1" dur="indefinite" restart="never" nodeType="tmRoot">
+          <p:childTnLst>
+            <p:seq concurrent="1" nextAc="seek">
+              <p:cTn id="2" dur="indefinite" nodeType="mainSeq">
+                <p:childTnLst>
+                  <p:par>
+                    <p:cTn id="3" fill="hold">
+                      <p:stCondLst>
+                        <p:cond delay="indefinite"/>
+                      </p:stCondLst>
+                      <p:childTnLst>
+                        <p:par>
+                          <p:cTn id="4" fill="hold">
+                            <p:stCondLst>
+                              <p:cond delay="0"/>
+                            </p:stCondLst>
+                            <p:childTnLst>
+                              <p:par>
+                                <p:cTn id="5" presetID="1" presetClass="entr" presetSubtype="0" fill="hold" nodeType="clickEffect">
+                                  <p:stCondLst>
+                                    <p:cond delay="0"/>
+                                  </p:stCondLst>
+                                  <p:childTnLst>
+                                    <p:set>
+                                      <p:cBhvr>
+                                        <p:cTn id="6" dur="1" fill="hold">
+                                          <p:stCondLst>
+                                            <p:cond delay="0"/>
+                                          </p:stCondLst>
+                                        </p:cTn>
+                                        <p:tgtEl>
+                                          <p:spTgt spid="3">
+                                            <p:txEl>
+                                              <p:pRg st="1" end="1"/>
+                                            </p:txEl>
+                                          </p:spTgt>
+                                        </p:tgtEl>
+                                        <p:attrNameLst>
+                                          <p:attrName>style.visibility</p:attrName>
+                                        </p:attrNameLst>
+                                      </p:cBhvr>
+                                      <p:to>
+                                        <p:strVal val="visible"/>
+                                      </p:to>
+                                    </p:set>
+                                  </p:childTnLst>
+                                </p:cTn>
+                              </p:par>
+                            </p:childTnLst>
+                          </p:cTn>
+                        </p:par>
+                      </p:childTnLst>
+                    </p:cTn>
+                  </p:par>
+                  <p:par>
+                    <p:cTn id="7" fill="hold">
+                      <p:stCondLst>
+                        <p:cond delay="indefinite"/>
+                      </p:stCondLst>
+                      <p:childTnLst>
+                        <p:par>
+                          <p:cTn id="8" fill="hold">
+                            <p:stCondLst>
+                              <p:cond delay="0"/>
+                            </p:stCondLst>
+                            <p:childTnLst>
+                              <p:par>
+                                <p:cTn id="9" presetID="1" presetClass="entr" presetSubtype="0" fill="hold" nodeType="clickEffect">
+                                  <p:stCondLst>
+                                    <p:cond delay="0"/>
+                                  </p:stCondLst>
+                                  <p:childTnLst>
+                                    <p:set>
+                                      <p:cBhvr>
+                                        <p:cTn id="10" dur="1" fill="hold">
+                                          <p:stCondLst>
+                                            <p:cond delay="0"/>
+                                          </p:stCondLst>
+                                        </p:cTn>
+                                        <p:tgtEl>
+                                          <p:spTgt spid="3">
+                                            <p:txEl>
+                                              <p:pRg st="2" end="2"/>
+                                            </p:txEl>
+                                          </p:spTgt>
+                                        </p:tgtEl>
+                                        <p:attrNameLst>
+                                          <p:attrName>style.visibility</p:attrName>
+                                        </p:attrNameLst>
+                                      </p:cBhvr>
+                                      <p:to>
+                                        <p:strVal val="visible"/>
+                                      </p:to>
+                                    </p:set>
+                                  </p:childTnLst>
+                                </p:cTn>
+                              </p:par>
+                            </p:childTnLst>
+                          </p:cTn>
+                        </p:par>
+                      </p:childTnLst>
+                    </p:cTn>
+                  </p:par>
+                  <p:par>
+                    <p:cTn id="11" fill="hold">
+                      <p:stCondLst>
+                        <p:cond delay="indefinite"/>
+                      </p:stCondLst>
+                      <p:childTnLst>
+                        <p:par>
+                          <p:cTn id="12" fill="hold">
+                            <p:stCondLst>
+                              <p:cond delay="0"/>
+                            </p:stCondLst>
+                            <p:childTnLst>
+                              <p:par>
+                                <p:cTn id="13" presetID="1" presetClass="entr" presetSubtype="0" fill="hold" nodeType="clickEffect">
+                                  <p:stCondLst>
+                                    <p:cond delay="0"/>
+                                  </p:stCondLst>
+                                  <p:childTnLst>
+                                    <p:set>
+                                      <p:cBhvr>
+                                        <p:cTn id="14" dur="1" fill="hold">
+                                          <p:stCondLst>
+                                            <p:cond delay="0"/>
+                                          </p:stCondLst>
+                                        </p:cTn>
+                                        <p:tgtEl>
+                                          <p:spTgt spid="6"/>
+                                        </p:tgtEl>
+                                        <p:attrNameLst>
+                                          <p:attrName>style.visibility</p:attrName>
+                                        </p:attrNameLst>
+                                      </p:cBhvr>
+                                      <p:to>
+                                        <p:strVal val="visible"/>
+                                      </p:to>
+                                    </p:set>
+                                  </p:childTnLst>
+                                </p:cTn>
+                              </p:par>
+                            </p:childTnLst>
+                          </p:cTn>
+                        </p:par>
+                      </p:childTnLst>
+                    </p:cTn>
+                  </p:par>
+                  <p:par>
+                    <p:cTn id="15" fill="hold">
+                      <p:stCondLst>
+                        <p:cond delay="indefinite"/>
+                      </p:stCondLst>
+                      <p:childTnLst>
+                        <p:par>
+                          <p:cTn id="16" fill="hold">
+                            <p:stCondLst>
+                              <p:cond delay="0"/>
+                            </p:stCondLst>
+                            <p:childTnLst>
+                              <p:par>
+                                <p:cTn id="17" presetID="1" presetClass="entr" presetSubtype="0" fill="hold" grpId="0" nodeType="clickEffect">
+                                  <p:stCondLst>
+                                    <p:cond delay="0"/>
+                                  </p:stCondLst>
+                                  <p:childTnLst>
+                                    <p:set>
+                                      <p:cBhvr>
+                                        <p:cTn id="18" dur="1" fill="hold">
+                                          <p:stCondLst>
+                                            <p:cond delay="0"/>
+                                          </p:stCondLst>
+                                        </p:cTn>
+                                        <p:tgtEl>
+                                          <p:spTgt spid="8"/>
+                                        </p:tgtEl>
+                                        <p:attrNameLst>
+                                          <p:attrName>style.visibility</p:attrName>
+                                        </p:attrNameLst>
+                                      </p:cBhvr>
+                                      <p:to>
+                                        <p:strVal val="visible"/>
+                                      </p:to>
+                                    </p:set>
+                                  </p:childTnLst>
+                                </p:cTn>
+                              </p:par>
+                            </p:childTnLst>
+                          </p:cTn>
+                        </p:par>
+                      </p:childTnLst>
+                    </p:cTn>
+                  </p:par>
+                  <p:par>
+                    <p:cTn id="19" fill="hold">
+                      <p:stCondLst>
+                        <p:cond delay="indefinite"/>
+                      </p:stCondLst>
+                      <p:childTnLst>
+                        <p:par>
+                          <p:cTn id="20" fill="hold">
+                            <p:stCondLst>
+                              <p:cond delay="0"/>
+                            </p:stCondLst>
+                            <p:childTnLst>
+                              <p:par>
+                                <p:cTn id="21" presetID="1" presetClass="entr" presetSubtype="0" fill="hold" nodeType="clickEffect">
+                                  <p:stCondLst>
+                                    <p:cond delay="0"/>
+                                  </p:stCondLst>
+                                  <p:childTnLst>
+                                    <p:set>
+                                      <p:cBhvr>
+                                        <p:cTn id="22" dur="1" fill="hold">
+                                          <p:stCondLst>
+                                            <p:cond delay="0"/>
+                                          </p:stCondLst>
+                                        </p:cTn>
+                                        <p:tgtEl>
+                                          <p:spTgt spid="7"/>
+                                        </p:tgtEl>
+                                        <p:attrNameLst>
+                                          <p:attrName>style.visibility</p:attrName>
+                                        </p:attrNameLst>
+                                      </p:cBhvr>
+                                      <p:to>
+                                        <p:strVal val="visible"/>
+                                      </p:to>
+                                    </p:set>
+                                  </p:childTnLst>
+                                </p:cTn>
+                              </p:par>
+                            </p:childTnLst>
+                          </p:cTn>
+                        </p:par>
+                      </p:childTnLst>
+                    </p:cTn>
+                  </p:par>
+                </p:childTnLst>
+              </p:cTn>
+              <p:prevCondLst>
+                <p:cond evt="onPrev" delay="0">
+                  <p:tgtEl>
+                    <p:sldTgt/>
+                  </p:tgtEl>
+                </p:cond>
+              </p:prevCondLst>
+              <p:nextCondLst>
+                <p:cond evt="onNext" delay="0">
+                  <p:tgtEl>
+                    <p:sldTgt/>
+                  </p:tgtEl>
+                </p:cond>
+              </p:nextCondLst>
+            </p:seq>
+          </p:childTnLst>
+        </p:cTn>
+      </p:par>
+    </p:tnLst>
+    <p:bldLst>
+      <p:bldP spid="8" grpId="0" animBg="1"/>
+    </p:bldLst>
+  </p:timing>
+</p:sld>
+</file>
+
+<file path=ppt/slides/slide17.xml><?xml version="1.0" encoding="utf-8"?>
+<p:sld xmlns:a="http://schemas.openxmlformats.org/drawingml/2006/main" xmlns:r="http://schemas.openxmlformats.org/officeDocument/2006/relationships" xmlns:p="http://schemas.openxmlformats.org/presentationml/2006/main">
+  <p:cSld>
+    <p:spTree>
+      <p:nvGrpSpPr>
+        <p:cNvPr id="1" name=""/>
+        <p:cNvGrpSpPr/>
+        <p:nvPr/>
+      </p:nvGrpSpPr>
+      <p:grpSpPr>
+        <a:xfrm>
+          <a:off x="0" y="0"/>
+          <a:ext cx="0" cy="0"/>
+          <a:chOff x="0" y="0"/>
+          <a:chExt cx="0" cy="0"/>
+        </a:xfrm>
+      </p:grpSpPr>
+      <p:sp>
+        <p:nvSpPr>
+          <p:cNvPr id="2" name="Slide Number Placeholder 1"/>
+          <p:cNvSpPr>
+            <a:spLocks noGrp="1"/>
+          </p:cNvSpPr>
+          <p:nvPr>
+            <p:ph type="sldNum" sz="quarter" idx="5"/>
+          </p:nvPr>
+        </p:nvSpPr>
+        <p:spPr/>
+        <p:txBody>
+          <a:bodyPr/>
+          <a:lstStyle/>
+          <a:p>
+            <a:fld id="{2BF067CD-8E6B-4360-9AA8-C5DF2A48A6D1}" type="slidenum">
+              <a:rPr lang="en-US" noProof="0" smtClean="0"/>
+              <a:pPr/>
+              <a:t>17</a:t>
+            </a:fld>
+            <a:endParaRPr lang="en-US" noProof="0" dirty="0"/>
+          </a:p>
+        </p:txBody>
+      </p:sp>
+      <p:sp>
+        <p:nvSpPr>
+          <p:cNvPr id="4" name="Title 3"/>
+          <p:cNvSpPr>
+            <a:spLocks noGrp="1"/>
+          </p:cNvSpPr>
+          <p:nvPr>
+            <p:ph type="title"/>
+          </p:nvPr>
+        </p:nvSpPr>
+        <p:spPr/>
+        <p:txBody>
+          <a:bodyPr/>
+          <a:lstStyle/>
+          <a:p>
+            <a:r>
+              <a:rPr lang="bg-BG" dirty="0"/>
+              <a:t>Помощни </a:t>
+            </a:r>
+            <a:r>
+              <a:rPr lang="bg-BG" dirty="0" smtClean="0"/>
+              <a:t>средства – видео</a:t>
+            </a:r>
+            <a:endParaRPr lang="en-US" dirty="0"/>
+          </a:p>
+        </p:txBody>
+      </p:sp>
+      <p:pic>
+        <p:nvPicPr>
+          <p:cNvPr id="5" name="Picture 4"/>
+          <p:cNvPicPr>
+            <a:picLocks noChangeAspect="1"/>
+          </p:cNvPicPr>
+          <p:nvPr/>
+        </p:nvPicPr>
+        <p:blipFill>
+          <a:blip r:embed="rId3">
+            <a:extLst>
+              <a:ext uri="{28A0092B-C50C-407E-A947-70E740481C1C}">
+                <a14:useLocalDpi xmlns:a14="http://schemas.microsoft.com/office/drawing/2010/main" val="0"/>
+              </a:ext>
+            </a:extLst>
+          </a:blip>
+          <a:stretch>
+            <a:fillRect/>
+          </a:stretch>
+        </p:blipFill>
+        <p:spPr>
+          <a:xfrm>
+            <a:off x="966000" y="1224000"/>
+            <a:ext cx="10260000" cy="5482772"/>
+          </a:xfrm>
+          <a:prstGeom prst="rect">
+            <a:avLst/>
+          </a:prstGeom>
+          <a:ln>
+            <a:solidFill>
+              <a:schemeClr val="bg2">
+                <a:lumMod val="75000"/>
+              </a:schemeClr>
+            </a:solidFill>
+          </a:ln>
+        </p:spPr>
+      </p:pic>
+    </p:spTree>
+    <p:extLst>
+      <p:ext uri="{BB962C8B-B14F-4D97-AF65-F5344CB8AC3E}">
+        <p14:creationId xmlns:p14="http://schemas.microsoft.com/office/powerpoint/2010/main" val="3689403645"/>
+      </p:ext>
+    </p:extLst>
+  </p:cSld>
+  <p:clrMapOvr>
+    <a:masterClrMapping/>
+  </p:clrMapOvr>
+  <mc:AlternateContent xmlns:mc="http://schemas.openxmlformats.org/markup-compatibility/2006" xmlns:p14="http://schemas.microsoft.com/office/powerpoint/2010/main">
+    <mc:Choice Requires="p14">
+      <p:transition spd="slow" p14:dur="2000" advClick="0" advTm="5000"/>
+    </mc:Choice>
+    <mc:Fallback xmlns="">
+      <p:transition spd="slow" advClick="0" advTm="5000"/>
+    </mc:Fallback>
+  </mc:AlternateContent>
+  <p:timing>
+    <p:tnLst>
+      <p:par>
+        <p:cTn id="1" dur="indefinite" restart="never" nodeType="tmRoot"/>
+      </p:par>
+    </p:tnLst>
+  </p:timing>
+</p:sld>
+</file>
+
+<file path=ppt/slides/slide18.xml><?xml version="1.0" encoding="utf-8"?>
 <p:sld xmlns:a="http://schemas.openxmlformats.org/drawingml/2006/main" xmlns:r="http://schemas.openxmlformats.org/officeDocument/2006/relationships" xmlns:p="http://schemas.openxmlformats.org/presentationml/2006/main">
   <p:cSld>
     <p:spTree>
@@ -8335,7 +11276,7 @@
             <a:fld id="{C014DD1E-5D91-48A3-AD6D-45FBA980D106}" type="slidenum">
               <a:rPr lang="en-US" smtClean="0"/>
               <a:pPr/>
-              <a:t>13</a:t>
+              <a:t>18</a:t>
             </a:fld>
             <a:endParaRPr lang="en-US" dirty="0"/>
           </a:p>
@@ -8859,7 +11800,7 @@
               </a:buClr>
             </a:pPr>
             <a:r>
-              <a:rPr lang="en-US" sz="2800" b="1" dirty="0" smtClean="0">
+              <a:rPr lang="bg-BG" sz="3200" b="1" dirty="0" smtClean="0">
                 <a:solidFill>
                   <a:schemeClr val="bg1">
                     <a:lumMod val="60000"/>
@@ -8867,9 +11808,162 @@
                   </a:schemeClr>
                 </a:solidFill>
               </a:rPr>
-              <a:t>TODO</a:t>
-            </a:r>
-            <a:endParaRPr lang="en-US" sz="2400" b="1" dirty="0">
+              <a:t>Правила</a:t>
+            </a:r>
+            <a:r>
+              <a:rPr lang="bg-BG" sz="3200" dirty="0" smtClean="0">
+                <a:solidFill>
+                  <a:schemeClr val="bg2"/>
+                </a:solidFill>
+              </a:rPr>
+              <a:t> при </a:t>
+            </a:r>
+            <a:r>
+              <a:rPr lang="bg-BG" sz="3200" b="1" dirty="0" smtClean="0">
+                <a:solidFill>
+                  <a:schemeClr val="bg2"/>
+                </a:solidFill>
+              </a:rPr>
+              <a:t>представяне</a:t>
+            </a:r>
+            <a:r>
+              <a:rPr lang="bg-BG" sz="3200" dirty="0" smtClean="0">
+                <a:solidFill>
+                  <a:schemeClr val="bg2"/>
+                </a:solidFill>
+              </a:rPr>
+              <a:t> на презентация</a:t>
+            </a:r>
+          </a:p>
+          <a:p>
+            <a:pPr marL="355600" indent="-355600">
+              <a:lnSpc>
+                <a:spcPct val="100000"/>
+              </a:lnSpc>
+              <a:buClr>
+                <a:schemeClr val="bg2"/>
+              </a:buClr>
+            </a:pPr>
+            <a:r>
+              <a:rPr lang="bg-BG" sz="3200" dirty="0" smtClean="0">
+                <a:solidFill>
+                  <a:schemeClr val="bg2"/>
+                </a:solidFill>
+              </a:rPr>
+              <a:t>Представяне на презентация:</a:t>
+            </a:r>
+          </a:p>
+          <a:p>
+            <a:pPr marL="888666" lvl="1" indent="-355600">
+              <a:lnSpc>
+                <a:spcPct val="100000"/>
+              </a:lnSpc>
+              <a:buClr>
+                <a:schemeClr val="bg2"/>
+              </a:buClr>
+            </a:pPr>
+            <a:r>
+              <a:rPr lang="bg-BG" sz="2800" b="1" dirty="0" smtClean="0">
+                <a:solidFill>
+                  <a:schemeClr val="bg2"/>
+                </a:solidFill>
+              </a:rPr>
+              <a:t>Стартиране</a:t>
+            </a:r>
+          </a:p>
+          <a:p>
+            <a:pPr marL="888666" lvl="1" indent="-355600">
+              <a:lnSpc>
+                <a:spcPct val="100000"/>
+              </a:lnSpc>
+              <a:buClr>
+                <a:schemeClr val="bg2"/>
+              </a:buClr>
+            </a:pPr>
+            <a:r>
+              <a:rPr lang="bg-BG" sz="2800" b="1" dirty="0" smtClean="0">
+                <a:solidFill>
+                  <a:schemeClr val="bg2"/>
+                </a:solidFill>
+              </a:rPr>
+              <a:t>Смяна</a:t>
+            </a:r>
+            <a:r>
+              <a:rPr lang="bg-BG" sz="2800" dirty="0" smtClean="0">
+                <a:solidFill>
+                  <a:schemeClr val="bg2"/>
+                </a:solidFill>
+              </a:rPr>
+              <a:t> на </a:t>
+            </a:r>
+            <a:r>
+              <a:rPr lang="bg-BG" sz="2800" b="1" dirty="0" smtClean="0">
+                <a:solidFill>
+                  <a:schemeClr val="bg2"/>
+                </a:solidFill>
+              </a:rPr>
+              <a:t>слайдове</a:t>
+            </a:r>
+          </a:p>
+          <a:p>
+            <a:pPr marL="888666" lvl="1" indent="-355600">
+              <a:lnSpc>
+                <a:spcPct val="100000"/>
+              </a:lnSpc>
+              <a:buClr>
+                <a:schemeClr val="bg2"/>
+              </a:buClr>
+            </a:pPr>
+            <a:r>
+              <a:rPr lang="bg-BG" sz="2800" b="1" dirty="0" smtClean="0">
+                <a:solidFill>
+                  <a:schemeClr val="bg2"/>
+                </a:solidFill>
+              </a:rPr>
+              <a:t>Край</a:t>
+            </a:r>
+            <a:r>
+              <a:rPr lang="bg-BG" sz="2800" dirty="0" smtClean="0">
+                <a:solidFill>
+                  <a:schemeClr val="bg2"/>
+                </a:solidFill>
+              </a:rPr>
+              <a:t> на представянето</a:t>
+            </a:r>
+          </a:p>
+          <a:p>
+            <a:pPr marL="888666" lvl="1" indent="-355600">
+              <a:lnSpc>
+                <a:spcPct val="100000"/>
+              </a:lnSpc>
+              <a:buClr>
+                <a:schemeClr val="bg2"/>
+              </a:buClr>
+            </a:pPr>
+            <a:r>
+              <a:rPr lang="bg-BG" sz="2800" b="1" dirty="0" smtClean="0">
+                <a:solidFill>
+                  <a:schemeClr val="bg2"/>
+                </a:solidFill>
+              </a:rPr>
+              <a:t>Помощни средства</a:t>
+            </a:r>
+            <a:endParaRPr lang="bg-BG" sz="2800" dirty="0" smtClean="0">
+              <a:solidFill>
+                <a:schemeClr val="bg2"/>
+              </a:solidFill>
+            </a:endParaRPr>
+          </a:p>
+          <a:p>
+            <a:pPr marL="355600" indent="-355600">
+              <a:lnSpc>
+                <a:spcPct val="100000"/>
+              </a:lnSpc>
+              <a:buClr>
+                <a:schemeClr val="bg2"/>
+              </a:buClr>
+            </a:pPr>
+            <a:endParaRPr lang="en-US" sz="2400" dirty="0">
               <a:solidFill>
                 <a:schemeClr val="bg2"/>
               </a:solidFill>
@@ -8898,14 +11992,282 @@
   <p:timing>
     <p:tnLst>
       <p:par>
-        <p:cTn id="1" dur="indefinite" restart="never" nodeType="tmRoot"/>
+        <p:cTn id="1" dur="indefinite" restart="never" nodeType="tmRoot">
+          <p:childTnLst>
+            <p:seq concurrent="1" nextAc="seek">
+              <p:cTn id="2" dur="indefinite" nodeType="mainSeq">
+                <p:childTnLst>
+                  <p:par>
+                    <p:cTn id="3" fill="hold">
+                      <p:stCondLst>
+                        <p:cond delay="indefinite"/>
+                      </p:stCondLst>
+                      <p:childTnLst>
+                        <p:par>
+                          <p:cTn id="4" fill="hold">
+                            <p:stCondLst>
+                              <p:cond delay="0"/>
+                            </p:stCondLst>
+                            <p:childTnLst>
+                              <p:par>
+                                <p:cTn id="5" presetID="1" presetClass="entr" presetSubtype="0" fill="hold" nodeType="clickEffect">
+                                  <p:stCondLst>
+                                    <p:cond delay="0"/>
+                                  </p:stCondLst>
+                                  <p:childTnLst>
+                                    <p:set>
+                                      <p:cBhvr>
+                                        <p:cTn id="6" dur="1" fill="hold">
+                                          <p:stCondLst>
+                                            <p:cond delay="0"/>
+                                          </p:stCondLst>
+                                        </p:cTn>
+                                        <p:tgtEl>
+                                          <p:spTgt spid="15">
+                                            <p:txEl>
+                                              <p:pRg st="1" end="1"/>
+                                            </p:txEl>
+                                          </p:spTgt>
+                                        </p:tgtEl>
+                                        <p:attrNameLst>
+                                          <p:attrName>style.visibility</p:attrName>
+                                        </p:attrNameLst>
+                                      </p:cBhvr>
+                                      <p:to>
+                                        <p:strVal val="visible"/>
+                                      </p:to>
+                                    </p:set>
+                                  </p:childTnLst>
+                                </p:cTn>
+                              </p:par>
+                            </p:childTnLst>
+                          </p:cTn>
+                        </p:par>
+                      </p:childTnLst>
+                    </p:cTn>
+                  </p:par>
+                  <p:par>
+                    <p:cTn id="7" fill="hold">
+                      <p:stCondLst>
+                        <p:cond delay="indefinite"/>
+                      </p:stCondLst>
+                      <p:childTnLst>
+                        <p:par>
+                          <p:cTn id="8" fill="hold">
+                            <p:stCondLst>
+                              <p:cond delay="0"/>
+                            </p:stCondLst>
+                            <p:childTnLst>
+                              <p:par>
+                                <p:cTn id="9" presetID="1" presetClass="entr" presetSubtype="0" fill="hold" nodeType="clickEffect">
+                                  <p:stCondLst>
+                                    <p:cond delay="0"/>
+                                  </p:stCondLst>
+                                  <p:childTnLst>
+                                    <p:set>
+                                      <p:cBhvr>
+                                        <p:cTn id="10" dur="1" fill="hold">
+                                          <p:stCondLst>
+                                            <p:cond delay="0"/>
+                                          </p:stCondLst>
+                                        </p:cTn>
+                                        <p:tgtEl>
+                                          <p:spTgt spid="15">
+                                            <p:txEl>
+                                              <p:pRg st="2" end="2"/>
+                                            </p:txEl>
+                                          </p:spTgt>
+                                        </p:tgtEl>
+                                        <p:attrNameLst>
+                                          <p:attrName>style.visibility</p:attrName>
+                                        </p:attrNameLst>
+                                      </p:cBhvr>
+                                      <p:to>
+                                        <p:strVal val="visible"/>
+                                      </p:to>
+                                    </p:set>
+                                  </p:childTnLst>
+                                </p:cTn>
+                              </p:par>
+                            </p:childTnLst>
+                          </p:cTn>
+                        </p:par>
+                      </p:childTnLst>
+                    </p:cTn>
+                  </p:par>
+                  <p:par>
+                    <p:cTn id="11" fill="hold">
+                      <p:stCondLst>
+                        <p:cond delay="indefinite"/>
+                      </p:stCondLst>
+                      <p:childTnLst>
+                        <p:par>
+                          <p:cTn id="12" fill="hold">
+                            <p:stCondLst>
+                              <p:cond delay="0"/>
+                            </p:stCondLst>
+                            <p:childTnLst>
+                              <p:par>
+                                <p:cTn id="13" presetID="1" presetClass="entr" presetSubtype="0" fill="hold" nodeType="clickEffect">
+                                  <p:stCondLst>
+                                    <p:cond delay="0"/>
+                                  </p:stCondLst>
+                                  <p:childTnLst>
+                                    <p:set>
+                                      <p:cBhvr>
+                                        <p:cTn id="14" dur="1" fill="hold">
+                                          <p:stCondLst>
+                                            <p:cond delay="0"/>
+                                          </p:stCondLst>
+                                        </p:cTn>
+                                        <p:tgtEl>
+                                          <p:spTgt spid="15">
+                                            <p:txEl>
+                                              <p:pRg st="3" end="3"/>
+                                            </p:txEl>
+                                          </p:spTgt>
+                                        </p:tgtEl>
+                                        <p:attrNameLst>
+                                          <p:attrName>style.visibility</p:attrName>
+                                        </p:attrNameLst>
+                                      </p:cBhvr>
+                                      <p:to>
+                                        <p:strVal val="visible"/>
+                                      </p:to>
+                                    </p:set>
+                                  </p:childTnLst>
+                                </p:cTn>
+                              </p:par>
+                            </p:childTnLst>
+                          </p:cTn>
+                        </p:par>
+                      </p:childTnLst>
+                    </p:cTn>
+                  </p:par>
+                  <p:par>
+                    <p:cTn id="15" fill="hold">
+                      <p:stCondLst>
+                        <p:cond delay="indefinite"/>
+                      </p:stCondLst>
+                      <p:childTnLst>
+                        <p:par>
+                          <p:cTn id="16" fill="hold">
+                            <p:stCondLst>
+                              <p:cond delay="0"/>
+                            </p:stCondLst>
+                            <p:childTnLst>
+                              <p:par>
+                                <p:cTn id="17" presetID="1" presetClass="entr" presetSubtype="0" fill="hold" nodeType="clickEffect">
+                                  <p:stCondLst>
+                                    <p:cond delay="0"/>
+                                  </p:stCondLst>
+                                  <p:childTnLst>
+                                    <p:set>
+                                      <p:cBhvr>
+                                        <p:cTn id="18" dur="1" fill="hold">
+                                          <p:stCondLst>
+                                            <p:cond delay="0"/>
+                                          </p:stCondLst>
+                                        </p:cTn>
+                                        <p:tgtEl>
+                                          <p:spTgt spid="15">
+                                            <p:txEl>
+                                              <p:pRg st="4" end="4"/>
+                                            </p:txEl>
+                                          </p:spTgt>
+                                        </p:tgtEl>
+                                        <p:attrNameLst>
+                                          <p:attrName>style.visibility</p:attrName>
+                                        </p:attrNameLst>
+                                      </p:cBhvr>
+                                      <p:to>
+                                        <p:strVal val="visible"/>
+                                      </p:to>
+                                    </p:set>
+                                  </p:childTnLst>
+                                </p:cTn>
+                              </p:par>
+                            </p:childTnLst>
+                          </p:cTn>
+                        </p:par>
+                      </p:childTnLst>
+                    </p:cTn>
+                  </p:par>
+                  <p:par>
+                    <p:cTn id="19" fill="hold">
+                      <p:stCondLst>
+                        <p:cond delay="indefinite"/>
+                      </p:stCondLst>
+                      <p:childTnLst>
+                        <p:par>
+                          <p:cTn id="20" fill="hold">
+                            <p:stCondLst>
+                              <p:cond delay="0"/>
+                            </p:stCondLst>
+                            <p:childTnLst>
+                              <p:par>
+                                <p:cTn id="21" presetID="1" presetClass="entr" presetSubtype="0" fill="hold" nodeType="clickEffect">
+                                  <p:stCondLst>
+                                    <p:cond delay="0"/>
+                                  </p:stCondLst>
+                                  <p:childTnLst>
+                                    <p:set>
+                                      <p:cBhvr>
+                                        <p:cTn id="22" dur="1" fill="hold">
+                                          <p:stCondLst>
+                                            <p:cond delay="0"/>
+                                          </p:stCondLst>
+                                        </p:cTn>
+                                        <p:tgtEl>
+                                          <p:spTgt spid="15">
+                                            <p:txEl>
+                                              <p:pRg st="5" end="5"/>
+                                            </p:txEl>
+                                          </p:spTgt>
+                                        </p:tgtEl>
+                                        <p:attrNameLst>
+                                          <p:attrName>style.visibility</p:attrName>
+                                        </p:attrNameLst>
+                                      </p:cBhvr>
+                                      <p:to>
+                                        <p:strVal val="visible"/>
+                                      </p:to>
+                                    </p:set>
+                                  </p:childTnLst>
+                                </p:cTn>
+                              </p:par>
+                            </p:childTnLst>
+                          </p:cTn>
+                        </p:par>
+                      </p:childTnLst>
+                    </p:cTn>
+                  </p:par>
+                </p:childTnLst>
+              </p:cTn>
+              <p:prevCondLst>
+                <p:cond evt="onPrev" delay="0">
+                  <p:tgtEl>
+                    <p:sldTgt/>
+                  </p:tgtEl>
+                </p:cond>
+              </p:prevCondLst>
+              <p:nextCondLst>
+                <p:cond evt="onNext" delay="0">
+                  <p:tgtEl>
+                    <p:sldTgt/>
+                  </p:tgtEl>
+                </p:cond>
+              </p:nextCondLst>
+            </p:seq>
+          </p:childTnLst>
+        </p:cTn>
       </p:par>
     </p:tnLst>
   </p:timing>
 </p:sld>
 </file>
 
-<file path=ppt/slides/slide14.xml><?xml version="1.0" encoding="utf-8"?>
+<file path=ppt/slides/slide19.xml><?xml version="1.0" encoding="utf-8"?>
 <p:sld xmlns:a="http://schemas.openxmlformats.org/drawingml/2006/main" xmlns:r="http://schemas.openxmlformats.org/officeDocument/2006/relationships" xmlns:p="http://schemas.openxmlformats.org/presentationml/2006/main">
   <p:cSld>
     <p:spTree>
@@ -9019,7 +12381,7 @@
                 <a:hlinkClick r:id="rId3">
                   <a:extLst>
                     <a:ext uri="{A12FA001-AC4F-418D-AE19-62706E023703}">
-                      <ahyp:hlinkClr xmlns:ahyp="http://schemas.microsoft.com/office/drawing/2018/hyperlinkcolor" xmlns="" val="tx"/>
+                      <ahyp:hlinkClr xmlns="" xmlns:ahyp="http://schemas.microsoft.com/office/drawing/2018/hyperlinkcolor" val="tx"/>
                     </a:ext>
                   </a:extLst>
                 </a:hlinkClick>
@@ -9078,396 +12440,6 @@
     <p:extLst>
       <p:ext uri="{BB962C8B-B14F-4D97-AF65-F5344CB8AC3E}">
         <p14:creationId xmlns:p14="http://schemas.microsoft.com/office/powerpoint/2010/main" val="1472534970"/>
-      </p:ext>
-    </p:extLst>
-  </p:cSld>
-  <p:clrMapOvr>
-    <a:masterClrMapping/>
-  </p:clrMapOvr>
-  <mc:AlternateContent xmlns:mc="http://schemas.openxmlformats.org/markup-compatibility/2006" xmlns:p14="http://schemas.microsoft.com/office/powerpoint/2010/main">
-    <mc:Choice Requires="p14">
-      <p:transition spd="slow" p14:dur="2000" advClick="0" advTm="5000"/>
-    </mc:Choice>
-    <mc:Fallback xmlns="">
-      <p:transition spd="slow" advClick="0" advTm="5000"/>
-    </mc:Fallback>
-  </mc:AlternateContent>
-  <p:timing>
-    <p:tnLst>
-      <p:par>
-        <p:cTn id="1" dur="indefinite" restart="never" nodeType="tmRoot"/>
-      </p:par>
-    </p:tnLst>
-  </p:timing>
-</p:sld>
-</file>
-
-<file path=ppt/slides/slide15.xml><?xml version="1.0" encoding="utf-8"?>
-<p:sld xmlns:a="http://schemas.openxmlformats.org/drawingml/2006/main" xmlns:r="http://schemas.openxmlformats.org/officeDocument/2006/relationships" xmlns:p="http://schemas.openxmlformats.org/presentationml/2006/main" show="0">
-  <p:cSld>
-    <p:spTree>
-      <p:nvGrpSpPr>
-        <p:cNvPr id="1" name=""/>
-        <p:cNvGrpSpPr/>
-        <p:nvPr/>
-      </p:nvGrpSpPr>
-      <p:grpSpPr>
-        <a:xfrm>
-          <a:off x="0" y="0"/>
-          <a:ext cx="0" cy="0"/>
-          <a:chOff x="0" y="0"/>
-          <a:chExt cx="0" cy="0"/>
-        </a:xfrm>
-      </p:grpSpPr>
-      <p:sp>
-        <p:nvSpPr>
-          <p:cNvPr id="5" name="Slide Number">
-            <a:extLst>
-              <a:ext uri="{FF2B5EF4-FFF2-40B4-BE49-F238E27FC236}">
-                <a16:creationId xmlns:a16="http://schemas.microsoft.com/office/drawing/2014/main" id="{F48C3C93-90A1-4D31-BEA6-B54D1106CE31}"/>
-              </a:ext>
-            </a:extLst>
-          </p:cNvPr>
-          <p:cNvSpPr>
-            <a:spLocks noGrp="1"/>
-          </p:cNvSpPr>
-          <p:nvPr>
-            <p:ph type="sldNum" sz="quarter" idx="5"/>
-          </p:nvPr>
-        </p:nvSpPr>
-        <p:spPr>
-          <a:xfrm>
-            <a:off x="11753030" y="6507000"/>
-            <a:ext cx="367414" cy="297000"/>
-          </a:xfrm>
-          <a:prstGeom prst="rect">
-            <a:avLst/>
-          </a:prstGeom>
-        </p:spPr>
-        <p:txBody>
-          <a:bodyPr vert="horz" lIns="91440" tIns="45720" rIns="91440" bIns="45720" rtlCol="0" anchor="b"/>
-          <a:lstStyle>
-            <a:lvl1pPr algn="r">
-              <a:defRPr sz="1000"/>
-            </a:lvl1pPr>
-          </a:lstStyle>
-          <a:p>
-            <a:fld id="{2BF067CD-8E6B-4360-9AA8-C5DF2A48A6D1}" type="slidenum">
-              <a:rPr lang="en-US" smtClean="0"/>
-              <a:pPr/>
-              <a:t>15</a:t>
-            </a:fld>
-            <a:endParaRPr lang="en-US" dirty="0"/>
-          </a:p>
-        </p:txBody>
-      </p:sp>
-      <p:sp>
-        <p:nvSpPr>
-          <p:cNvPr id="2" name="Slide Body">
-            <a:extLst>
-              <a:ext uri="{FF2B5EF4-FFF2-40B4-BE49-F238E27FC236}">
-                <a16:creationId xmlns:a16="http://schemas.microsoft.com/office/drawing/2014/main" id="{980F49B1-E4BE-4389-A747-7AB9B71AD920}"/>
-              </a:ext>
-            </a:extLst>
-          </p:cNvPr>
-          <p:cNvSpPr>
-            <a:spLocks noGrp="1"/>
-          </p:cNvSpPr>
-          <p:nvPr>
-            <p:ph type="body" sz="quarter" idx="10"/>
-          </p:nvPr>
-        </p:nvSpPr>
-        <p:spPr>
-          <a:xfrm>
-            <a:off x="190402" y="1269001"/>
-            <a:ext cx="9865598" cy="2474999"/>
-          </a:xfrm>
-        </p:spPr>
-        <p:txBody>
-          <a:bodyPr>
-            <a:normAutofit/>
-          </a:bodyPr>
-          <a:lstStyle/>
-          <a:p>
-            <a:pPr>
-              <a:lnSpc>
-                <a:spcPct val="120000"/>
-              </a:lnSpc>
-            </a:pPr>
-            <a:r>
-              <a:rPr lang="bg-BG" sz="3200" dirty="0"/>
-              <a:t>Този курс</a:t>
-            </a:r>
-            <a:r>
-              <a:rPr lang="en-US" sz="3200" dirty="0"/>
-              <a:t> (</a:t>
-            </a:r>
-            <a:r>
-              <a:rPr lang="bg-BG" sz="3200" dirty="0"/>
-              <a:t>презентации, примери, демонстрационен код, упражнения, домашни, видео и други активи</a:t>
-            </a:r>
-            <a:r>
-              <a:rPr lang="en-US" sz="3200" dirty="0"/>
-              <a:t>) </a:t>
-            </a:r>
-            <a:r>
-              <a:rPr lang="bg-BG" sz="3200" dirty="0"/>
-              <a:t>представлява</a:t>
-            </a:r>
-            <a:r>
-              <a:rPr lang="en-US" sz="3200" dirty="0"/>
-              <a:t> </a:t>
-            </a:r>
-            <a:r>
-              <a:rPr lang="bg-BG" sz="3200" b="1" dirty="0"/>
-              <a:t>свободно учебно съдържание </a:t>
-            </a:r>
-            <a:r>
-              <a:rPr lang="bg-BG" sz="3200" dirty="0"/>
-              <a:t>и се разпространява под свободен лиценз </a:t>
-            </a:r>
-            <a:r>
-              <a:rPr lang="en-US" sz="3200" b="1" dirty="0"/>
-              <a:t>CC-BY-NC-SA</a:t>
-            </a:r>
-            <a:endParaRPr lang="bg-BG" sz="3200" dirty="0"/>
-          </a:p>
-        </p:txBody>
-      </p:sp>
-      <p:pic>
-        <p:nvPicPr>
-          <p:cNvPr id="6" name="Picture License" descr="License">
-            <a:extLst>
-              <a:ext uri="{FF2B5EF4-FFF2-40B4-BE49-F238E27FC236}">
-                <a16:creationId xmlns:a16="http://schemas.microsoft.com/office/drawing/2014/main" id="{82BA520F-A037-4E01-AA18-27D9F1E930A6}"/>
-              </a:ext>
-            </a:extLst>
-          </p:cNvPr>
-          <p:cNvPicPr>
-            <a:picLocks noChangeAspect="1"/>
-          </p:cNvPicPr>
-          <p:nvPr/>
-        </p:nvPicPr>
-        <p:blipFill>
-          <a:blip r:embed="rId3">
-            <a:clrChange>
-              <a:clrFrom>
-                <a:srgbClr val="FFFFFF"/>
-              </a:clrFrom>
-              <a:clrTo>
-                <a:srgbClr val="FFFFFF">
-                  <a:alpha val="0"/>
-                </a:srgbClr>
-              </a:clrTo>
-            </a:clrChange>
-          </a:blip>
-          <a:stretch>
-            <a:fillRect/>
-          </a:stretch>
-        </p:blipFill>
-        <p:spPr>
-          <a:xfrm>
-            <a:off x="10226175" y="1440120"/>
-            <a:ext cx="1198986" cy="1268880"/>
-          </a:xfrm>
-          <a:prstGeom prst="rect">
-            <a:avLst/>
-          </a:prstGeom>
-        </p:spPr>
-      </p:pic>
-      <p:sp>
-        <p:nvSpPr>
-          <p:cNvPr id="3" name="Slide Title">
-            <a:extLst>
-              <a:ext uri="{FF2B5EF4-FFF2-40B4-BE49-F238E27FC236}">
-                <a16:creationId xmlns:a16="http://schemas.microsoft.com/office/drawing/2014/main" id="{E5F1FB41-80C3-4816-BC47-CCC50632E6E8}"/>
-              </a:ext>
-            </a:extLst>
-          </p:cNvPr>
-          <p:cNvSpPr>
-            <a:spLocks noGrp="1"/>
-          </p:cNvSpPr>
-          <p:nvPr>
-            <p:ph type="title"/>
-          </p:nvPr>
-        </p:nvSpPr>
-        <p:spPr/>
-        <p:txBody>
-          <a:bodyPr/>
-          <a:lstStyle/>
-          <a:p>
-            <a:r>
-              <a:rPr lang="bg-BG" dirty="0"/>
-              <a:t>Лиценз</a:t>
-            </a:r>
-          </a:p>
-        </p:txBody>
-      </p:sp>
-      <p:sp>
-        <p:nvSpPr>
-          <p:cNvPr id="11" name="TextBox 10">
-            <a:extLst>
-              <a:ext uri="{FF2B5EF4-FFF2-40B4-BE49-F238E27FC236}">
-                <a16:creationId xmlns:a16="http://schemas.microsoft.com/office/drawing/2014/main" id="{0C18DF19-B750-4C88-975B-661A6BF61F5E}"/>
-              </a:ext>
-            </a:extLst>
-          </p:cNvPr>
-          <p:cNvSpPr txBox="1"/>
-          <p:nvPr/>
-        </p:nvSpPr>
-        <p:spPr>
-          <a:xfrm>
-            <a:off x="190401" y="3927519"/>
-            <a:ext cx="11710599" cy="1979644"/>
-          </a:xfrm>
-          <a:prstGeom prst="rect">
-            <a:avLst/>
-          </a:prstGeom>
-          <a:noFill/>
-          <a:ln w="12700">
-            <a:noFill/>
-          </a:ln>
-        </p:spPr>
-        <p:txBody>
-          <a:bodyPr wrap="square">
-            <a:spAutoFit/>
-          </a:bodyPr>
-          <a:lstStyle/>
-          <a:p>
-            <a:pPr marL="360363" indent="-360363" defTabSz="1218438">
-              <a:lnSpc>
-                <a:spcPct val="120000"/>
-              </a:lnSpc>
-              <a:spcBef>
-                <a:spcPts val="600"/>
-              </a:spcBef>
-              <a:spcAft>
-                <a:spcPts val="600"/>
-              </a:spcAft>
-              <a:buFont typeface="Wingdings" panose="05000000000000000000" pitchFamily="2" charset="2"/>
-              <a:buChar char="§"/>
-              <a:defRPr/>
-            </a:pPr>
-            <a:r>
-              <a:rPr lang="bg-BG" sz="3200" dirty="0"/>
-              <a:t>Проект "</a:t>
-            </a:r>
-            <a:r>
-              <a:rPr lang="bg-BG" sz="3200" b="1" dirty="0"/>
-              <a:t>Отворено учебно съдържание по програмиране и ИТ</a:t>
-            </a:r>
-            <a:r>
-              <a:rPr lang="bg-BG" sz="3200" dirty="0"/>
-              <a:t>" към Фондация "Софтуерен университет"</a:t>
-            </a:r>
-            <a:r>
-              <a:rPr lang="en-US" sz="3200" dirty="0"/>
-              <a:t>:</a:t>
-            </a:r>
-            <a:endParaRPr lang="bg-BG" sz="3200" dirty="0"/>
-          </a:p>
-          <a:p>
-            <a:pPr marL="817563" lvl="1" indent="-360363" defTabSz="1218438">
-              <a:lnSpc>
-                <a:spcPct val="120000"/>
-              </a:lnSpc>
-              <a:spcBef>
-                <a:spcPts val="600"/>
-              </a:spcBef>
-              <a:spcAft>
-                <a:spcPts val="600"/>
-              </a:spcAft>
-              <a:buFont typeface="Wingdings" panose="05000000000000000000" pitchFamily="2" charset="2"/>
-              <a:buChar char="§"/>
-              <a:defRPr/>
-            </a:pPr>
-            <a:r>
-              <a:rPr kumimoji="0" lang="en-US" sz="3200" b="0" i="0" u="none" strike="noStrike" kern="1200" cap="none" spc="0" normalizeH="0" baseline="0" noProof="0" dirty="0">
-                <a:ln>
-                  <a:noFill/>
-                </a:ln>
-                <a:solidFill>
-                  <a:srgbClr val="234465"/>
-                </a:solidFill>
-                <a:effectLst/>
-                <a:uLnTx/>
-                <a:uFillTx/>
-                <a:latin typeface="Calibri"/>
-                <a:ea typeface="+mn-ea"/>
-                <a:cs typeface="+mn-cs"/>
-                <a:hlinkClick r:id="rId4"/>
-              </a:rPr>
-              <a:t>https://github.com/BG-IT-Edu</a:t>
-            </a:r>
-            <a:endParaRPr kumimoji="0" lang="bg-BG" sz="3200" b="0" i="0" u="none" strike="noStrike" kern="1200" cap="none" spc="0" normalizeH="0" baseline="0" noProof="0" dirty="0">
-              <a:ln>
-                <a:noFill/>
-              </a:ln>
-              <a:solidFill>
-                <a:srgbClr val="234465"/>
-              </a:solidFill>
-              <a:effectLst/>
-              <a:uLnTx/>
-              <a:uFillTx/>
-              <a:latin typeface="Calibri"/>
-              <a:ea typeface="+mn-ea"/>
-              <a:cs typeface="+mn-cs"/>
-            </a:endParaRPr>
-          </a:p>
-        </p:txBody>
-      </p:sp>
-      <p:pic>
-        <p:nvPicPr>
-          <p:cNvPr id="7" name="Picture 6" title="CC-BY-NC-SA License">
-            <a:hlinkClick r:id="rId5" tooltip="This work is licensed under the &quot;Creative Commons Attribution-NonCommercial-ShareAlike 4.0 International&quot; license"/>
-            <a:extLst>
-              <a:ext uri="{FF2B5EF4-FFF2-40B4-BE49-F238E27FC236}">
-                <a16:creationId xmlns:a16="http://schemas.microsoft.com/office/drawing/2014/main" id="{F6C77C47-F7D8-A176-5C69-7FDE5C7E8003}"/>
-              </a:ext>
-            </a:extLst>
-          </p:cNvPr>
-          <p:cNvPicPr>
-            <a:picLocks noChangeAspect="1" noChangeArrowheads="1"/>
-          </p:cNvPicPr>
-          <p:nvPr/>
-        </p:nvPicPr>
-        <p:blipFill>
-          <a:blip r:embed="rId6">
-            <a:extLst>
-              <a:ext uri="{28A0092B-C50C-407E-A947-70E740481C1C}">
-                <a14:useLocalDpi xmlns:a14="http://schemas.microsoft.com/office/drawing/2010/main"/>
-              </a:ext>
-            </a:extLst>
-          </a:blip>
-          <a:srcRect/>
-          <a:stretch>
-            <a:fillRect/>
-          </a:stretch>
-        </p:blipFill>
-        <p:spPr bwMode="auto">
-          <a:xfrm>
-            <a:off x="9831000" y="2908593"/>
-            <a:ext cx="1989336" cy="696022"/>
-          </a:xfrm>
-          <a:prstGeom prst="roundRect">
-            <a:avLst>
-              <a:gd name="adj" fmla="val 3940"/>
-            </a:avLst>
-          </a:prstGeom>
-          <a:solidFill>
-            <a:srgbClr val="231F20">
-              <a:alpha val="50000"/>
-            </a:srgbClr>
-          </a:solidFill>
-          <a:ln>
-            <a:noFill/>
-          </a:ln>
-        </p:spPr>
-      </p:pic>
-    </p:spTree>
-    <p:extLst>
-      <p:ext uri="{BB962C8B-B14F-4D97-AF65-F5344CB8AC3E}">
-        <p14:creationId xmlns:p14="http://schemas.microsoft.com/office/powerpoint/2010/main" val="3879276042"/>
       </p:ext>
     </p:extLst>
   </p:cSld>
@@ -9708,11 +12680,7 @@
             </a:r>
             <a:r>
               <a:rPr lang="bg-BG" dirty="0" smtClean="0"/>
-              <a:t> </a:t>
-            </a:r>
-            <a:r>
-              <a:rPr lang="bg-BG" dirty="0" smtClean="0"/>
-              <a:t>на </a:t>
+              <a:t> на </a:t>
             </a:r>
             <a:r>
               <a:rPr lang="bg-BG" b="1" dirty="0" smtClean="0"/>
@@ -9892,6 +12860,396 @@
             </p:seq>
           </p:childTnLst>
         </p:cTn>
+      </p:par>
+    </p:tnLst>
+  </p:timing>
+</p:sld>
+</file>
+
+<file path=ppt/slides/slide20.xml><?xml version="1.0" encoding="utf-8"?>
+<p:sld xmlns:a="http://schemas.openxmlformats.org/drawingml/2006/main" xmlns:r="http://schemas.openxmlformats.org/officeDocument/2006/relationships" xmlns:p="http://schemas.openxmlformats.org/presentationml/2006/main" show="0">
+  <p:cSld>
+    <p:spTree>
+      <p:nvGrpSpPr>
+        <p:cNvPr id="1" name=""/>
+        <p:cNvGrpSpPr/>
+        <p:nvPr/>
+      </p:nvGrpSpPr>
+      <p:grpSpPr>
+        <a:xfrm>
+          <a:off x="0" y="0"/>
+          <a:ext cx="0" cy="0"/>
+          <a:chOff x="0" y="0"/>
+          <a:chExt cx="0" cy="0"/>
+        </a:xfrm>
+      </p:grpSpPr>
+      <p:sp>
+        <p:nvSpPr>
+          <p:cNvPr id="5" name="Slide Number">
+            <a:extLst>
+              <a:ext uri="{FF2B5EF4-FFF2-40B4-BE49-F238E27FC236}">
+                <a16:creationId xmlns:a16="http://schemas.microsoft.com/office/drawing/2014/main" id="{F48C3C93-90A1-4D31-BEA6-B54D1106CE31}"/>
+              </a:ext>
+            </a:extLst>
+          </p:cNvPr>
+          <p:cNvSpPr>
+            <a:spLocks noGrp="1"/>
+          </p:cNvSpPr>
+          <p:nvPr>
+            <p:ph type="sldNum" sz="quarter" idx="5"/>
+          </p:nvPr>
+        </p:nvSpPr>
+        <p:spPr>
+          <a:xfrm>
+            <a:off x="11753030" y="6507000"/>
+            <a:ext cx="367414" cy="297000"/>
+          </a:xfrm>
+          <a:prstGeom prst="rect">
+            <a:avLst/>
+          </a:prstGeom>
+        </p:spPr>
+        <p:txBody>
+          <a:bodyPr vert="horz" lIns="91440" tIns="45720" rIns="91440" bIns="45720" rtlCol="0" anchor="b"/>
+          <a:lstStyle>
+            <a:lvl1pPr algn="r">
+              <a:defRPr sz="1000"/>
+            </a:lvl1pPr>
+          </a:lstStyle>
+          <a:p>
+            <a:fld id="{2BF067CD-8E6B-4360-9AA8-C5DF2A48A6D1}" type="slidenum">
+              <a:rPr lang="en-US" smtClean="0"/>
+              <a:pPr/>
+              <a:t>20</a:t>
+            </a:fld>
+            <a:endParaRPr lang="en-US" dirty="0"/>
+          </a:p>
+        </p:txBody>
+      </p:sp>
+      <p:sp>
+        <p:nvSpPr>
+          <p:cNvPr id="2" name="Slide Body">
+            <a:extLst>
+              <a:ext uri="{FF2B5EF4-FFF2-40B4-BE49-F238E27FC236}">
+                <a16:creationId xmlns:a16="http://schemas.microsoft.com/office/drawing/2014/main" id="{980F49B1-E4BE-4389-A747-7AB9B71AD920}"/>
+              </a:ext>
+            </a:extLst>
+          </p:cNvPr>
+          <p:cNvSpPr>
+            <a:spLocks noGrp="1"/>
+          </p:cNvSpPr>
+          <p:nvPr>
+            <p:ph type="body" sz="quarter" idx="10"/>
+          </p:nvPr>
+        </p:nvSpPr>
+        <p:spPr>
+          <a:xfrm>
+            <a:off x="190402" y="1269001"/>
+            <a:ext cx="9865598" cy="2474999"/>
+          </a:xfrm>
+        </p:spPr>
+        <p:txBody>
+          <a:bodyPr>
+            <a:normAutofit/>
+          </a:bodyPr>
+          <a:lstStyle/>
+          <a:p>
+            <a:pPr>
+              <a:lnSpc>
+                <a:spcPct val="120000"/>
+              </a:lnSpc>
+            </a:pPr>
+            <a:r>
+              <a:rPr lang="bg-BG" sz="3200" dirty="0"/>
+              <a:t>Този курс</a:t>
+            </a:r>
+            <a:r>
+              <a:rPr lang="en-US" sz="3200" dirty="0"/>
+              <a:t> (</a:t>
+            </a:r>
+            <a:r>
+              <a:rPr lang="bg-BG" sz="3200" dirty="0"/>
+              <a:t>презентации, примери, демонстрационен код, упражнения, домашни, видео и други активи</a:t>
+            </a:r>
+            <a:r>
+              <a:rPr lang="en-US" sz="3200" dirty="0"/>
+              <a:t>) </a:t>
+            </a:r>
+            <a:r>
+              <a:rPr lang="bg-BG" sz="3200" dirty="0"/>
+              <a:t>представлява</a:t>
+            </a:r>
+            <a:r>
+              <a:rPr lang="en-US" sz="3200" dirty="0"/>
+              <a:t> </a:t>
+            </a:r>
+            <a:r>
+              <a:rPr lang="bg-BG" sz="3200" b="1" dirty="0"/>
+              <a:t>свободно учебно съдържание </a:t>
+            </a:r>
+            <a:r>
+              <a:rPr lang="bg-BG" sz="3200" dirty="0"/>
+              <a:t>и се разпространява под свободен лиценз </a:t>
+            </a:r>
+            <a:r>
+              <a:rPr lang="en-US" sz="3200" b="1" dirty="0"/>
+              <a:t>CC-BY-NC-SA</a:t>
+            </a:r>
+            <a:endParaRPr lang="bg-BG" sz="3200" dirty="0"/>
+          </a:p>
+        </p:txBody>
+      </p:sp>
+      <p:pic>
+        <p:nvPicPr>
+          <p:cNvPr id="6" name="Picture License" descr="License">
+            <a:extLst>
+              <a:ext uri="{FF2B5EF4-FFF2-40B4-BE49-F238E27FC236}">
+                <a16:creationId xmlns:a16="http://schemas.microsoft.com/office/drawing/2014/main" id="{82BA520F-A037-4E01-AA18-27D9F1E930A6}"/>
+              </a:ext>
+            </a:extLst>
+          </p:cNvPr>
+          <p:cNvPicPr>
+            <a:picLocks noChangeAspect="1"/>
+          </p:cNvPicPr>
+          <p:nvPr/>
+        </p:nvPicPr>
+        <p:blipFill>
+          <a:blip r:embed="rId3">
+            <a:clrChange>
+              <a:clrFrom>
+                <a:srgbClr val="FFFFFF"/>
+              </a:clrFrom>
+              <a:clrTo>
+                <a:srgbClr val="FFFFFF">
+                  <a:alpha val="0"/>
+                </a:srgbClr>
+              </a:clrTo>
+            </a:clrChange>
+          </a:blip>
+          <a:stretch>
+            <a:fillRect/>
+          </a:stretch>
+        </p:blipFill>
+        <p:spPr>
+          <a:xfrm>
+            <a:off x="10226175" y="1440120"/>
+            <a:ext cx="1198986" cy="1268880"/>
+          </a:xfrm>
+          <a:prstGeom prst="rect">
+            <a:avLst/>
+          </a:prstGeom>
+        </p:spPr>
+      </p:pic>
+      <p:sp>
+        <p:nvSpPr>
+          <p:cNvPr id="3" name="Slide Title">
+            <a:extLst>
+              <a:ext uri="{FF2B5EF4-FFF2-40B4-BE49-F238E27FC236}">
+                <a16:creationId xmlns:a16="http://schemas.microsoft.com/office/drawing/2014/main" id="{E5F1FB41-80C3-4816-BC47-CCC50632E6E8}"/>
+              </a:ext>
+            </a:extLst>
+          </p:cNvPr>
+          <p:cNvSpPr>
+            <a:spLocks noGrp="1"/>
+          </p:cNvSpPr>
+          <p:nvPr>
+            <p:ph type="title"/>
+          </p:nvPr>
+        </p:nvSpPr>
+        <p:spPr/>
+        <p:txBody>
+          <a:bodyPr/>
+          <a:lstStyle/>
+          <a:p>
+            <a:r>
+              <a:rPr lang="bg-BG" dirty="0"/>
+              <a:t>Лиценз</a:t>
+            </a:r>
+          </a:p>
+        </p:txBody>
+      </p:sp>
+      <p:sp>
+        <p:nvSpPr>
+          <p:cNvPr id="11" name="TextBox 10">
+            <a:extLst>
+              <a:ext uri="{FF2B5EF4-FFF2-40B4-BE49-F238E27FC236}">
+                <a16:creationId xmlns:a16="http://schemas.microsoft.com/office/drawing/2014/main" id="{0C18DF19-B750-4C88-975B-661A6BF61F5E}"/>
+              </a:ext>
+            </a:extLst>
+          </p:cNvPr>
+          <p:cNvSpPr txBox="1"/>
+          <p:nvPr/>
+        </p:nvSpPr>
+        <p:spPr>
+          <a:xfrm>
+            <a:off x="190401" y="3927519"/>
+            <a:ext cx="11710599" cy="1979644"/>
+          </a:xfrm>
+          <a:prstGeom prst="rect">
+            <a:avLst/>
+          </a:prstGeom>
+          <a:noFill/>
+          <a:ln w="12700">
+            <a:noFill/>
+          </a:ln>
+        </p:spPr>
+        <p:txBody>
+          <a:bodyPr wrap="square">
+            <a:spAutoFit/>
+          </a:bodyPr>
+          <a:lstStyle/>
+          <a:p>
+            <a:pPr marL="360363" indent="-360363" defTabSz="1218438">
+              <a:lnSpc>
+                <a:spcPct val="120000"/>
+              </a:lnSpc>
+              <a:spcBef>
+                <a:spcPts val="600"/>
+              </a:spcBef>
+              <a:spcAft>
+                <a:spcPts val="600"/>
+              </a:spcAft>
+              <a:buFont typeface="Wingdings" panose="05000000000000000000" pitchFamily="2" charset="2"/>
+              <a:buChar char="§"/>
+              <a:defRPr/>
+            </a:pPr>
+            <a:r>
+              <a:rPr lang="bg-BG" sz="3200" dirty="0"/>
+              <a:t>Проект "</a:t>
+            </a:r>
+            <a:r>
+              <a:rPr lang="bg-BG" sz="3200" b="1" dirty="0"/>
+              <a:t>Отворено учебно съдържание по програмиране и ИТ</a:t>
+            </a:r>
+            <a:r>
+              <a:rPr lang="bg-BG" sz="3200" dirty="0"/>
+              <a:t>" към Фондация "Софтуерен университет"</a:t>
+            </a:r>
+            <a:r>
+              <a:rPr lang="en-US" sz="3200" dirty="0"/>
+              <a:t>:</a:t>
+            </a:r>
+            <a:endParaRPr lang="bg-BG" sz="3200" dirty="0"/>
+          </a:p>
+          <a:p>
+            <a:pPr marL="817563" lvl="1" indent="-360363" defTabSz="1218438">
+              <a:lnSpc>
+                <a:spcPct val="120000"/>
+              </a:lnSpc>
+              <a:spcBef>
+                <a:spcPts val="600"/>
+              </a:spcBef>
+              <a:spcAft>
+                <a:spcPts val="600"/>
+              </a:spcAft>
+              <a:buFont typeface="Wingdings" panose="05000000000000000000" pitchFamily="2" charset="2"/>
+              <a:buChar char="§"/>
+              <a:defRPr/>
+            </a:pPr>
+            <a:r>
+              <a:rPr kumimoji="0" lang="en-US" sz="3200" b="0" i="0" u="none" strike="noStrike" kern="1200" cap="none" spc="0" normalizeH="0" baseline="0" noProof="0" dirty="0">
+                <a:ln>
+                  <a:noFill/>
+                </a:ln>
+                <a:solidFill>
+                  <a:srgbClr val="234465"/>
+                </a:solidFill>
+                <a:effectLst/>
+                <a:uLnTx/>
+                <a:uFillTx/>
+                <a:latin typeface="Calibri"/>
+                <a:ea typeface="+mn-ea"/>
+                <a:cs typeface="+mn-cs"/>
+                <a:hlinkClick r:id="rId4"/>
+              </a:rPr>
+              <a:t>https://github.com/BG-IT-Edu</a:t>
+            </a:r>
+            <a:endParaRPr kumimoji="0" lang="bg-BG" sz="3200" b="0" i="0" u="none" strike="noStrike" kern="1200" cap="none" spc="0" normalizeH="0" baseline="0" noProof="0" dirty="0">
+              <a:ln>
+                <a:noFill/>
+              </a:ln>
+              <a:solidFill>
+                <a:srgbClr val="234465"/>
+              </a:solidFill>
+              <a:effectLst/>
+              <a:uLnTx/>
+              <a:uFillTx/>
+              <a:latin typeface="Calibri"/>
+              <a:ea typeface="+mn-ea"/>
+              <a:cs typeface="+mn-cs"/>
+            </a:endParaRPr>
+          </a:p>
+        </p:txBody>
+      </p:sp>
+      <p:pic>
+        <p:nvPicPr>
+          <p:cNvPr id="7" name="Picture 6" title="CC-BY-NC-SA License">
+            <a:hlinkClick r:id="rId5" tooltip="This work is licensed under the &quot;Creative Commons Attribution-NonCommercial-ShareAlike 4.0 International&quot; license"/>
+            <a:extLst>
+              <a:ext uri="{FF2B5EF4-FFF2-40B4-BE49-F238E27FC236}">
+                <a16:creationId xmlns:a16="http://schemas.microsoft.com/office/drawing/2014/main" id="{F6C77C47-F7D8-A176-5C69-7FDE5C7E8003}"/>
+              </a:ext>
+            </a:extLst>
+          </p:cNvPr>
+          <p:cNvPicPr>
+            <a:picLocks noChangeAspect="1" noChangeArrowheads="1"/>
+          </p:cNvPicPr>
+          <p:nvPr/>
+        </p:nvPicPr>
+        <p:blipFill>
+          <a:blip r:embed="rId6">
+            <a:extLst>
+              <a:ext uri="{28A0092B-C50C-407E-A947-70E740481C1C}">
+                <a14:useLocalDpi xmlns:a14="http://schemas.microsoft.com/office/drawing/2010/main"/>
+              </a:ext>
+            </a:extLst>
+          </a:blip>
+          <a:srcRect/>
+          <a:stretch>
+            <a:fillRect/>
+          </a:stretch>
+        </p:blipFill>
+        <p:spPr bwMode="auto">
+          <a:xfrm>
+            <a:off x="9831000" y="2908593"/>
+            <a:ext cx="1989336" cy="696022"/>
+          </a:xfrm>
+          <a:prstGeom prst="roundRect">
+            <a:avLst>
+              <a:gd name="adj" fmla="val 3940"/>
+            </a:avLst>
+          </a:prstGeom>
+          <a:solidFill>
+            <a:srgbClr val="231F20">
+              <a:alpha val="50000"/>
+            </a:srgbClr>
+          </a:solidFill>
+          <a:ln>
+            <a:noFill/>
+          </a:ln>
+        </p:spPr>
+      </p:pic>
+    </p:spTree>
+    <p:extLst>
+      <p:ext uri="{BB962C8B-B14F-4D97-AF65-F5344CB8AC3E}">
+        <p14:creationId xmlns:p14="http://schemas.microsoft.com/office/powerpoint/2010/main" val="3879276042"/>
+      </p:ext>
+    </p:extLst>
+  </p:cSld>
+  <p:clrMapOvr>
+    <a:masterClrMapping/>
+  </p:clrMapOvr>
+  <mc:AlternateContent xmlns:mc="http://schemas.openxmlformats.org/markup-compatibility/2006" xmlns:p14="http://schemas.microsoft.com/office/powerpoint/2010/main">
+    <mc:Choice Requires="p14">
+      <p:transition spd="slow" p14:dur="2000" advClick="0" advTm="5000"/>
+    </mc:Choice>
+    <mc:Fallback xmlns="">
+      <p:transition spd="slow" advClick="0" advTm="5000"/>
+    </mc:Fallback>
+  </mc:AlternateContent>
+  <p:timing>
+    <p:tnLst>
+      <p:par>
+        <p:cTn id="1" dur="indefinite" restart="never" nodeType="tmRoot"/>
       </p:par>
     </p:tnLst>
   </p:timing>

--- a/Courses/Computer-Modeling-and-IT/Computer-Modeling-and-IT-6-Class/20-Presenting-a-Presentation-to-an-Audience/20-Presenting-a-Presentation-to-an-Audience.pptx
+++ b/Courses/Computer-Modeling-and-IT/Computer-Modeling-and-IT-6-Class/20-Presenting-a-Presentation-to-an-Audience/20-Presenting-a-Presentation-to-an-Audience.pptx
@@ -285,7 +285,7 @@
           <a:p>
             <a:fld id="{4E087215-0C8F-4762-A664-737A353EC9A4}" type="datetimeFigureOut">
               <a:rPr lang="bg-BG" smtClean="0"/>
-              <a:t>12.8.2024 г.</a:t>
+              <a:t>30.8.2025 г.</a:t>
             </a:fld>
             <a:endParaRPr lang="bg-BG"/>
           </a:p>
@@ -481,7 +481,7 @@
           <a:p>
             <a:fld id="{72D84649-876A-46C9-8472-14CB09C070D8}" type="datetimeFigureOut">
               <a:rPr lang="en-US" smtClean="0"/>
-              <a:t>8/12/2024</a:t>
+              <a:t>8/30/2025</a:t>
             </a:fld>
             <a:endParaRPr lang="en-US"/>
           </a:p>
@@ -1238,19 +1238,19 @@
           <a:lstStyle/>
           <a:p>
             <a:r>
-              <a:rPr lang="bg-BG" sz="1100" smtClean="0"/>
+              <a:rPr lang="bg-BG" sz="1100"/>
               <a:t>Работна група </a:t>
             </a:r>
             <a:r>
-              <a:rPr lang="bg-BG" smtClean="0"/>
+              <a:rPr lang="bg-BG"/>
               <a:t>"Образование по програмиране и ИТ"</a:t>
             </a:r>
             <a:r>
-              <a:rPr lang="bg-BG" sz="1100" smtClean="0"/>
+              <a:rPr lang="bg-BG" sz="1100"/>
               <a:t>, с подкрепата на </a:t>
             </a:r>
             <a:r>
-              <a:rPr lang="en-US" sz="1100" smtClean="0">
+              <a:rPr lang="en-US" sz="1100">
                 <a:hlinkClick r:id="rId3"/>
               </a:rPr>
               <a:t>SoftUni</a:t>
@@ -7168,13 +7168,6 @@
       <p:transition spd="slow" advClick="0" advTm="5000"/>
     </mc:Fallback>
   </mc:AlternateContent>
-  <p:timing>
-    <p:tnLst>
-      <p:par>
-        <p:cTn id="1" dur="indefinite" restart="never" nodeType="tmRoot"/>
-      </p:par>
-    </p:tnLst>
-  </p:timing>
 </p:sld>
 </file>
 
@@ -7382,19 +7375,19 @@
               <a:buAutoNum type="arabicPeriod" startAt="7"/>
             </a:pPr>
             <a:r>
-              <a:rPr lang="bg-BG" sz="3600" dirty="0" smtClean="0"/>
+              <a:rPr lang="bg-BG" sz="3600" dirty="0"/>
               <a:t>͏</a:t>
             </a:r>
             <a:r>
-              <a:rPr lang="bg-BG" sz="3600" b="1" dirty="0" smtClean="0"/>
+              <a:rPr lang="bg-BG" sz="3600" b="1" dirty="0"/>
               <a:t>Избягвайте</a:t>
             </a:r>
             <a:r>
-              <a:rPr lang="bg-BG" sz="3600" dirty="0" smtClean="0"/>
+              <a:rPr lang="bg-BG" sz="3600" dirty="0"/>
               <a:t> използването на </a:t>
             </a:r>
             <a:r>
-              <a:rPr lang="bg-BG" sz="3600" b="1" dirty="0" smtClean="0"/>
+              <a:rPr lang="bg-BG" sz="3600" b="1" dirty="0"/>
               <a:t>паразитни думи</a:t>
             </a:r>
             <a:endParaRPr lang="ru-RU" sz="3600" b="1" dirty="0"/>
@@ -7849,23 +7842,23 @@
               <a:buAutoNum type="arabicPeriod" startAt="8"/>
             </a:pPr>
             <a:r>
-              <a:rPr lang="bg-BG" sz="3600" dirty="0" smtClean="0"/>
+              <a:rPr lang="bg-BG" sz="3600" dirty="0"/>
               <a:t>Оставете </a:t>
             </a:r>
             <a:r>
-              <a:rPr lang="bg-BG" sz="3600" b="1" dirty="0" smtClean="0"/>
+              <a:rPr lang="bg-BG" sz="3600" b="1" dirty="0"/>
               <a:t>време</a:t>
             </a:r>
             <a:r>
-              <a:rPr lang="bg-BG" sz="3600" dirty="0" smtClean="0"/>
+              <a:rPr lang="bg-BG" sz="3600" dirty="0"/>
               <a:t> за </a:t>
             </a:r>
             <a:r>
-              <a:rPr lang="bg-BG" sz="3600" b="1" dirty="0" smtClean="0"/>
+              <a:rPr lang="bg-BG" sz="3600" b="1" dirty="0"/>
               <a:t>въпроси</a:t>
             </a:r>
             <a:r>
-              <a:rPr lang="bg-BG" sz="3600" dirty="0" smtClean="0"/>
+              <a:rPr lang="bg-BG" sz="3600" dirty="0"/>
               <a:t> от публиката и отговаряйте кратко и ясно</a:t>
             </a:r>
             <a:endParaRPr lang="ru-RU" sz="3600" dirty="0"/>
@@ -8253,11 +8246,7 @@
           <a:p>
             <a:r>
               <a:rPr lang="bg-BG" dirty="0"/>
-              <a:t>͏Представяне на </a:t>
-            </a:r>
-            <a:r>
-              <a:rPr lang="bg-BG" dirty="0" smtClean="0"/>
-              <a:t>презентация</a:t>
+              <a:t>͏Представяне на презентация</a:t>
             </a:r>
             <a:endParaRPr lang="en-US" dirty="0"/>
           </a:p>
@@ -8322,13 +8311,6 @@
       <p:transition spd="slow" advClick="0" advTm="5000"/>
     </mc:Fallback>
   </mc:AlternateContent>
-  <p:timing>
-    <p:tnLst>
-      <p:par>
-        <p:cTn id="1" dur="indefinite" restart="never" nodeType="tmRoot"/>
-      </p:par>
-    </p:tnLst>
-  </p:timing>
 </p:sld>
 </file>
 
@@ -8365,34 +8347,34 @@
           <a:lstStyle/>
           <a:p>
             <a:r>
-              <a:rPr lang="bg-BG" b="1" dirty="0" smtClean="0"/>
+              <a:rPr lang="bg-BG" b="1" dirty="0"/>
               <a:t>Презентация</a:t>
             </a:r>
             <a:r>
-              <a:rPr lang="bg-BG" dirty="0" smtClean="0"/>
+              <a:rPr lang="bg-BG" dirty="0"/>
               <a:t> може да се </a:t>
             </a:r>
             <a:r>
-              <a:rPr lang="bg-BG" b="1" dirty="0" smtClean="0"/>
+              <a:rPr lang="bg-BG" b="1" dirty="0"/>
               <a:t>стартира</a:t>
             </a:r>
             <a:r>
-              <a:rPr lang="bg-BG" dirty="0" smtClean="0"/>
+              <a:rPr lang="bg-BG" dirty="0"/>
               <a:t> чрез:</a:t>
             </a:r>
           </a:p>
           <a:p>
             <a:pPr lvl="1"/>
             <a:r>
-              <a:rPr lang="bg-BG" dirty="0" smtClean="0"/>
+              <a:rPr lang="bg-BG" dirty="0"/>
               <a:t>Командите от </a:t>
             </a:r>
             <a:r>
-              <a:rPr lang="bg-BG" b="1" dirty="0" smtClean="0"/>
+              <a:rPr lang="bg-BG" b="1" dirty="0"/>
               <a:t>панела </a:t>
             </a:r>
             <a:r>
-              <a:rPr lang="en-US" b="1" dirty="0" smtClean="0">
+              <a:rPr lang="en-US" b="1" dirty="0">
                 <a:solidFill>
                   <a:schemeClr val="bg1"/>
                 </a:solidFill>
@@ -8400,15 +8382,15 @@
               <a:t>Start Slide Show </a:t>
             </a:r>
             <a:r>
-              <a:rPr lang="bg-BG" dirty="0" smtClean="0"/>
+              <a:rPr lang="bg-BG" dirty="0"/>
               <a:t>на </a:t>
             </a:r>
             <a:r>
-              <a:rPr lang="bg-BG" b="1" dirty="0" smtClean="0"/>
+              <a:rPr lang="bg-BG" b="1" dirty="0"/>
               <a:t>менюто </a:t>
             </a:r>
             <a:r>
-              <a:rPr lang="en-US" b="1" dirty="0" smtClean="0">
+              <a:rPr lang="en-US" b="1" dirty="0">
                 <a:solidFill>
                   <a:schemeClr val="bg1"/>
                 </a:solidFill>
@@ -8419,23 +8401,23 @@
           <a:p>
             <a:pPr lvl="1"/>
             <a:r>
-              <a:rPr lang="bg-BG" dirty="0" smtClean="0"/>
+              <a:rPr lang="bg-BG" dirty="0"/>
               <a:t>Натискане на </a:t>
             </a:r>
             <a:r>
-              <a:rPr lang="bg-BG" b="1" dirty="0" smtClean="0"/>
+              <a:rPr lang="bg-BG" b="1" dirty="0"/>
               <a:t>клавиша</a:t>
             </a:r>
             <a:r>
-              <a:rPr lang="bg-BG" dirty="0" smtClean="0"/>
+              <a:rPr lang="bg-BG" dirty="0"/>
               <a:t> </a:t>
             </a:r>
             <a:r>
-              <a:rPr lang="en-US" dirty="0" smtClean="0"/>
+              <a:rPr lang="en-US" dirty="0"/>
               <a:t>[</a:t>
             </a:r>
             <a:r>
-              <a:rPr lang="en-US" b="1" dirty="0" smtClean="0">
+              <a:rPr lang="en-US" b="1" dirty="0">
                 <a:solidFill>
                   <a:schemeClr val="bg1"/>
                 </a:solidFill>
@@ -8443,27 +8425,27 @@
               <a:t>F5</a:t>
             </a:r>
             <a:r>
-              <a:rPr lang="en-US" dirty="0" smtClean="0"/>
+              <a:rPr lang="en-US" dirty="0"/>
               <a:t>]</a:t>
             </a:r>
-            <a:endParaRPr lang="bg-BG" dirty="0" smtClean="0"/>
+            <a:endParaRPr lang="bg-BG" dirty="0"/>
           </a:p>
           <a:p>
             <a:pPr lvl="1"/>
             <a:r>
-              <a:rPr lang="bg-BG" b="1" dirty="0" smtClean="0"/>
+              <a:rPr lang="bg-BG" b="1" dirty="0"/>
               <a:t>Иконката</a:t>
             </a:r>
             <a:r>
-              <a:rPr lang="en-US" dirty="0" smtClean="0"/>
+              <a:rPr lang="en-US" dirty="0"/>
               <a:t>           </a:t>
             </a:r>
             <a:r>
-              <a:rPr lang="bg-BG" dirty="0" smtClean="0"/>
+              <a:rPr lang="bg-BG" dirty="0"/>
               <a:t>в долния десен ъгъл на </a:t>
             </a:r>
             <a:r>
-              <a:rPr lang="en-US" b="1" dirty="0" smtClean="0">
+              <a:rPr lang="en-US" b="1" dirty="0">
                 <a:solidFill>
                   <a:schemeClr val="bg1"/>
                 </a:solidFill>
@@ -8478,7 +8460,7 @@
           </a:p>
           <a:p>
             <a:pPr lvl="1"/>
-            <a:endParaRPr lang="en-US" dirty="0" smtClean="0"/>
+            <a:endParaRPr lang="en-US" dirty="0"/>
           </a:p>
           <a:p>
             <a:pPr lvl="1"/>
@@ -8502,7 +8484,7 @@
           <a:lstStyle/>
           <a:p>
             <a:r>
-              <a:rPr lang="bg-BG" dirty="0" smtClean="0"/>
+              <a:rPr lang="bg-BG" dirty="0"/>
               <a:t>Стартиране на презентация</a:t>
             </a:r>
             <a:endParaRPr lang="en-US" dirty="0"/>
@@ -9108,18 +9090,17 @@
           </a:p>
           <a:p>
             <a:r>
-              <a:rPr lang="bg-BG" dirty="0" smtClean="0"/>
+              <a:rPr lang="bg-BG" dirty="0"/>
               <a:t>За да се върнете на </a:t>
             </a:r>
             <a:r>
-              <a:rPr lang="bg-BG" b="1" dirty="0" smtClean="0"/>
+              <a:rPr lang="bg-BG" b="1" dirty="0"/>
               <a:t>предишен слайд</a:t>
             </a:r>
             <a:r>
-              <a:rPr lang="bg-BG" dirty="0" smtClean="0"/>
+              <a:rPr lang="bg-BG" dirty="0"/>
               <a:t>: </a:t>
             </a:r>
-            <a:endParaRPr lang="bg-BG" dirty="0"/>
           </a:p>
         </p:txBody>
       </p:sp>
@@ -9312,7 +9293,7 @@
                 <a:buSzPct val="70000"/>
               </a:pPr>
               <a:r>
-                <a:rPr lang="en-US" sz="3000" b="1" dirty="0" smtClean="0">
+                <a:rPr lang="en-US" sz="3000" b="1" dirty="0">
                   <a:solidFill>
                     <a:schemeClr val="bg2"/>
                   </a:solidFill>
@@ -9334,18 +9315,13 @@
                 <a:buSzPct val="70000"/>
               </a:pPr>
               <a:r>
-                <a:rPr lang="en-US" sz="3000" b="1" dirty="0" smtClean="0">
+                <a:rPr lang="en-US" sz="3000" b="1" dirty="0">
                   <a:solidFill>
                     <a:schemeClr val="bg2"/>
                   </a:solidFill>
                 </a:rPr>
                 <a:t>Up</a:t>
               </a:r>
-              <a:endParaRPr lang="en-US" sz="3000" b="1" dirty="0">
-                <a:solidFill>
-                  <a:schemeClr val="bg2"/>
-                </a:solidFill>
-              </a:endParaRPr>
             </a:p>
           </p:txBody>
         </p:sp>
@@ -9432,7 +9408,7 @@
                 <a:buSzPct val="70000"/>
               </a:pPr>
               <a:r>
-                <a:rPr lang="en-US" sz="2900" b="1" dirty="0" smtClean="0">
+                <a:rPr lang="en-US" sz="2900" b="1" dirty="0">
                   <a:solidFill>
                     <a:schemeClr val="bg2"/>
                   </a:solidFill>
@@ -9454,18 +9430,13 @@
                 <a:buSzPct val="70000"/>
               </a:pPr>
               <a:r>
-                <a:rPr lang="en-US" sz="2900" b="1" dirty="0" smtClean="0">
+                <a:rPr lang="en-US" sz="2900" b="1" dirty="0">
                   <a:solidFill>
                     <a:schemeClr val="bg2"/>
                   </a:solidFill>
                 </a:rPr>
                 <a:t>Down</a:t>
               </a:r>
-              <a:endParaRPr lang="en-US" sz="2900" b="1" dirty="0">
-                <a:solidFill>
-                  <a:schemeClr val="bg2"/>
-                </a:solidFill>
-              </a:endParaRPr>
             </a:p>
           </p:txBody>
         </p:sp>
@@ -9902,19 +9873,19 @@
           <a:lstStyle/>
           <a:p>
             <a:r>
-              <a:rPr lang="bg-BG" b="1" dirty="0" smtClean="0"/>
+              <a:rPr lang="bg-BG" b="1" dirty="0"/>
               <a:t>Презентацията</a:t>
             </a:r>
             <a:r>
-              <a:rPr lang="bg-BG" dirty="0" smtClean="0"/>
+              <a:rPr lang="bg-BG" dirty="0"/>
               <a:t> може да се </a:t>
             </a:r>
             <a:r>
-              <a:rPr lang="bg-BG" b="1" dirty="0" smtClean="0"/>
+              <a:rPr lang="bg-BG" b="1" dirty="0"/>
               <a:t>прекрати</a:t>
             </a:r>
             <a:r>
-              <a:rPr lang="bg-BG" dirty="0" smtClean="0"/>
+              <a:rPr lang="bg-BG" dirty="0"/>
               <a:t> чрез:</a:t>
             </a:r>
           </a:p>
@@ -9941,19 +9912,19 @@
               <a:t>Esc</a:t>
             </a:r>
             <a:r>
-              <a:rPr lang="en-US" dirty="0" smtClean="0"/>
+              <a:rPr lang="en-US" dirty="0"/>
               <a:t>]</a:t>
             </a:r>
-            <a:endParaRPr lang="bg-BG" dirty="0" smtClean="0"/>
+            <a:endParaRPr lang="bg-BG" dirty="0"/>
           </a:p>
           <a:p>
             <a:pPr lvl="1"/>
             <a:r>
-              <a:rPr lang="bg-BG" dirty="0" smtClean="0"/>
+              <a:rPr lang="bg-BG" dirty="0"/>
               <a:t>Командата </a:t>
             </a:r>
             <a:r>
-              <a:rPr lang="en-US" b="1" dirty="0" smtClean="0">
+              <a:rPr lang="en-US" b="1" dirty="0">
                 <a:solidFill>
                   <a:schemeClr val="bg1"/>
                 </a:solidFill>
@@ -9961,46 +9932,46 @@
               <a:t>End Show </a:t>
             </a:r>
             <a:r>
-              <a:rPr lang="bg-BG" dirty="0" smtClean="0"/>
+              <a:rPr lang="bg-BG" dirty="0"/>
               <a:t>от </a:t>
             </a:r>
             <a:r>
-              <a:rPr lang="bg-BG" b="1" dirty="0" smtClean="0"/>
+              <a:rPr lang="bg-BG" b="1" dirty="0"/>
               <a:t>контекстното меню </a:t>
             </a:r>
             <a:r>
-              <a:rPr lang="bg-BG" dirty="0" smtClean="0"/>
+              <a:rPr lang="bg-BG" dirty="0"/>
               <a:t>на </a:t>
             </a:r>
             <a:r>
-              <a:rPr lang="bg-BG" b="1" dirty="0" smtClean="0"/>
+              <a:rPr lang="bg-BG" b="1" dirty="0"/>
               <a:t>мишката</a:t>
             </a:r>
             <a:r>
-              <a:rPr lang="bg-BG" dirty="0" smtClean="0"/>
+              <a:rPr lang="bg-BG" dirty="0"/>
               <a:t> </a:t>
             </a:r>
-            <a:endParaRPr lang="en-US" dirty="0" smtClean="0"/>
+            <a:endParaRPr lang="en-US" dirty="0"/>
           </a:p>
           <a:p>
             <a:pPr lvl="2"/>
             <a:r>
-              <a:rPr lang="bg-BG" dirty="0" smtClean="0"/>
+              <a:rPr lang="bg-BG" dirty="0"/>
               <a:t>Натискане на </a:t>
             </a:r>
             <a:r>
-              <a:rPr lang="bg-BG" b="1" dirty="0" smtClean="0"/>
+              <a:rPr lang="bg-BG" b="1" dirty="0"/>
               <a:t>десен бутон </a:t>
             </a:r>
             <a:r>
-              <a:rPr lang="bg-BG" dirty="0" smtClean="0"/>
+              <a:rPr lang="bg-BG" dirty="0"/>
               <a:t>по </a:t>
             </a:r>
             <a:r>
-              <a:rPr lang="bg-BG" b="1" dirty="0" smtClean="0"/>
+              <a:rPr lang="bg-BG" b="1" dirty="0"/>
               <a:t>екрана</a:t>
             </a:r>
-            <a:endParaRPr lang="bg-BG" dirty="0" smtClean="0"/>
+            <a:endParaRPr lang="bg-BG" dirty="0"/>
           </a:p>
         </p:txBody>
       </p:sp>
@@ -10020,7 +9991,7 @@
           <a:lstStyle/>
           <a:p>
             <a:r>
-              <a:rPr lang="bg-BG" dirty="0" smtClean="0"/>
+              <a:rPr lang="bg-BG" dirty="0"/>
               <a:t>Край на представянето</a:t>
             </a:r>
             <a:endParaRPr lang="en-US" dirty="0"/>
@@ -10534,20 +10505,20 @@
           <a:lstStyle/>
           <a:p>
             <a:r>
-              <a:rPr lang="bg-BG" dirty="0" smtClean="0"/>
+              <a:rPr lang="bg-BG" dirty="0"/>
               <a:t>При представяне на презентация може да си подпомагате, като рисувате по слайдовете</a:t>
             </a:r>
           </a:p>
           <a:p>
             <a:r>
-              <a:rPr lang="bg-BG" dirty="0" smtClean="0"/>
+              <a:rPr lang="bg-BG" dirty="0"/>
               <a:t>За да използвате мишката като молив, трябва да отворите </a:t>
             </a:r>
             <a:r>
               <a:rPr lang="bg-BG" b="1" dirty="0"/>
               <a:t>контекстното меню </a:t>
             </a:r>
-            <a:endParaRPr lang="bg-BG" dirty="0" smtClean="0"/>
+            <a:endParaRPr lang="bg-BG" dirty="0"/>
           </a:p>
           <a:p>
             <a:pPr lvl="1"/>
@@ -10564,7 +10535,7 @@
               <a:t>по </a:t>
             </a:r>
             <a:r>
-              <a:rPr lang="bg-BG" b="1" dirty="0" smtClean="0"/>
+              <a:rPr lang="bg-BG" b="1" dirty="0"/>
               <a:t>екрана</a:t>
             </a:r>
             <a:endParaRPr lang="bg-BG" dirty="0"/>
@@ -10587,7 +10558,7 @@
           <a:lstStyle/>
           <a:p>
             <a:r>
-              <a:rPr lang="bg-BG" dirty="0" smtClean="0"/>
+              <a:rPr lang="bg-BG" dirty="0"/>
               <a:t>Помощни средства</a:t>
             </a:r>
             <a:endParaRPr lang="en-US" dirty="0"/>
@@ -11067,11 +11038,7 @@
           <a:p>
             <a:r>
               <a:rPr lang="bg-BG" dirty="0"/>
-              <a:t>Помощни </a:t>
-            </a:r>
-            <a:r>
-              <a:rPr lang="bg-BG" dirty="0" smtClean="0"/>
-              <a:t>средства – видео</a:t>
+              <a:t>Помощни средства – видео</a:t>
             </a:r>
             <a:endParaRPr lang="en-US" dirty="0"/>
           </a:p>
@@ -11132,13 +11099,6 @@
       <p:transition spd="slow" advClick="0" advTm="5000"/>
     </mc:Fallback>
   </mc:AlternateContent>
-  <p:timing>
-    <p:tnLst>
-      <p:par>
-        <p:cTn id="1" dur="indefinite" restart="never" nodeType="tmRoot"/>
-      </p:par>
-    </p:tnLst>
-  </p:timing>
 </p:sld>
 </file>
 
@@ -11351,25 +11311,25 @@
           <a:p>
             <a:pPr lvl="0"/>
             <a:r>
-              <a:rPr lang="en-US" smtClean="0"/>
+              <a:rPr lang="en-US"/>
               <a:t>…</a:t>
             </a:r>
           </a:p>
           <a:p>
             <a:pPr lvl="0"/>
             <a:r>
-              <a:rPr lang="en-GB" smtClean="0"/>
+              <a:rPr lang="en-GB"/>
               <a:t>…</a:t>
             </a:r>
-            <a:endParaRPr lang="en-US" smtClean="0"/>
+            <a:endParaRPr lang="en-US"/>
           </a:p>
           <a:p>
             <a:pPr lvl="0"/>
             <a:r>
-              <a:rPr lang="en-GB" smtClean="0"/>
+              <a:rPr lang="en-GB"/>
               <a:t>…</a:t>
             </a:r>
-            <a:endParaRPr lang="en-US" smtClean="0"/>
+            <a:endParaRPr lang="en-US"/>
           </a:p>
           <a:p>
             <a:pPr lvl="0"/>
@@ -11393,7 +11353,7 @@
           <a:lstStyle/>
           <a:p>
             <a:r>
-              <a:rPr lang="bg-BG" smtClean="0"/>
+              <a:rPr lang="bg-BG"/>
               <a:t>Какво научихме днес?</a:t>
             </a:r>
             <a:endParaRPr lang="en-US" dirty="0"/>
@@ -11800,9 +11760,9 @@
               </a:buClr>
             </a:pPr>
             <a:r>
-              <a:rPr lang="bg-BG" sz="3200" b="1" dirty="0" smtClean="0">
+              <a:rPr lang="bg-BG" sz="3200" b="1" dirty="0">
                 <a:solidFill>
-                  <a:schemeClr val="bg1">
+                  <a:schemeClr val="accent1">
                     <a:lumMod val="60000"/>
                     <a:lumOff val="40000"/>
                   </a:schemeClr>
@@ -11811,7 +11771,7 @@
               <a:t>Правила</a:t>
             </a:r>
             <a:r>
-              <a:rPr lang="bg-BG" sz="3200" dirty="0" smtClean="0">
+              <a:rPr lang="bg-BG" sz="3200" dirty="0">
                 <a:solidFill>
                   <a:schemeClr val="bg2"/>
                 </a:solidFill>
@@ -11819,7 +11779,7 @@
               <a:t> при </a:t>
             </a:r>
             <a:r>
-              <a:rPr lang="bg-BG" sz="3200" b="1" dirty="0" smtClean="0">
+              <a:rPr lang="bg-BG" sz="3200" b="1" dirty="0">
                 <a:solidFill>
                   <a:schemeClr val="bg2"/>
                 </a:solidFill>
@@ -11827,7 +11787,7 @@
               <a:t>представяне</a:t>
             </a:r>
             <a:r>
-              <a:rPr lang="bg-BG" sz="3200" dirty="0" smtClean="0">
+              <a:rPr lang="bg-BG" sz="3200" dirty="0">
                 <a:solidFill>
                   <a:schemeClr val="bg2"/>
                 </a:solidFill>
@@ -11845,7 +11805,7 @@
               </a:buClr>
             </a:pPr>
             <a:r>
-              <a:rPr lang="bg-BG" sz="3200" dirty="0" smtClean="0">
+              <a:rPr lang="bg-BG" sz="3200" dirty="0">
                 <a:solidFill>
                   <a:schemeClr val="bg2"/>
                 </a:solidFill>
@@ -11863,7 +11823,7 @@
               </a:buClr>
             </a:pPr>
             <a:r>
-              <a:rPr lang="bg-BG" sz="2800" b="1" dirty="0" smtClean="0">
+              <a:rPr lang="bg-BG" sz="2800" b="1" dirty="0">
                 <a:solidFill>
                   <a:schemeClr val="bg2"/>
                 </a:solidFill>
@@ -11881,7 +11841,7 @@
               </a:buClr>
             </a:pPr>
             <a:r>
-              <a:rPr lang="bg-BG" sz="2800" b="1" dirty="0" smtClean="0">
+              <a:rPr lang="bg-BG" sz="2800" b="1" dirty="0">
                 <a:solidFill>
                   <a:schemeClr val="bg2"/>
                 </a:solidFill>
@@ -11889,7 +11849,7 @@
               <a:t>Смяна</a:t>
             </a:r>
             <a:r>
-              <a:rPr lang="bg-BG" sz="2800" dirty="0" smtClean="0">
+              <a:rPr lang="bg-BG" sz="2800" dirty="0">
                 <a:solidFill>
                   <a:schemeClr val="bg2"/>
                 </a:solidFill>
@@ -11897,7 +11857,7 @@
               <a:t> на </a:t>
             </a:r>
             <a:r>
-              <a:rPr lang="bg-BG" sz="2800" b="1" dirty="0" smtClean="0">
+              <a:rPr lang="bg-BG" sz="2800" b="1" dirty="0">
                 <a:solidFill>
                   <a:schemeClr val="bg2"/>
                 </a:solidFill>
@@ -11915,7 +11875,7 @@
               </a:buClr>
             </a:pPr>
             <a:r>
-              <a:rPr lang="bg-BG" sz="2800" b="1" dirty="0" smtClean="0">
+              <a:rPr lang="bg-BG" sz="2800" b="1" dirty="0">
                 <a:solidFill>
                   <a:schemeClr val="bg2"/>
                 </a:solidFill>
@@ -11923,7 +11883,7 @@
               <a:t>Край</a:t>
             </a:r>
             <a:r>
-              <a:rPr lang="bg-BG" sz="2800" dirty="0" smtClean="0">
+              <a:rPr lang="bg-BG" sz="2800" dirty="0">
                 <a:solidFill>
                   <a:schemeClr val="bg2"/>
                 </a:solidFill>
@@ -11941,14 +11901,14 @@
               </a:buClr>
             </a:pPr>
             <a:r>
-              <a:rPr lang="bg-BG" sz="2800" b="1" dirty="0" smtClean="0">
+              <a:rPr lang="bg-BG" sz="2800" b="1" dirty="0">
                 <a:solidFill>
                   <a:schemeClr val="bg2"/>
                 </a:solidFill>
               </a:rPr>
               <a:t>Помощни средства</a:t>
             </a:r>
-            <a:endParaRPr lang="bg-BG" sz="2800" dirty="0" smtClean="0">
+            <a:endParaRPr lang="bg-BG" sz="2800" dirty="0">
               <a:solidFill>
                 <a:schemeClr val="bg2"/>
               </a:solidFill>
@@ -12381,7 +12341,7 @@
                 <a:hlinkClick r:id="rId3">
                   <a:extLst>
                     <a:ext uri="{A12FA001-AC4F-418D-AE19-62706E023703}">
-                      <ahyp:hlinkClr xmlns="" xmlns:ahyp="http://schemas.microsoft.com/office/drawing/2018/hyperlinkcolor" val="tx"/>
+                      <ahyp:hlinkClr xmlns:ahyp="http://schemas.microsoft.com/office/drawing/2018/hyperlinkcolor" val="tx"/>
                     </a:ext>
                   </a:extLst>
                 </a:hlinkClick>
@@ -12454,13 +12414,6 @@
       <p:transition spd="slow" advClick="0" advTm="5000"/>
     </mc:Fallback>
   </mc:AlternateContent>
-  <p:timing>
-    <p:tnLst>
-      <p:par>
-        <p:cTn id="1" dur="indefinite" restart="never" nodeType="tmRoot"/>
-      </p:par>
-    </p:tnLst>
-  </p:timing>
 </p:sld>
 </file>
 
@@ -12632,11 +12585,11 @@
           <a:lstStyle/>
           <a:p>
             <a:r>
-              <a:rPr lang="bg-BG" dirty="0" smtClean="0"/>
+              <a:rPr lang="bg-BG" dirty="0"/>
               <a:t>͏͏͏</a:t>
             </a:r>
             <a:r>
-              <a:rPr lang="bg-BG" b="1" dirty="0" smtClean="0"/>
+              <a:rPr lang="bg-BG" b="1" dirty="0"/>
               <a:t>Основни </a:t>
             </a:r>
             <a:r>
@@ -12661,29 +12614,25 @@
             </a:r>
             <a:r>
               <a:rPr lang="bg-BG" dirty="0"/>
+              <a:t> на презентация</a:t>
+            </a:r>
+            <a:endParaRPr lang="en-US" dirty="0"/>
+          </a:p>
+          <a:p>
+            <a:r>
+              <a:rPr lang="bg-BG" dirty="0"/>
+              <a:t>͏</a:t>
+            </a:r>
+            <a:r>
+              <a:rPr lang="bg-BG" b="1" dirty="0"/>
+              <a:t>Представяне</a:t>
+            </a:r>
+            <a:r>
+              <a:rPr lang="bg-BG" dirty="0"/>
               <a:t> на </a:t>
             </a:r>
             <a:r>
-              <a:rPr lang="bg-BG" dirty="0" smtClean="0"/>
-              <a:t>презентация</a:t>
-            </a:r>
-            <a:endParaRPr lang="en-US" dirty="0" smtClean="0"/>
-          </a:p>
-          <a:p>
-            <a:r>
-              <a:rPr lang="bg-BG" dirty="0" smtClean="0"/>
-              <a:t>͏</a:t>
-            </a:r>
-            <a:r>
-              <a:rPr lang="bg-BG" b="1" dirty="0" smtClean="0"/>
-              <a:t>Представяне</a:t>
-            </a:r>
-            <a:r>
-              <a:rPr lang="bg-BG" dirty="0" smtClean="0"/>
-              <a:t> на </a:t>
-            </a:r>
-            <a:r>
-              <a:rPr lang="bg-BG" b="1" dirty="0" smtClean="0"/>
+              <a:rPr lang="bg-BG" b="1" dirty="0"/>
               <a:t>презентация</a:t>
             </a:r>
           </a:p>
@@ -13246,13 +13195,6 @@
       <p:transition spd="slow" advClick="0" advTm="5000"/>
     </mc:Fallback>
   </mc:AlternateContent>
-  <p:timing>
-    <p:tnLst>
-      <p:par>
-        <p:cTn id="1" dur="indefinite" restart="never" nodeType="tmRoot"/>
-      </p:par>
-    </p:tnLst>
-  </p:timing>
 </p:sld>
 </file>
 
@@ -13294,7 +13236,7 @@
           <a:lstStyle/>
           <a:p>
             <a:r>
-              <a:rPr lang="bg-BG" dirty="0" smtClean="0"/>
+              <a:rPr lang="bg-BG" dirty="0"/>
               <a:t>Основни правила при представяне на презентация</a:t>
             </a:r>
             <a:endParaRPr lang="en-US" dirty="0"/>
@@ -13349,13 +13291,6 @@
       <p:transition spd="slow" advClick="0" advTm="5000"/>
     </mc:Fallback>
   </mc:AlternateContent>
-  <p:timing>
-    <p:tnLst>
-      <p:par>
-        <p:cTn id="1" dur="indefinite" restart="never" nodeType="tmRoot"/>
-      </p:par>
-    </p:tnLst>
-  </p:timing>
 </p:sld>
 </file>
 
@@ -13623,15 +13558,15 @@
               <a:buAutoNum type="arabicPeriod"/>
             </a:pPr>
             <a:r>
-              <a:rPr lang="ru-RU" sz="3600" dirty="0" smtClean="0"/>
+              <a:rPr lang="ru-RU" sz="3600" dirty="0"/>
               <a:t>͏</a:t>
             </a:r>
             <a:r>
-              <a:rPr lang="ru-RU" sz="3600" b="1" dirty="0" smtClean="0"/>
+              <a:rPr lang="ru-RU" sz="3600" b="1" dirty="0"/>
               <a:t>Уважавайте</a:t>
             </a:r>
             <a:r>
-              <a:rPr lang="ru-RU" sz="3600" dirty="0" smtClean="0"/>
+              <a:rPr lang="ru-RU" sz="3600" dirty="0"/>
               <a:t> </a:t>
             </a:r>
             <a:r>
@@ -13640,13 +13575,8 @@
             </a:r>
             <a:r>
               <a:rPr lang="ru-RU" sz="3600" dirty="0"/>
-              <a:t>, отделила от личното си време, за да ви </a:t>
-            </a:r>
-            <a:r>
-              <a:rPr lang="ru-RU" sz="3600" dirty="0" smtClean="0"/>
-              <a:t>изслуша</a:t>
-            </a:r>
-            <a:endParaRPr lang="ru-RU" sz="3600" dirty="0"/>
+              <a:t>, отделила от личното си време, за да ви изслуша</a:t>
+            </a:r>
           </a:p>
         </p:txBody>
       </p:sp>
@@ -14001,14 +13931,13 @@
               <a:buAutoNum type="arabicPeriod" startAt="2"/>
             </a:pPr>
             <a:r>
-              <a:rPr lang="ru-RU" sz="3600" dirty="0" smtClean="0"/>
+              <a:rPr lang="ru-RU" sz="3600" dirty="0"/>
               <a:t>По време на представянето бъдете с </a:t>
             </a:r>
             <a:r>
-              <a:rPr lang="ru-RU" sz="3600" b="1" dirty="0" smtClean="0"/>
+              <a:rPr lang="ru-RU" sz="3600" b="1" dirty="0"/>
               <a:t>лице към публиката</a:t>
             </a:r>
-            <a:endParaRPr lang="ru-RU" sz="3600" b="1" dirty="0"/>
           </a:p>
         </p:txBody>
       </p:sp>
@@ -14471,34 +14400,33 @@
               <a:buAutoNum type="arabicPeriod" startAt="3"/>
             </a:pPr>
             <a:r>
-              <a:rPr lang="ru-RU" sz="3600" dirty="0" smtClean="0"/>
+              <a:rPr lang="ru-RU" sz="3600" dirty="0"/>
               <a:t>Движете се </a:t>
             </a:r>
             <a:r>
-              <a:rPr lang="ru-RU" sz="3600" b="1" dirty="0" smtClean="0"/>
+              <a:rPr lang="ru-RU" sz="3600" b="1" dirty="0"/>
               <a:t>естествено</a:t>
             </a:r>
             <a:r>
-              <a:rPr lang="ru-RU" sz="3600" dirty="0" smtClean="0"/>
+              <a:rPr lang="ru-RU" sz="3600" dirty="0"/>
               <a:t> и </a:t>
             </a:r>
             <a:r>
-              <a:rPr lang="ru-RU" sz="3600" b="1" dirty="0" smtClean="0"/>
+              <a:rPr lang="ru-RU" sz="3600" b="1" dirty="0"/>
               <a:t>спокойно</a:t>
             </a:r>
             <a:r>
-              <a:rPr lang="ru-RU" sz="3600" dirty="0" smtClean="0"/>
+              <a:rPr lang="ru-RU" sz="3600" dirty="0"/>
               <a:t>, </a:t>
             </a:r>
             <a:r>
-              <a:rPr lang="ru-RU" sz="3600" b="1" dirty="0" smtClean="0"/>
+              <a:rPr lang="ru-RU" sz="3600" b="1" dirty="0"/>
               <a:t>уверени</a:t>
             </a:r>
             <a:r>
-              <a:rPr lang="ru-RU" sz="3600" dirty="0" smtClean="0"/>
+              <a:rPr lang="ru-RU" sz="3600" dirty="0"/>
               <a:t> в това, което представяте</a:t>
             </a:r>
-            <a:endParaRPr lang="ru-RU" sz="3600" dirty="0"/>
           </a:p>
         </p:txBody>
       </p:sp>
@@ -15007,14 +14935,13 @@
               <a:buAutoNum type="arabicPeriod" startAt="4"/>
             </a:pPr>
             <a:r>
-              <a:rPr lang="ru-RU" sz="3600" dirty="0" smtClean="0"/>
+              <a:rPr lang="ru-RU" sz="3600" dirty="0"/>
               <a:t>Облечете се с </a:t>
             </a:r>
             <a:r>
-              <a:rPr lang="ru-RU" sz="3600" b="1" dirty="0" smtClean="0"/>
+              <a:rPr lang="ru-RU" sz="3600" b="1" dirty="0"/>
               <a:t>подходящо облекло</a:t>
             </a:r>
-            <a:endParaRPr lang="ru-RU" sz="3600" b="1" dirty="0"/>
           </a:p>
         </p:txBody>
       </p:sp>
@@ -15516,35 +15443,35 @@
               <a:buAutoNum type="arabicPeriod" startAt="5"/>
             </a:pPr>
             <a:r>
-              <a:rPr lang="bg-BG" sz="3600" dirty="0" smtClean="0"/>
+              <a:rPr lang="bg-BG" sz="3600" dirty="0"/>
               <a:t>Следете </a:t>
             </a:r>
             <a:r>
-              <a:rPr lang="bg-BG" sz="3600" b="1" dirty="0" smtClean="0"/>
+              <a:rPr lang="bg-BG" sz="3600" b="1" dirty="0"/>
               <a:t>реакцията</a:t>
             </a:r>
             <a:r>
-              <a:rPr lang="bg-BG" sz="3600" dirty="0" smtClean="0"/>
+              <a:rPr lang="bg-BG" sz="3600" dirty="0"/>
               <a:t> на </a:t>
             </a:r>
             <a:r>
-              <a:rPr lang="bg-BG" sz="3600" b="1" dirty="0" smtClean="0"/>
+              <a:rPr lang="bg-BG" sz="3600" b="1" dirty="0"/>
               <a:t>публиката</a:t>
             </a:r>
             <a:r>
-              <a:rPr lang="bg-BG" sz="3600" dirty="0" smtClean="0"/>
+              <a:rPr lang="bg-BG" sz="3600" dirty="0"/>
               <a:t> и </a:t>
             </a:r>
             <a:r>
-              <a:rPr lang="bg-BG" sz="3600" b="1" dirty="0" smtClean="0"/>
+              <a:rPr lang="bg-BG" sz="3600" b="1" dirty="0"/>
               <a:t>задръжте</a:t>
             </a:r>
             <a:r>
-              <a:rPr lang="bg-BG" sz="3600" dirty="0" smtClean="0"/>
+              <a:rPr lang="bg-BG" sz="3600" dirty="0"/>
               <a:t> нейното </a:t>
             </a:r>
             <a:r>
-              <a:rPr lang="bg-BG" sz="3600" b="1" dirty="0" smtClean="0"/>
+              <a:rPr lang="bg-BG" sz="3600" b="1" dirty="0"/>
               <a:t>внимание</a:t>
             </a:r>
             <a:endParaRPr lang="ru-RU" sz="3600" b="1" dirty="0"/>
@@ -16047,31 +15974,31 @@
               <a:buAutoNum type="arabicPeriod" startAt="6"/>
             </a:pPr>
             <a:r>
-              <a:rPr lang="bg-BG" sz="3600" dirty="0" smtClean="0"/>
+              <a:rPr lang="bg-BG" sz="3600" dirty="0"/>
               <a:t>͏</a:t>
             </a:r>
             <a:r>
-              <a:rPr lang="bg-BG" sz="3600" b="1" dirty="0" smtClean="0"/>
+              <a:rPr lang="bg-BG" sz="3600" b="1" dirty="0"/>
               <a:t>Говорете ясно</a:t>
             </a:r>
             <a:r>
-              <a:rPr lang="bg-BG" sz="3600" dirty="0" smtClean="0"/>
+              <a:rPr lang="bg-BG" sz="3600" dirty="0"/>
               <a:t>, </a:t>
             </a:r>
             <a:r>
-              <a:rPr lang="bg-BG" sz="3600" b="1" dirty="0" smtClean="0"/>
+              <a:rPr lang="bg-BG" sz="3600" b="1" dirty="0"/>
               <a:t>точно</a:t>
             </a:r>
             <a:r>
-              <a:rPr lang="bg-BG" sz="3600" dirty="0" smtClean="0"/>
+              <a:rPr lang="bg-BG" sz="3600" dirty="0"/>
               <a:t> и </a:t>
             </a:r>
             <a:r>
-              <a:rPr lang="bg-BG" sz="3600" b="1" dirty="0" smtClean="0"/>
+              <a:rPr lang="bg-BG" sz="3600" b="1" dirty="0"/>
               <a:t>разбираемо</a:t>
             </a:r>
             <a:r>
-              <a:rPr lang="bg-BG" sz="3600" dirty="0" smtClean="0"/>
+              <a:rPr lang="bg-BG" sz="3600" dirty="0"/>
               <a:t> за публиката</a:t>
             </a:r>
             <a:endParaRPr lang="ru-RU" sz="3600" dirty="0"/>
